--- a/Presentasi Permainan Kosakata.pptx
+++ b/Presentasi Permainan Kosakata.pptx
@@ -2,7 +2,7 @@
 <file path=ppt/presentation.xml><?xml version="1.0" encoding="utf-8"?>
 <p:presentation xmlns:a="http://schemas.openxmlformats.org/drawingml/2006/main" xmlns:r="http://schemas.openxmlformats.org/officeDocument/2006/relationships" xmlns:p="http://schemas.openxmlformats.org/presentationml/2006/main" saveSubsetFonts="1">
   <p:sldMasterIdLst>
-    <p:sldMasterId id="2147483660" r:id="rId1"/>
+    <p:sldMasterId id="2147483672" r:id="rId1"/>
   </p:sldMasterIdLst>
   <p:sldIdLst>
     <p:sldId id="256" r:id="rId2"/>
@@ -118,6 +118,11 @@
 <file path=ppt/slideLayouts/slideLayout1.xml><?xml version="1.0" encoding="utf-8"?>
 <p:sldLayout xmlns:a="http://schemas.openxmlformats.org/drawingml/2006/main" xmlns:r="http://schemas.openxmlformats.org/officeDocument/2006/relationships" xmlns:p="http://schemas.openxmlformats.org/presentationml/2006/main" showMasterSp="0" type="title" preserve="1">
   <p:cSld name="Title Slide">
+    <p:bg>
+      <p:bgRef idx="1002">
+        <a:schemeClr val="bg2"/>
+      </p:bgRef>
+    </p:bg>
     <p:spTree>
       <p:nvGrpSpPr>
         <p:cNvPr id="1" name=""/>
@@ -134,297 +139,352 @@
       </p:grpSpPr>
       <p:sp>
         <p:nvSpPr>
-          <p:cNvPr id="10" name="Rectangle 9"/>
-          <p:cNvSpPr/>
+          <p:cNvPr id="7" name="Freeform 6"/>
+          <p:cNvSpPr>
+            <a:spLocks/>
+          </p:cNvSpPr>
           <p:nvPr/>
+        </p:nvSpPr>
+        <p:spPr bwMode="auto">
+          <a:xfrm>
+            <a:off x="0" y="4752126"/>
+            <a:ext cx="9144000" cy="2112962"/>
+          </a:xfrm>
+          <a:custGeom>
+            <a:avLst>
+              <a:gd name="A1" fmla="val 0"/>
+              <a:gd name="A2" fmla="val 0"/>
+              <a:gd name="A3" fmla="val 0"/>
+              <a:gd name="A4" fmla="val 0"/>
+              <a:gd name="A5" fmla="val 0"/>
+              <a:gd name="A6" fmla="val 0"/>
+              <a:gd name="A7" fmla="val 0"/>
+              <a:gd name="A8" fmla="val 0"/>
+            </a:avLst>
+            <a:gdLst/>
+            <a:ahLst/>
+            <a:cxnLst>
+              <a:cxn ang="0">
+                <a:pos x="0" y="1066"/>
+              </a:cxn>
+              <a:cxn ang="0">
+                <a:pos x="0" y="1331"/>
+              </a:cxn>
+              <a:cxn ang="0">
+                <a:pos x="5760" y="1331"/>
+              </a:cxn>
+              <a:cxn ang="0">
+                <a:pos x="5760" y="0"/>
+              </a:cxn>
+              <a:cxn ang="0">
+                <a:pos x="0" y="1066"/>
+              </a:cxn>
+            </a:cxnLst>
+            <a:rect l="0" t="0" r="0" b="0"/>
+            <a:pathLst>
+              <a:path w="5760" h="1331">
+                <a:moveTo>
+                  <a:pt x="0" y="1066"/>
+                </a:moveTo>
+                <a:lnTo>
+                  <a:pt x="0" y="1331"/>
+                </a:lnTo>
+                <a:lnTo>
+                  <a:pt x="5760" y="1331"/>
+                </a:lnTo>
+                <a:lnTo>
+                  <a:pt x="5760" y="0"/>
+                </a:lnTo>
+                <a:cubicBezTo>
+                  <a:pt x="3220" y="1206"/>
+                  <a:pt x="2250" y="1146"/>
+                  <a:pt x="0" y="1066"/>
+                </a:cubicBezTo>
+                <a:close/>
+              </a:path>
+            </a:pathLst>
+          </a:custGeom>
+          <a:solidFill>
+            <a:schemeClr val="bg1">
+              <a:tint val="80000"/>
+              <a:satMod val="200000"/>
+              <a:alpha val="45000"/>
+            </a:schemeClr>
+          </a:solidFill>
+          <a:ln w="9525" cap="flat" cmpd="sng" algn="ctr">
+            <a:noFill/>
+            <a:prstDash val="solid"/>
+            <a:round/>
+            <a:headEnd type="none" w="med" len="med"/>
+            <a:tailEnd type="none" w="med" len="med"/>
+          </a:ln>
+          <a:effectLst>
+            <a:outerShdw blurRad="50800" dist="44450" dir="16200000" algn="ctr" rotWithShape="0">
+              <a:prstClr val="black">
+                <a:alpha val="35000"/>
+              </a:prstClr>
+            </a:outerShdw>
+          </a:effectLst>
+        </p:spPr>
+        <p:txBody>
+          <a:bodyPr vert="horz" wrap="square" lIns="91440" tIns="45720" rIns="91440" bIns="45720" anchor="t" compatLnSpc="1"/>
+          <a:lstStyle/>
+          <a:p>
+            <a:endParaRPr kumimoji="0" lang="en-US"/>
+          </a:p>
+        </p:txBody>
+      </p:sp>
+      <p:sp>
+        <p:nvSpPr>
+          <p:cNvPr id="8" name="Freeform 7"/>
+          <p:cNvSpPr>
+            <a:spLocks/>
+          </p:cNvSpPr>
+          <p:nvPr/>
+        </p:nvSpPr>
+        <p:spPr bwMode="auto">
+          <a:xfrm>
+            <a:off x="6105525" y="0"/>
+            <a:ext cx="3038475" cy="6858000"/>
+          </a:xfrm>
+          <a:custGeom>
+            <a:avLst/>
+            <a:gdLst>
+              <a:gd name="connsiteX0" fmla="*/ 1914 w 1914"/>
+              <a:gd name="connsiteY0" fmla="*/ 9 h 4329"/>
+              <a:gd name="connsiteX1" fmla="*/ 1914 w 1914"/>
+              <a:gd name="connsiteY1" fmla="*/ 4329 h 4329"/>
+              <a:gd name="connsiteX2" fmla="*/ 204 w 1914"/>
+              <a:gd name="connsiteY2" fmla="*/ 4327 h 4329"/>
+              <a:gd name="connsiteX3" fmla="*/ 0 w 1914"/>
+              <a:gd name="connsiteY3" fmla="*/ 0 h 4329"/>
+              <a:gd name="connsiteX4" fmla="*/ 1914 w 1914"/>
+              <a:gd name="connsiteY4" fmla="*/ 9 h 4329"/>
+            </a:gdLst>
+            <a:ahLst/>
+            <a:cxnLst>
+              <a:cxn ang="0">
+                <a:pos x="connsiteX0" y="connsiteY0"/>
+              </a:cxn>
+              <a:cxn ang="0">
+                <a:pos x="connsiteX1" y="connsiteY1"/>
+              </a:cxn>
+              <a:cxn ang="0">
+                <a:pos x="connsiteX2" y="connsiteY2"/>
+              </a:cxn>
+              <a:cxn ang="0">
+                <a:pos x="connsiteX3" y="connsiteY3"/>
+              </a:cxn>
+              <a:cxn ang="0">
+                <a:pos x="connsiteX4" y="connsiteY4"/>
+              </a:cxn>
+            </a:cxnLst>
+            <a:rect l="l" t="t" r="r" b="b"/>
+            <a:pathLst>
+              <a:path w="1914" h="4329">
+                <a:moveTo>
+                  <a:pt x="1914" y="9"/>
+                </a:moveTo>
+                <a:lnTo>
+                  <a:pt x="1914" y="4329"/>
+                </a:lnTo>
+                <a:lnTo>
+                  <a:pt x="204" y="4327"/>
+                </a:lnTo>
+                <a:cubicBezTo>
+                  <a:pt x="1288" y="3574"/>
+                  <a:pt x="1608" y="1590"/>
+                  <a:pt x="0" y="0"/>
+                </a:cubicBezTo>
+                <a:lnTo>
+                  <a:pt x="1914" y="9"/>
+                </a:lnTo>
+                <a:close/>
+              </a:path>
+            </a:pathLst>
+          </a:custGeom>
+          <a:solidFill>
+            <a:schemeClr val="bg1">
+              <a:tint val="90000"/>
+              <a:satMod val="350000"/>
+              <a:alpha val="40000"/>
+            </a:schemeClr>
+          </a:solidFill>
+          <a:ln w="9525" cap="flat" cmpd="sng" algn="ctr">
+            <a:noFill/>
+            <a:prstDash val="solid"/>
+            <a:round/>
+            <a:headEnd type="none" w="med" len="med"/>
+            <a:tailEnd type="none" w="med" len="med"/>
+          </a:ln>
+          <a:effectLst>
+            <a:outerShdw blurRad="50800" dist="50800" dir="10800000" algn="ctr" rotWithShape="0">
+              <a:prstClr val="black">
+                <a:alpha val="45000"/>
+              </a:prstClr>
+            </a:outerShdw>
+          </a:effectLst>
+        </p:spPr>
+        <p:txBody>
+          <a:bodyPr vert="horz" wrap="square" lIns="91440" tIns="45720" rIns="91440" bIns="45720" anchor="t" compatLnSpc="1"/>
+          <a:lstStyle/>
+          <a:p>
+            <a:endParaRPr kumimoji="0" lang="en-US"/>
+          </a:p>
+        </p:txBody>
+      </p:sp>
+      <p:sp>
+        <p:nvSpPr>
+          <p:cNvPr id="9" name="Title 8"/>
+          <p:cNvSpPr>
+            <a:spLocks noGrp="1"/>
+          </p:cNvSpPr>
+          <p:nvPr>
+            <p:ph type="ctrTitle"/>
+          </p:nvPr>
         </p:nvSpPr>
         <p:spPr>
           <a:xfrm>
-            <a:off x="0" y="0"/>
-            <a:ext cx="9144000" cy="2933700"/>
+            <a:off x="429064" y="3337560"/>
+            <a:ext cx="6480048" cy="2301240"/>
           </a:xfrm>
-          <a:prstGeom prst="rect">
-            <a:avLst/>
-          </a:prstGeom>
-          <a:solidFill>
-            <a:schemeClr val="bg1"/>
-          </a:solidFill>
-          <a:ln>
-            <a:noFill/>
-          </a:ln>
         </p:spPr>
-        <p:style>
-          <a:lnRef idx="2">
-            <a:schemeClr val="accent1">
-              <a:shade val="50000"/>
-            </a:schemeClr>
-          </a:lnRef>
-          <a:fillRef idx="1">
-            <a:schemeClr val="accent1"/>
-          </a:fillRef>
-          <a:effectRef idx="0">
-            <a:schemeClr val="accent1"/>
-          </a:effectRef>
-          <a:fontRef idx="minor">
-            <a:schemeClr val="lt1"/>
-          </a:fontRef>
-        </p:style>
-        <p:txBody>
-          <a:bodyPr rtlCol="0" anchor="ctr"/>
-          <a:lstStyle/>
-          <a:p>
-            <a:pPr algn="ctr"/>
-            <a:endParaRPr lang="en-US"/>
-          </a:p>
-        </p:txBody>
-      </p:sp>
-      <p:cxnSp>
-        <p:nvCxnSpPr>
-          <p:cNvPr id="18" name="Straight Connector 17"/>
-          <p:cNvCxnSpPr/>
-          <p:nvPr/>
-        </p:nvCxnSpPr>
+        <p:txBody>
+          <a:bodyPr rIns="45720" anchor="t"/>
+          <a:lstStyle>
+            <a:lvl1pPr algn="r">
+              <a:defRPr lang="en-US" b="1" cap="all" baseline="0" dirty="0">
+                <a:ln w="5000" cmpd="sng">
+                  <a:solidFill>
+                    <a:schemeClr val="accent1">
+                      <a:tint val="80000"/>
+                      <a:shade val="99000"/>
+                      <a:satMod val="500000"/>
+                    </a:schemeClr>
+                  </a:solidFill>
+                  <a:prstDash val="solid"/>
+                </a:ln>
+                <a:gradFill>
+                  <a:gsLst>
+                    <a:gs pos="0">
+                      <a:schemeClr val="accent1">
+                        <a:tint val="63000"/>
+                        <a:satMod val="255000"/>
+                      </a:schemeClr>
+                    </a:gs>
+                    <a:gs pos="9000">
+                      <a:schemeClr val="accent1">
+                        <a:tint val="63000"/>
+                        <a:satMod val="255000"/>
+                      </a:schemeClr>
+                    </a:gs>
+                    <a:gs pos="53000">
+                      <a:schemeClr val="accent1">
+                        <a:shade val="60000"/>
+                        <a:satMod val="100000"/>
+                      </a:schemeClr>
+                    </a:gs>
+                    <a:gs pos="90000">
+                      <a:schemeClr val="accent1">
+                        <a:tint val="63000"/>
+                        <a:satMod val="255000"/>
+                      </a:schemeClr>
+                    </a:gs>
+                    <a:gs pos="100000">
+                      <a:schemeClr val="accent1">
+                        <a:tint val="63000"/>
+                        <a:satMod val="255000"/>
+                      </a:schemeClr>
+                    </a:gs>
+                  </a:gsLst>
+                  <a:lin ang="5400000"/>
+                </a:gradFill>
+                <a:effectLst>
+                  <a:outerShdw blurRad="50800" dist="38100" dir="5400000" algn="t" rotWithShape="0">
+                    <a:prstClr val="black">
+                      <a:alpha val="50000"/>
+                    </a:prstClr>
+                  </a:outerShdw>
+                </a:effectLst>
+              </a:defRPr>
+            </a:lvl1pPr>
+          </a:lstStyle>
+          <a:p>
+            <a:r>
+              <a:rPr kumimoji="0" lang="en-US" smtClean="0"/>
+              <a:t>Click to edit Master title style</a:t>
+            </a:r>
+            <a:endParaRPr kumimoji="0" lang="en-US"/>
+          </a:p>
+        </p:txBody>
+      </p:sp>
+      <p:sp>
+        <p:nvSpPr>
+          <p:cNvPr id="17" name="Subtitle 16"/>
+          <p:cNvSpPr>
+            <a:spLocks noGrp="1"/>
+          </p:cNvSpPr>
+          <p:nvPr>
+            <p:ph type="subTitle" idx="1"/>
+          </p:nvPr>
+        </p:nvSpPr>
         <p:spPr>
           <a:xfrm>
-            <a:off x="0" y="2925286"/>
-            <a:ext cx="9144000" cy="1588"/>
+            <a:off x="433050" y="1544812"/>
+            <a:ext cx="6480048" cy="1752600"/>
           </a:xfrm>
-          <a:prstGeom prst="line">
-            <a:avLst/>
-          </a:prstGeom>
-          <a:ln w="12700"/>
         </p:spPr>
-        <p:style>
-          <a:lnRef idx="1">
-            <a:schemeClr val="accent1"/>
-          </a:lnRef>
-          <a:fillRef idx="0">
-            <a:schemeClr val="accent1"/>
-          </a:fillRef>
-          <a:effectRef idx="0">
-            <a:schemeClr val="accent1"/>
-          </a:effectRef>
-          <a:fontRef idx="minor">
-            <a:schemeClr val="tx1"/>
-          </a:fontRef>
-        </p:style>
-      </p:cxnSp>
-      <p:sp>
-        <p:nvSpPr>
-          <p:cNvPr id="13" name="Rectangle 12"/>
-          <p:cNvSpPr/>
-          <p:nvPr/>
-        </p:nvSpPr>
-        <p:spPr>
-          <a:xfrm>
-            <a:off x="2514600" y="2362200"/>
-            <a:ext cx="4114800" cy="1127760"/>
-          </a:xfrm>
-          <a:prstGeom prst="rect">
-            <a:avLst/>
-          </a:prstGeom>
-          <a:solidFill>
-            <a:schemeClr val="tx1"/>
-          </a:solidFill>
-          <a:ln w="76200" cmpd="thinThick">
-            <a:solidFill>
-              <a:schemeClr val="tx1"/>
-            </a:solidFill>
-            <a:miter lim="800000"/>
-          </a:ln>
-        </p:spPr>
-        <p:txBody>
-          <a:bodyPr vert="horz" lIns="91440" tIns="45720" rIns="91440" bIns="45720" rtlCol="0" anchor="ctr" anchorCtr="0">
+        <p:txBody>
+          <a:bodyPr tIns="0" rIns="45720" bIns="0" anchor="b">
             <a:normAutofit/>
           </a:bodyPr>
-          <a:lstStyle/>
-          <a:p>
-            <a:pPr algn="ctr" defTabSz="914400" rtl="0" eaLnBrk="1" latinLnBrk="0" hangingPunct="1">
-              <a:spcBef>
-                <a:spcPts val="400"/>
-              </a:spcBef>
+          <a:lstStyle>
+            <a:lvl1pPr marL="0" indent="0" algn="r">
               <a:buNone/>
-            </a:pPr>
-            <a:endParaRPr lang="en-US" sz="1800" b="1" kern="1200" cap="all" spc="0" baseline="0" smtClean="0">
-              <a:solidFill>
-                <a:schemeClr val="bg1"/>
-              </a:solidFill>
-              <a:latin typeface="+mj-lt"/>
-              <a:ea typeface="+mj-ea"/>
-              <a:cs typeface="Tunga" pitchFamily="2"/>
-            </a:endParaRPr>
-          </a:p>
-        </p:txBody>
-      </p:sp>
-      <p:sp>
-        <p:nvSpPr>
-          <p:cNvPr id="3" name="Subtitle 2"/>
-          <p:cNvSpPr>
-            <a:spLocks noGrp="1"/>
-          </p:cNvSpPr>
-          <p:nvPr>
-            <p:ph type="subTitle" idx="1"/>
-          </p:nvPr>
-        </p:nvSpPr>
-        <p:spPr>
-          <a:xfrm>
-            <a:off x="2565400" y="3045460"/>
-            <a:ext cx="4013200" cy="428625"/>
-          </a:xfrm>
-        </p:spPr>
-        <p:txBody>
-          <a:bodyPr tIns="0" anchor="t">
-            <a:noAutofit/>
-          </a:bodyPr>
-          <a:lstStyle>
-            <a:lvl1pPr marL="0" indent="0" algn="ctr">
-              <a:buNone/>
-              <a:defRPr sz="1600" b="0" i="0" cap="none" spc="0" baseline="0">
+              <a:defRPr sz="2000">
                 <a:solidFill>
-                  <a:schemeClr val="bg1">
-                    <a:lumMod val="75000"/>
-                    <a:lumOff val="25000"/>
-                  </a:schemeClr>
+                  <a:schemeClr val="tx1"/>
                 </a:solidFill>
+                <a:effectLst/>
               </a:defRPr>
             </a:lvl1pPr>
             <a:lvl2pPr marL="457200" indent="0" algn="ctr">
               <a:buNone/>
-              <a:defRPr>
-                <a:solidFill>
-                  <a:schemeClr val="tx1">
-                    <a:tint val="75000"/>
-                  </a:schemeClr>
-                </a:solidFill>
-              </a:defRPr>
             </a:lvl2pPr>
             <a:lvl3pPr marL="914400" indent="0" algn="ctr">
               <a:buNone/>
-              <a:defRPr>
-                <a:solidFill>
-                  <a:schemeClr val="tx1">
-                    <a:tint val="75000"/>
-                  </a:schemeClr>
-                </a:solidFill>
-              </a:defRPr>
             </a:lvl3pPr>
             <a:lvl4pPr marL="1371600" indent="0" algn="ctr">
               <a:buNone/>
-              <a:defRPr>
-                <a:solidFill>
-                  <a:schemeClr val="tx1">
-                    <a:tint val="75000"/>
-                  </a:schemeClr>
-                </a:solidFill>
-              </a:defRPr>
             </a:lvl4pPr>
             <a:lvl5pPr marL="1828800" indent="0" algn="ctr">
               <a:buNone/>
-              <a:defRPr>
-                <a:solidFill>
-                  <a:schemeClr val="tx1">
-                    <a:tint val="75000"/>
-                  </a:schemeClr>
-                </a:solidFill>
-              </a:defRPr>
             </a:lvl5pPr>
             <a:lvl6pPr marL="2286000" indent="0" algn="ctr">
               <a:buNone/>
-              <a:defRPr>
-                <a:solidFill>
-                  <a:schemeClr val="tx1">
-                    <a:tint val="75000"/>
-                  </a:schemeClr>
-                </a:solidFill>
-              </a:defRPr>
             </a:lvl6pPr>
             <a:lvl7pPr marL="2743200" indent="0" algn="ctr">
               <a:buNone/>
-              <a:defRPr>
-                <a:solidFill>
-                  <a:schemeClr val="tx1">
-                    <a:tint val="75000"/>
-                  </a:schemeClr>
-                </a:solidFill>
-              </a:defRPr>
             </a:lvl7pPr>
             <a:lvl8pPr marL="3200400" indent="0" algn="ctr">
               <a:buNone/>
-              <a:defRPr>
-                <a:solidFill>
-                  <a:schemeClr val="tx1">
-                    <a:tint val="75000"/>
-                  </a:schemeClr>
-                </a:solidFill>
-              </a:defRPr>
             </a:lvl8pPr>
             <a:lvl9pPr marL="3657600" indent="0" algn="ctr">
               <a:buNone/>
-              <a:defRPr>
-                <a:solidFill>
-                  <a:schemeClr val="tx1">
-                    <a:tint val="75000"/>
-                  </a:schemeClr>
-                </a:solidFill>
-              </a:defRPr>
             </a:lvl9pPr>
           </a:lstStyle>
           <a:p>
             <a:r>
-              <a:rPr lang="en-US" smtClean="0"/>
+              <a:rPr kumimoji="0" lang="en-US" smtClean="0"/>
               <a:t>Click to edit Master subtitle style</a:t>
             </a:r>
-            <a:endParaRPr lang="en-US" dirty="0"/>
-          </a:p>
-        </p:txBody>
-      </p:sp>
-      <p:sp>
-        <p:nvSpPr>
-          <p:cNvPr id="12" name="Title 11"/>
-          <p:cNvSpPr>
-            <a:spLocks noGrp="1"/>
-          </p:cNvSpPr>
-          <p:nvPr>
-            <p:ph type="title"/>
-          </p:nvPr>
-        </p:nvSpPr>
-        <p:spPr>
-          <a:xfrm>
-            <a:off x="2565400" y="2397760"/>
-            <a:ext cx="4013200" cy="599440"/>
-          </a:xfrm>
-          <a:noFill/>
-          <a:ln>
-            <a:noFill/>
-          </a:ln>
-        </p:spPr>
-        <p:txBody>
-          <a:bodyPr bIns="0" anchor="b"/>
-          <a:lstStyle>
-            <a:lvl1pPr>
-              <a:defRPr>
-                <a:effectLst>
-                  <a:glow rad="88900">
-                    <a:schemeClr val="tx1">
-                      <a:alpha val="60000"/>
-                    </a:schemeClr>
-                  </a:glow>
-                </a:effectLst>
-              </a:defRPr>
-            </a:lvl1pPr>
-          </a:lstStyle>
-          <a:p>
-            <a:r>
-              <a:rPr lang="en-US" smtClean="0"/>
-              <a:t>Click to edit Master title style</a:t>
-            </a:r>
-            <a:endParaRPr lang="en-US" dirty="0"/>
-          </a:p>
-        </p:txBody>
-      </p:sp>
-      <p:sp>
-        <p:nvSpPr>
-          <p:cNvPr id="11" name="Date Placeholder 10"/>
+            <a:endParaRPr kumimoji="0" lang="en-US"/>
+          </a:p>
+        </p:txBody>
+      </p:sp>
+      <p:sp>
+        <p:nvSpPr>
+          <p:cNvPr id="30" name="Date Placeholder 29"/>
           <p:cNvSpPr>
             <a:spLocks noGrp="1"/>
           </p:cNvSpPr>
@@ -432,7 +492,7 @@
             <p:ph type="dt" sz="half" idx="10"/>
           </p:nvPr>
         </p:nvSpPr>
-        <p:spPr bwMode="black"/>
+        <p:spPr/>
         <p:txBody>
           <a:bodyPr/>
           <a:lstStyle/>
@@ -447,12 +507,31 @@
       </p:sp>
       <p:sp>
         <p:nvSpPr>
-          <p:cNvPr id="17" name="Slide Number Placeholder 16"/>
-          <p:cNvSpPr>
-            <a:spLocks noGrp="1"/>
-          </p:cNvSpPr>
-          <p:nvPr>
-            <p:ph type="sldNum" sz="quarter" idx="11"/>
+          <p:cNvPr id="19" name="Footer Placeholder 18"/>
+          <p:cNvSpPr>
+            <a:spLocks noGrp="1"/>
+          </p:cNvSpPr>
+          <p:nvPr>
+            <p:ph type="ftr" sz="quarter" idx="11"/>
+          </p:nvPr>
+        </p:nvSpPr>
+        <p:spPr/>
+        <p:txBody>
+          <a:bodyPr/>
+          <a:lstStyle/>
+          <a:p>
+            <a:endParaRPr lang="id-ID"/>
+          </a:p>
+        </p:txBody>
+      </p:sp>
+      <p:sp>
+        <p:nvSpPr>
+          <p:cNvPr id="27" name="Slide Number Placeholder 26"/>
+          <p:cNvSpPr>
+            <a:spLocks noGrp="1"/>
+          </p:cNvSpPr>
+          <p:nvPr>
+            <p:ph type="sldNum" sz="quarter" idx="12"/>
           </p:nvPr>
         </p:nvSpPr>
         <p:spPr/>
@@ -468,29 +547,10 @@
           </a:p>
         </p:txBody>
       </p:sp>
-      <p:sp>
-        <p:nvSpPr>
-          <p:cNvPr id="19" name="Footer Placeholder 18"/>
-          <p:cNvSpPr>
-            <a:spLocks noGrp="1"/>
-          </p:cNvSpPr>
-          <p:nvPr>
-            <p:ph type="ftr" sz="quarter" idx="12"/>
-          </p:nvPr>
-        </p:nvSpPr>
-        <p:spPr/>
-        <p:txBody>
-          <a:bodyPr/>
-          <a:lstStyle/>
-          <a:p>
-            <a:endParaRPr lang="id-ID"/>
-          </a:p>
-        </p:txBody>
-      </p:sp>
     </p:spTree>
   </p:cSld>
   <p:clrMapOvr>
-    <a:masterClrMapping/>
+    <a:overrideClrMapping bg1="dk1" tx1="lt1" bg2="dk2" tx2="lt2" accent1="accent1" accent2="accent2" accent3="accent3" accent4="accent4" accent5="accent5" accent6="accent6" hlink="hlink" folHlink="folHlink"/>
   </p:clrMapOvr>
 </p:sldLayout>
 </file>
@@ -528,10 +588,10 @@
           <a:lstStyle/>
           <a:p>
             <a:r>
-              <a:rPr lang="en-US" smtClean="0"/>
+              <a:rPr kumimoji="0" lang="en-US" smtClean="0"/>
               <a:t>Click to edit Master title style</a:t>
             </a:r>
-            <a:endParaRPr lang="en-US"/>
+            <a:endParaRPr kumimoji="0" lang="en-US"/>
           </a:p>
         </p:txBody>
       </p:sp>
@@ -550,40 +610,40 @@
           <a:bodyPr vert="eaVert"/>
           <a:lstStyle/>
           <a:p>
-            <a:pPr lvl="0"/>
+            <a:pPr lvl="0" eaLnBrk="1" latinLnBrk="0" hangingPunct="1"/>
             <a:r>
               <a:rPr lang="en-US" smtClean="0"/>
               <a:t>Click to edit Master text styles</a:t>
             </a:r>
           </a:p>
           <a:p>
-            <a:pPr lvl="1"/>
+            <a:pPr lvl="1" eaLnBrk="1" latinLnBrk="0" hangingPunct="1"/>
             <a:r>
               <a:rPr lang="en-US" smtClean="0"/>
               <a:t>Second level</a:t>
             </a:r>
           </a:p>
           <a:p>
-            <a:pPr lvl="2"/>
+            <a:pPr lvl="2" eaLnBrk="1" latinLnBrk="0" hangingPunct="1"/>
             <a:r>
               <a:rPr lang="en-US" smtClean="0"/>
               <a:t>Third level</a:t>
             </a:r>
           </a:p>
           <a:p>
-            <a:pPr lvl="3"/>
+            <a:pPr lvl="3" eaLnBrk="1" latinLnBrk="0" hangingPunct="1"/>
             <a:r>
               <a:rPr lang="en-US" smtClean="0"/>
               <a:t>Fourth level</a:t>
             </a:r>
           </a:p>
           <a:p>
-            <a:pPr lvl="4"/>
+            <a:pPr lvl="4" eaLnBrk="1" latinLnBrk="0" hangingPunct="1"/>
             <a:r>
               <a:rPr lang="en-US" smtClean="0"/>
               <a:t>Fifth level</a:t>
             </a:r>
-            <a:endParaRPr lang="en-US"/>
+            <a:endParaRPr kumimoji="0" lang="en-US"/>
           </a:p>
         </p:txBody>
       </p:sp>
@@ -661,7 +721,7 @@
 </file>
 
 <file path=ppt/slideLayouts/slideLayout11.xml><?xml version="1.0" encoding="utf-8"?>
-<p:sldLayout xmlns:a="http://schemas.openxmlformats.org/drawingml/2006/main" xmlns:r="http://schemas.openxmlformats.org/officeDocument/2006/relationships" xmlns:p="http://schemas.openxmlformats.org/presentationml/2006/main" showMasterSp="0" type="vertTitleAndTx" preserve="1">
+<p:sldLayout xmlns:a="http://schemas.openxmlformats.org/drawingml/2006/main" xmlns:r="http://schemas.openxmlformats.org/officeDocument/2006/relationships" xmlns:p="http://schemas.openxmlformats.org/presentationml/2006/main" type="vertTitleAndTx" preserve="1">
   <p:cSld name="Vertical Title and Text">
     <p:spTree>
       <p:nvGrpSpPr>
@@ -677,143 +737,88 @@
           <a:chExt cx="0" cy="0"/>
         </a:xfrm>
       </p:grpSpPr>
-      <p:cxnSp>
-        <p:nvCxnSpPr>
-          <p:cNvPr id="9" name="Straight Connector 8"/>
-          <p:cNvCxnSpPr/>
-          <p:nvPr/>
-        </p:nvCxnSpPr>
-        <p:spPr>
-          <a:xfrm rot="5400000">
-            <a:off x="4267200" y="3429000"/>
-            <a:ext cx="6858000" cy="1588"/>
-          </a:xfrm>
-          <a:prstGeom prst="line">
-            <a:avLst/>
-          </a:prstGeom>
-          <a:ln w="12700">
-            <a:solidFill>
-              <a:schemeClr val="tx2">
-                <a:lumMod val="75000"/>
-              </a:schemeClr>
-            </a:solidFill>
-          </a:ln>
-        </p:spPr>
-        <p:style>
-          <a:lnRef idx="1">
-            <a:schemeClr val="accent1"/>
-          </a:lnRef>
-          <a:fillRef idx="0">
-            <a:schemeClr val="accent1"/>
-          </a:fillRef>
-          <a:effectRef idx="0">
-            <a:schemeClr val="accent1"/>
-          </a:effectRef>
-          <a:fontRef idx="minor">
-            <a:schemeClr val="tx1"/>
-          </a:fontRef>
-        </p:style>
-      </p:cxnSp>
-      <p:sp>
-        <p:nvSpPr>
-          <p:cNvPr id="7" name="Rectangle 6"/>
-          <p:cNvSpPr/>
-          <p:nvPr/>
-        </p:nvSpPr>
-        <p:spPr bwMode="hidden">
-          <a:xfrm>
-            <a:off x="0" y="1"/>
-            <a:ext cx="7696200" cy="6858000"/>
-          </a:xfrm>
-          <a:prstGeom prst="rect">
-            <a:avLst/>
-          </a:prstGeom>
-          <a:solidFill>
-            <a:schemeClr val="bg1"/>
-          </a:solidFill>
-          <a:ln>
-            <a:noFill/>
-          </a:ln>
-        </p:spPr>
-        <p:style>
-          <a:lnRef idx="2">
-            <a:schemeClr val="accent1">
-              <a:shade val="50000"/>
-            </a:schemeClr>
-          </a:lnRef>
-          <a:fillRef idx="1">
-            <a:schemeClr val="accent1"/>
-          </a:fillRef>
-          <a:effectRef idx="0">
-            <a:schemeClr val="accent1"/>
-          </a:effectRef>
-          <a:fontRef idx="minor">
-            <a:schemeClr val="lt1"/>
-          </a:fontRef>
-        </p:style>
-        <p:txBody>
-          <a:bodyPr rtlCol="0" anchor="ctr"/>
-          <a:lstStyle/>
-          <a:p>
-            <a:pPr algn="ctr"/>
-            <a:endParaRPr lang="en-US"/>
-          </a:p>
-        </p:txBody>
-      </p:sp>
-      <p:sp>
-        <p:nvSpPr>
-          <p:cNvPr id="3" name="Vertical Text Placeholder 2"/>
-          <p:cNvSpPr>
-            <a:spLocks noGrp="1"/>
-          </p:cNvSpPr>
-          <p:nvPr>
-            <p:ph type="body" orient="vert" idx="1"/>
+      <p:sp>
+        <p:nvSpPr>
+          <p:cNvPr id="2" name="Vertical Title 1"/>
+          <p:cNvSpPr>
+            <a:spLocks noGrp="1"/>
+          </p:cNvSpPr>
+          <p:nvPr>
+            <p:ph type="title" orient="vert"/>
           </p:nvPr>
         </p:nvSpPr>
         <p:spPr>
           <a:xfrm>
-            <a:off x="457200" y="914401"/>
-            <a:ext cx="6629400" cy="5029200"/>
+            <a:off x="6629400" y="274638"/>
+            <a:ext cx="2057400" cy="5851525"/>
           </a:xfrm>
         </p:spPr>
         <p:txBody>
           <a:bodyPr vert="eaVert"/>
           <a:lstStyle/>
           <a:p>
-            <a:pPr lvl="0"/>
+            <a:r>
+              <a:rPr kumimoji="0" lang="en-US" smtClean="0"/>
+              <a:t>Click to edit Master title style</a:t>
+            </a:r>
+            <a:endParaRPr kumimoji="0" lang="en-US"/>
+          </a:p>
+        </p:txBody>
+      </p:sp>
+      <p:sp>
+        <p:nvSpPr>
+          <p:cNvPr id="3" name="Vertical Text Placeholder 2"/>
+          <p:cNvSpPr>
+            <a:spLocks noGrp="1"/>
+          </p:cNvSpPr>
+          <p:nvPr>
+            <p:ph type="body" orient="vert" idx="1"/>
+          </p:nvPr>
+        </p:nvSpPr>
+        <p:spPr>
+          <a:xfrm>
+            <a:off x="457200" y="274638"/>
+            <a:ext cx="6019800" cy="5851525"/>
+          </a:xfrm>
+        </p:spPr>
+        <p:txBody>
+          <a:bodyPr vert="eaVert"/>
+          <a:lstStyle/>
+          <a:p>
+            <a:pPr lvl="0" eaLnBrk="1" latinLnBrk="0" hangingPunct="1"/>
             <a:r>
               <a:rPr lang="en-US" smtClean="0"/>
               <a:t>Click to edit Master text styles</a:t>
             </a:r>
           </a:p>
           <a:p>
-            <a:pPr lvl="1"/>
+            <a:pPr lvl="1" eaLnBrk="1" latinLnBrk="0" hangingPunct="1"/>
             <a:r>
               <a:rPr lang="en-US" smtClean="0"/>
               <a:t>Second level</a:t>
             </a:r>
           </a:p>
           <a:p>
-            <a:pPr lvl="2"/>
+            <a:pPr lvl="2" eaLnBrk="1" latinLnBrk="0" hangingPunct="1"/>
             <a:r>
               <a:rPr lang="en-US" smtClean="0"/>
               <a:t>Third level</a:t>
             </a:r>
           </a:p>
           <a:p>
-            <a:pPr lvl="3"/>
+            <a:pPr lvl="3" eaLnBrk="1" latinLnBrk="0" hangingPunct="1"/>
             <a:r>
               <a:rPr lang="en-US" smtClean="0"/>
               <a:t>Fourth level</a:t>
             </a:r>
           </a:p>
           <a:p>
-            <a:pPr lvl="4"/>
+            <a:pPr lvl="4" eaLnBrk="1" latinLnBrk="0" hangingPunct="1"/>
             <a:r>
               <a:rPr lang="en-US" smtClean="0"/>
               <a:t>Fifth level</a:t>
             </a:r>
-            <a:endParaRPr lang="en-US"/>
+            <a:endParaRPr kumimoji="0" lang="en-US"/>
           </a:p>
         </p:txBody>
       </p:sp>
@@ -879,34 +884,6 @@
               <a:t>‹#›</a:t>
             </a:fld>
             <a:endParaRPr lang="id-ID"/>
-          </a:p>
-        </p:txBody>
-      </p:sp>
-      <p:sp>
-        <p:nvSpPr>
-          <p:cNvPr id="2" name="Vertical Title 1"/>
-          <p:cNvSpPr>
-            <a:spLocks noGrp="1"/>
-          </p:cNvSpPr>
-          <p:nvPr>
-            <p:ph type="title" orient="vert"/>
-          </p:nvPr>
-        </p:nvSpPr>
-        <p:spPr>
-          <a:xfrm>
-            <a:off x="7239000" y="914401"/>
-            <a:ext cx="926980" cy="5029200"/>
-          </a:xfrm>
-        </p:spPr>
-        <p:txBody>
-          <a:bodyPr vert="eaVert"/>
-          <a:lstStyle/>
-          <a:p>
-            <a:r>
-              <a:rPr lang="en-US" smtClean="0"/>
-              <a:t>Click to edit Master title style</a:t>
-            </a:r>
-            <a:endParaRPr lang="en-US"/>
           </a:p>
         </p:txBody>
       </p:sp>
@@ -937,92 +914,91 @@
       </p:grpSpPr>
       <p:sp>
         <p:nvSpPr>
-          <p:cNvPr id="31" name="Content Placeholder 30"/>
-          <p:cNvSpPr>
-            <a:spLocks noGrp="1"/>
-          </p:cNvSpPr>
-          <p:nvPr>
-            <p:ph sz="quarter" idx="13"/>
-          </p:nvPr>
-        </p:nvSpPr>
-        <p:spPr>
-          <a:xfrm>
-            <a:off x="457200" y="2020824"/>
-            <a:ext cx="8229600" cy="4075176"/>
-          </a:xfrm>
-        </p:spPr>
-        <p:txBody>
-          <a:bodyPr/>
-          <a:lstStyle/>
-          <a:p>
-            <a:pPr lvl="0"/>
+          <p:cNvPr id="2" name="Title 1"/>
+          <p:cNvSpPr>
+            <a:spLocks noGrp="1"/>
+          </p:cNvSpPr>
+          <p:nvPr>
+            <p:ph type="title"/>
+          </p:nvPr>
+        </p:nvSpPr>
+        <p:spPr/>
+        <p:txBody>
+          <a:bodyPr/>
+          <a:lstStyle>
+            <a:lvl1pPr algn="l">
+              <a:defRPr/>
+            </a:lvl1pPr>
+          </a:lstStyle>
+          <a:p>
+            <a:r>
+              <a:rPr kumimoji="0" lang="en-US" smtClean="0"/>
+              <a:t>Click to edit Master title style</a:t>
+            </a:r>
+            <a:endParaRPr kumimoji="0" lang="en-US"/>
+          </a:p>
+        </p:txBody>
+      </p:sp>
+      <p:sp>
+        <p:nvSpPr>
+          <p:cNvPr id="3" name="Content Placeholder 2"/>
+          <p:cNvSpPr>
+            <a:spLocks noGrp="1"/>
+          </p:cNvSpPr>
+          <p:nvPr>
+            <p:ph idx="1"/>
+          </p:nvPr>
+        </p:nvSpPr>
+        <p:spPr/>
+        <p:txBody>
+          <a:bodyPr/>
+          <a:lstStyle/>
+          <a:p>
+            <a:pPr lvl="0" eaLnBrk="1" latinLnBrk="0" hangingPunct="1"/>
             <a:r>
               <a:rPr lang="en-US" smtClean="0"/>
               <a:t>Click to edit Master text styles</a:t>
             </a:r>
           </a:p>
           <a:p>
-            <a:pPr lvl="1"/>
+            <a:pPr lvl="1" eaLnBrk="1" latinLnBrk="0" hangingPunct="1"/>
             <a:r>
               <a:rPr lang="en-US" smtClean="0"/>
               <a:t>Second level</a:t>
             </a:r>
           </a:p>
           <a:p>
-            <a:pPr lvl="2"/>
+            <a:pPr lvl="2" eaLnBrk="1" latinLnBrk="0" hangingPunct="1"/>
             <a:r>
               <a:rPr lang="en-US" smtClean="0"/>
               <a:t>Third level</a:t>
             </a:r>
           </a:p>
           <a:p>
-            <a:pPr lvl="3"/>
+            <a:pPr lvl="3" eaLnBrk="1" latinLnBrk="0" hangingPunct="1"/>
             <a:r>
               <a:rPr lang="en-US" smtClean="0"/>
               <a:t>Fourth level</a:t>
             </a:r>
           </a:p>
           <a:p>
-            <a:pPr lvl="4"/>
+            <a:pPr lvl="4" eaLnBrk="1" latinLnBrk="0" hangingPunct="1"/>
             <a:r>
               <a:rPr lang="en-US" smtClean="0"/>
               <a:t>Fifth level</a:t>
             </a:r>
-            <a:endParaRPr lang="en-US" dirty="0"/>
-          </a:p>
-        </p:txBody>
-      </p:sp>
-      <p:sp>
-        <p:nvSpPr>
-          <p:cNvPr id="9" name="Title 8"/>
-          <p:cNvSpPr>
-            <a:spLocks noGrp="1"/>
-          </p:cNvSpPr>
-          <p:nvPr>
-            <p:ph type="title"/>
-          </p:nvPr>
-        </p:nvSpPr>
-        <p:spPr/>
-        <p:txBody>
-          <a:bodyPr/>
-          <a:lstStyle/>
-          <a:p>
-            <a:r>
-              <a:rPr lang="en-US" smtClean="0"/>
-              <a:t>Click to edit Master title style</a:t>
-            </a:r>
-            <a:endParaRPr lang="en-US"/>
-          </a:p>
-        </p:txBody>
-      </p:sp>
-      <p:sp>
-        <p:nvSpPr>
-          <p:cNvPr id="11" name="Date Placeholder 10"/>
-          <p:cNvSpPr>
-            <a:spLocks noGrp="1"/>
-          </p:cNvSpPr>
-          <p:nvPr>
-            <p:ph type="dt" sz="half" idx="14"/>
+            <a:endParaRPr kumimoji="0" lang="en-US"/>
+          </a:p>
+        </p:txBody>
+      </p:sp>
+      <p:sp>
+        <p:nvSpPr>
+          <p:cNvPr id="4" name="Date Placeholder 3"/>
+          <p:cNvSpPr>
+            <a:spLocks noGrp="1"/>
+          </p:cNvSpPr>
+          <p:nvPr>
+            <p:ph type="dt" sz="half" idx="10"/>
           </p:nvPr>
         </p:nvSpPr>
         <p:spPr/>
@@ -1040,12 +1016,31 @@
       </p:sp>
       <p:sp>
         <p:nvSpPr>
-          <p:cNvPr id="12" name="Slide Number Placeholder 11"/>
-          <p:cNvSpPr>
-            <a:spLocks noGrp="1"/>
-          </p:cNvSpPr>
-          <p:nvPr>
-            <p:ph type="sldNum" sz="quarter" idx="15"/>
+          <p:cNvPr id="5" name="Footer Placeholder 4"/>
+          <p:cNvSpPr>
+            <a:spLocks noGrp="1"/>
+          </p:cNvSpPr>
+          <p:nvPr>
+            <p:ph type="ftr" sz="quarter" idx="11"/>
+          </p:nvPr>
+        </p:nvSpPr>
+        <p:spPr/>
+        <p:txBody>
+          <a:bodyPr/>
+          <a:lstStyle/>
+          <a:p>
+            <a:endParaRPr lang="id-ID"/>
+          </a:p>
+        </p:txBody>
+      </p:sp>
+      <p:sp>
+        <p:nvSpPr>
+          <p:cNvPr id="6" name="Slide Number Placeholder 5"/>
+          <p:cNvSpPr>
+            <a:spLocks noGrp="1"/>
+          </p:cNvSpPr>
+          <p:nvPr>
+            <p:ph type="sldNum" sz="quarter" idx="12"/>
           </p:nvPr>
         </p:nvSpPr>
         <p:spPr/>
@@ -1057,25 +1052,6 @@
               <a:rPr lang="id-ID" smtClean="0"/>
               <a:t>‹#›</a:t>
             </a:fld>
-            <a:endParaRPr lang="id-ID"/>
-          </a:p>
-        </p:txBody>
-      </p:sp>
-      <p:sp>
-        <p:nvSpPr>
-          <p:cNvPr id="13" name="Footer Placeholder 12"/>
-          <p:cNvSpPr>
-            <a:spLocks noGrp="1"/>
-          </p:cNvSpPr>
-          <p:nvPr>
-            <p:ph type="ftr" sz="quarter" idx="16"/>
-          </p:nvPr>
-        </p:nvSpPr>
-        <p:spPr/>
-        <p:txBody>
-          <a:bodyPr/>
-          <a:lstStyle/>
-          <a:p>
             <a:endParaRPr lang="id-ID"/>
           </a:p>
         </p:txBody>
@@ -1093,7 +1069,7 @@
   <p:cSld name="Section Header">
     <p:bg>
       <p:bgRef idx="1002">
-        <a:schemeClr val="bg1"/>
+        <a:schemeClr val="bg2"/>
       </p:bgRef>
     </p:bg>
     <p:spTree>
@@ -1112,230 +1088,317 @@
       </p:grpSpPr>
       <p:sp>
         <p:nvSpPr>
-          <p:cNvPr id="8" name="Rectangle 7"/>
-          <p:cNvSpPr/>
+          <p:cNvPr id="7" name="Freeform 6"/>
+          <p:cNvSpPr>
+            <a:spLocks/>
+          </p:cNvSpPr>
           <p:nvPr/>
+        </p:nvSpPr>
+        <p:spPr bwMode="auto">
+          <a:xfrm>
+            <a:off x="0" y="4752126"/>
+            <a:ext cx="9144000" cy="2112962"/>
+          </a:xfrm>
+          <a:custGeom>
+            <a:avLst>
+              <a:gd name="A1" fmla="val 0"/>
+              <a:gd name="A2" fmla="val 0"/>
+              <a:gd name="A3" fmla="val 0"/>
+              <a:gd name="A4" fmla="val 0"/>
+              <a:gd name="A5" fmla="val 0"/>
+              <a:gd name="A6" fmla="val 0"/>
+              <a:gd name="A7" fmla="val 0"/>
+              <a:gd name="A8" fmla="val 0"/>
+            </a:avLst>
+            <a:gdLst/>
+            <a:ahLst/>
+            <a:cxnLst>
+              <a:cxn ang="0">
+                <a:pos x="0" y="1066"/>
+              </a:cxn>
+              <a:cxn ang="0">
+                <a:pos x="0" y="1331"/>
+              </a:cxn>
+              <a:cxn ang="0">
+                <a:pos x="5760" y="1331"/>
+              </a:cxn>
+              <a:cxn ang="0">
+                <a:pos x="5760" y="0"/>
+              </a:cxn>
+              <a:cxn ang="0">
+                <a:pos x="0" y="1066"/>
+              </a:cxn>
+            </a:cxnLst>
+            <a:rect l="0" t="0" r="0" b="0"/>
+            <a:pathLst>
+              <a:path w="5760" h="1331">
+                <a:moveTo>
+                  <a:pt x="0" y="1066"/>
+                </a:moveTo>
+                <a:lnTo>
+                  <a:pt x="0" y="1331"/>
+                </a:lnTo>
+                <a:lnTo>
+                  <a:pt x="5760" y="1331"/>
+                </a:lnTo>
+                <a:lnTo>
+                  <a:pt x="5760" y="0"/>
+                </a:lnTo>
+                <a:cubicBezTo>
+                  <a:pt x="3220" y="1206"/>
+                  <a:pt x="2250" y="1146"/>
+                  <a:pt x="0" y="1066"/>
+                </a:cubicBezTo>
+                <a:close/>
+              </a:path>
+            </a:pathLst>
+          </a:custGeom>
+          <a:solidFill>
+            <a:schemeClr val="bg1">
+              <a:tint val="80000"/>
+              <a:satMod val="200000"/>
+              <a:alpha val="45000"/>
+            </a:schemeClr>
+          </a:solidFill>
+          <a:ln w="9525" cap="flat" cmpd="sng" algn="ctr">
+            <a:noFill/>
+            <a:prstDash val="solid"/>
+            <a:round/>
+            <a:headEnd type="none" w="med" len="med"/>
+            <a:tailEnd type="none" w="med" len="med"/>
+          </a:ln>
+          <a:effectLst>
+            <a:outerShdw blurRad="50800" dist="44450" dir="16200000" algn="ctr" rotWithShape="0">
+              <a:prstClr val="black">
+                <a:alpha val="35000"/>
+              </a:prstClr>
+            </a:outerShdw>
+          </a:effectLst>
+        </p:spPr>
+        <p:txBody>
+          <a:bodyPr vert="horz" wrap="square" lIns="91440" tIns="45720" rIns="91440" bIns="45720" anchor="t" compatLnSpc="1"/>
+          <a:lstStyle/>
+          <a:p>
+            <a:endParaRPr kumimoji="0" lang="en-US"/>
+          </a:p>
+        </p:txBody>
+      </p:sp>
+      <p:sp>
+        <p:nvSpPr>
+          <p:cNvPr id="9" name="Freeform 8"/>
+          <p:cNvSpPr>
+            <a:spLocks/>
+          </p:cNvSpPr>
+          <p:nvPr/>
+        </p:nvSpPr>
+        <p:spPr bwMode="auto">
+          <a:xfrm>
+            <a:off x="6105525" y="0"/>
+            <a:ext cx="3038475" cy="6858000"/>
+          </a:xfrm>
+          <a:custGeom>
+            <a:avLst/>
+            <a:gdLst>
+              <a:gd name="connsiteX0" fmla="*/ 1914 w 1914"/>
+              <a:gd name="connsiteY0" fmla="*/ 9 h 4329"/>
+              <a:gd name="connsiteX1" fmla="*/ 1914 w 1914"/>
+              <a:gd name="connsiteY1" fmla="*/ 4329 h 4329"/>
+              <a:gd name="connsiteX2" fmla="*/ 204 w 1914"/>
+              <a:gd name="connsiteY2" fmla="*/ 4327 h 4329"/>
+              <a:gd name="connsiteX3" fmla="*/ 0 w 1914"/>
+              <a:gd name="connsiteY3" fmla="*/ 0 h 4329"/>
+              <a:gd name="connsiteX4" fmla="*/ 1914 w 1914"/>
+              <a:gd name="connsiteY4" fmla="*/ 9 h 4329"/>
+            </a:gdLst>
+            <a:ahLst/>
+            <a:cxnLst>
+              <a:cxn ang="0">
+                <a:pos x="connsiteX0" y="connsiteY0"/>
+              </a:cxn>
+              <a:cxn ang="0">
+                <a:pos x="connsiteX1" y="connsiteY1"/>
+              </a:cxn>
+              <a:cxn ang="0">
+                <a:pos x="connsiteX2" y="connsiteY2"/>
+              </a:cxn>
+              <a:cxn ang="0">
+                <a:pos x="connsiteX3" y="connsiteY3"/>
+              </a:cxn>
+              <a:cxn ang="0">
+                <a:pos x="connsiteX4" y="connsiteY4"/>
+              </a:cxn>
+            </a:cxnLst>
+            <a:rect l="l" t="t" r="r" b="b"/>
+            <a:pathLst>
+              <a:path w="1914" h="4329">
+                <a:moveTo>
+                  <a:pt x="1914" y="9"/>
+                </a:moveTo>
+                <a:lnTo>
+                  <a:pt x="1914" y="4329"/>
+                </a:lnTo>
+                <a:lnTo>
+                  <a:pt x="204" y="4327"/>
+                </a:lnTo>
+                <a:cubicBezTo>
+                  <a:pt x="1288" y="3574"/>
+                  <a:pt x="1608" y="1590"/>
+                  <a:pt x="0" y="0"/>
+                </a:cubicBezTo>
+                <a:lnTo>
+                  <a:pt x="1914" y="9"/>
+                </a:lnTo>
+                <a:close/>
+              </a:path>
+            </a:pathLst>
+          </a:custGeom>
+          <a:solidFill>
+            <a:schemeClr val="bg1">
+              <a:tint val="90000"/>
+              <a:satMod val="350000"/>
+              <a:alpha val="40000"/>
+            </a:schemeClr>
+          </a:solidFill>
+          <a:ln w="9525" cap="flat" cmpd="sng" algn="ctr">
+            <a:noFill/>
+            <a:prstDash val="solid"/>
+            <a:round/>
+            <a:headEnd type="none" w="med" len="med"/>
+            <a:tailEnd type="none" w="med" len="med"/>
+          </a:ln>
+          <a:effectLst>
+            <a:outerShdw blurRad="50800" dist="50800" dir="10800000" algn="ctr" rotWithShape="0">
+              <a:prstClr val="black">
+                <a:alpha val="45000"/>
+              </a:prstClr>
+            </a:outerShdw>
+          </a:effectLst>
+        </p:spPr>
+        <p:txBody>
+          <a:bodyPr vert="horz" wrap="square" lIns="91440" tIns="45720" rIns="91440" bIns="45720" anchor="t" compatLnSpc="1"/>
+          <a:lstStyle/>
+          <a:p>
+            <a:endParaRPr kumimoji="0" lang="en-US"/>
+          </a:p>
+        </p:txBody>
+      </p:sp>
+      <p:sp>
+        <p:nvSpPr>
+          <p:cNvPr id="2" name="Title 1"/>
+          <p:cNvSpPr>
+            <a:spLocks noGrp="1"/>
+          </p:cNvSpPr>
+          <p:nvPr>
+            <p:ph type="title"/>
+          </p:nvPr>
         </p:nvSpPr>
         <p:spPr>
           <a:xfrm>
-            <a:off x="0" y="3922776"/>
-            <a:ext cx="9144000" cy="2935224"/>
+            <a:off x="685800" y="3583837"/>
+            <a:ext cx="6629400" cy="1826363"/>
           </a:xfrm>
-          <a:prstGeom prst="rect">
-            <a:avLst/>
-          </a:prstGeom>
-          <a:solidFill>
-            <a:schemeClr val="bg1"/>
-          </a:solidFill>
-          <a:ln>
-            <a:noFill/>
-          </a:ln>
         </p:spPr>
-        <p:style>
-          <a:lnRef idx="2">
-            <a:schemeClr val="accent1">
-              <a:shade val="50000"/>
-            </a:schemeClr>
-          </a:lnRef>
-          <a:fillRef idx="1">
-            <a:schemeClr val="accent1"/>
-          </a:fillRef>
-          <a:effectRef idx="0">
-            <a:schemeClr val="accent1"/>
-          </a:effectRef>
-          <a:fontRef idx="minor">
-            <a:schemeClr val="lt1"/>
-          </a:fontRef>
-        </p:style>
-        <p:txBody>
-          <a:bodyPr rtlCol="0" anchor="ctr"/>
-          <a:lstStyle/>
-          <a:p>
-            <a:pPr algn="ctr"/>
-            <a:endParaRPr lang="en-US"/>
-          </a:p>
-        </p:txBody>
-      </p:sp>
-      <p:cxnSp>
-        <p:nvCxnSpPr>
-          <p:cNvPr id="11" name="Straight Connector 10"/>
-          <p:cNvCxnSpPr/>
-          <p:nvPr/>
-        </p:nvCxnSpPr>
-        <p:spPr>
-          <a:xfrm>
-            <a:off x="0" y="3921760"/>
-            <a:ext cx="9144000" cy="1588"/>
-          </a:xfrm>
-          <a:prstGeom prst="line">
-            <a:avLst/>
-          </a:prstGeom>
-          <a:ln w="12700">
-            <a:solidFill>
-              <a:schemeClr val="tx2">
-                <a:lumMod val="75000"/>
-              </a:schemeClr>
-            </a:solidFill>
-          </a:ln>
-        </p:spPr>
-        <p:style>
-          <a:lnRef idx="1">
-            <a:schemeClr val="accent1"/>
-          </a:lnRef>
-          <a:fillRef idx="0">
-            <a:schemeClr val="accent1"/>
-          </a:fillRef>
-          <a:effectRef idx="0">
-            <a:schemeClr val="accent1"/>
-          </a:effectRef>
-          <a:fontRef idx="minor">
-            <a:schemeClr val="tx1"/>
-          </a:fontRef>
-        </p:style>
-      </p:cxnSp>
-      <p:sp>
-        <p:nvSpPr>
-          <p:cNvPr id="12" name="Rectangle 11"/>
-          <p:cNvSpPr/>
-          <p:nvPr/>
-        </p:nvSpPr>
-        <p:spPr>
-          <a:xfrm>
-            <a:off x="2514600" y="3368040"/>
-            <a:ext cx="4114800" cy="1127760"/>
-          </a:xfrm>
-          <a:prstGeom prst="rect">
-            <a:avLst/>
-          </a:prstGeom>
-          <a:solidFill>
-            <a:schemeClr val="tx1"/>
-          </a:solidFill>
-          <a:ln w="76200" cmpd="thinThick">
-            <a:solidFill>
-              <a:schemeClr val="tx1"/>
-            </a:solidFill>
-            <a:miter lim="800000"/>
-          </a:ln>
-        </p:spPr>
-        <p:txBody>
-          <a:bodyPr vert="horz" lIns="91440" tIns="45720" rIns="91440" bIns="45720" rtlCol="0" anchor="ctr" anchorCtr="0">
-            <a:normAutofit/>
-          </a:bodyPr>
-          <a:lstStyle/>
-          <a:p>
-            <a:pPr algn="ctr" defTabSz="914400" rtl="0" eaLnBrk="1" latinLnBrk="0" hangingPunct="1">
-              <a:spcBef>
-                <a:spcPts val="400"/>
-              </a:spcBef>
+        <p:txBody>
+          <a:bodyPr tIns="0" bIns="0" anchor="t"/>
+          <a:lstStyle>
+            <a:lvl1pPr algn="l">
               <a:buNone/>
-            </a:pPr>
-            <a:endParaRPr lang="en-US" sz="1800" b="1" kern="1200" cap="all" spc="0" baseline="0" smtClean="0">
-              <a:solidFill>
-                <a:schemeClr val="bg1"/>
-              </a:solidFill>
-              <a:latin typeface="+mj-lt"/>
-              <a:ea typeface="+mj-ea"/>
-              <a:cs typeface="Tunga" pitchFamily="2"/>
-            </a:endParaRPr>
-          </a:p>
-        </p:txBody>
-      </p:sp>
-      <p:sp>
-        <p:nvSpPr>
-          <p:cNvPr id="9" name="Title Placeholder 1"/>
-          <p:cNvSpPr>
-            <a:spLocks noGrp="1"/>
-          </p:cNvSpPr>
-          <p:nvPr>
-            <p:ph type="title"/>
-          </p:nvPr>
-        </p:nvSpPr>
-        <p:spPr bwMode="black">
-          <a:xfrm>
-            <a:off x="2529052" y="3367246"/>
-            <a:ext cx="4085897" cy="706821"/>
-          </a:xfrm>
-          <a:prstGeom prst="rect">
-            <a:avLst/>
-          </a:prstGeom>
-          <a:noFill/>
-          <a:ln w="98425" cmpd="thinThick">
-            <a:noFill/>
-            <a:miter lim="800000"/>
-          </a:ln>
-        </p:spPr>
-        <p:txBody>
-          <a:bodyPr vert="horz" lIns="91440" tIns="45720" rIns="91440" bIns="0" rtlCol="0" anchor="b" anchorCtr="0">
-            <a:normAutofit/>
-          </a:bodyPr>
-          <a:lstStyle>
-            <a:lvl1pPr>
-              <a:defRPr kumimoji="0" lang="en-US" sz="1800" b="1" i="0" u="none" strike="noStrike" kern="1200" cap="all" spc="0" normalizeH="0" baseline="0" noProof="0" dirty="0" smtClean="0">
-                <a:ln>
-                  <a:noFill/>
+              <a:defRPr sz="4200" b="1" cap="none" baseline="0">
+                <a:ln w="5000" cmpd="sng">
+                  <a:solidFill>
+                    <a:schemeClr val="accent1">
+                      <a:tint val="80000"/>
+                      <a:shade val="99000"/>
+                      <a:satMod val="500000"/>
+                    </a:schemeClr>
+                  </a:solidFill>
+                  <a:prstDash val="solid"/>
                 </a:ln>
-                <a:solidFill>
-                  <a:schemeClr val="bg1"/>
-                </a:solidFill>
-                <a:effectLst/>
-                <a:uLnTx/>
-                <a:uFillTx/>
-                <a:latin typeface="+mj-lt"/>
-                <a:ea typeface="+mj-ea"/>
-                <a:cs typeface="Tunga" pitchFamily="2"/>
+                <a:gradFill>
+                  <a:gsLst>
+                    <a:gs pos="0">
+                      <a:schemeClr val="accent1">
+                        <a:tint val="63000"/>
+                        <a:satMod val="255000"/>
+                      </a:schemeClr>
+                    </a:gs>
+                    <a:gs pos="9000">
+                      <a:schemeClr val="accent1">
+                        <a:tint val="63000"/>
+                        <a:satMod val="255000"/>
+                      </a:schemeClr>
+                    </a:gs>
+                    <a:gs pos="53000">
+                      <a:schemeClr val="accent1">
+                        <a:shade val="60000"/>
+                        <a:satMod val="100000"/>
+                      </a:schemeClr>
+                    </a:gs>
+                    <a:gs pos="90000">
+                      <a:schemeClr val="accent1">
+                        <a:tint val="63000"/>
+                        <a:satMod val="255000"/>
+                      </a:schemeClr>
+                    </a:gs>
+                    <a:gs pos="100000">
+                      <a:schemeClr val="accent1">
+                        <a:tint val="63000"/>
+                        <a:satMod val="255000"/>
+                      </a:schemeClr>
+                    </a:gs>
+                  </a:gsLst>
+                  <a:lin ang="5400000"/>
+                </a:gradFill>
+                <a:effectLst>
+                  <a:outerShdw blurRad="50800" dist="38100" dir="5400000" algn="t" rotWithShape="0">
+                    <a:prstClr val="black">
+                      <a:alpha val="50000"/>
+                    </a:prstClr>
+                  </a:outerShdw>
+                </a:effectLst>
               </a:defRPr>
             </a:lvl1pPr>
           </a:lstStyle>
           <a:p>
             <a:r>
-              <a:rPr lang="en-US" smtClean="0"/>
+              <a:rPr kumimoji="0" lang="en-US" smtClean="0"/>
               <a:t>Click to edit Master title style</a:t>
             </a:r>
-            <a:endParaRPr lang="en-US" dirty="0"/>
-          </a:p>
-        </p:txBody>
-      </p:sp>
-      <p:sp>
-        <p:nvSpPr>
-          <p:cNvPr id="10" name="Subtitle 2"/>
-          <p:cNvSpPr>
-            <a:spLocks noGrp="1"/>
-          </p:cNvSpPr>
-          <p:nvPr>
-            <p:ph type="subTitle" idx="1"/>
-          </p:nvPr>
-        </p:nvSpPr>
-        <p:spPr bwMode="black">
+            <a:endParaRPr kumimoji="0" lang="en-US"/>
+          </a:p>
+        </p:txBody>
+      </p:sp>
+      <p:sp>
+        <p:nvSpPr>
+          <p:cNvPr id="3" name="Text Placeholder 2"/>
+          <p:cNvSpPr>
+            <a:spLocks noGrp="1"/>
+          </p:cNvSpPr>
+          <p:nvPr>
+            <p:ph type="body" idx="1"/>
+          </p:nvPr>
+        </p:nvSpPr>
+        <p:spPr>
           <a:xfrm>
-            <a:off x="2518542" y="4084577"/>
-            <a:ext cx="4106917" cy="397094"/>
+            <a:off x="685800" y="2485800"/>
+            <a:ext cx="6629400" cy="1066688"/>
           </a:xfrm>
         </p:spPr>
         <p:txBody>
-          <a:bodyPr tIns="0" anchor="t" anchorCtr="0">
-            <a:normAutofit/>
-          </a:bodyPr>
+          <a:bodyPr lIns="45720" tIns="0" rIns="45720" bIns="0" anchor="b"/>
           <a:lstStyle>
-            <a:lvl1pPr marL="0" indent="0" algn="ctr">
+            <a:lvl1pPr marL="0" indent="0" algn="l">
               <a:buNone/>
-              <a:defRPr kumimoji="0" lang="en-US" sz="1600" b="0" i="0" u="none" strike="noStrike" kern="1200" cap="none" spc="0" normalizeH="0" baseline="0" noProof="0" dirty="0">
-                <a:ln>
-                  <a:noFill/>
-                </a:ln>
+              <a:defRPr sz="2000">
                 <a:solidFill>
-                  <a:schemeClr val="bg1"/>
+                  <a:schemeClr val="tx1"/>
                 </a:solidFill>
                 <a:effectLst/>
-                <a:uLnTx/>
-                <a:uFillTx/>
-                <a:latin typeface="+mn-lt"/>
-                <a:ea typeface="+mn-ea"/>
-                <a:cs typeface="Tahoma" pitchFamily="34" charset="0"/>
               </a:defRPr>
             </a:lvl1pPr>
-            <a:lvl2pPr marL="457200" indent="0" algn="ctr">
+            <a:lvl2pPr>
               <a:buNone/>
-              <a:defRPr>
+              <a:defRPr sz="1800">
                 <a:solidFill>
                   <a:schemeClr val="tx1">
                     <a:tint val="75000"/>
@@ -1343,9 +1406,9 @@
                 </a:solidFill>
               </a:defRPr>
             </a:lvl2pPr>
-            <a:lvl3pPr marL="914400" indent="0" algn="ctr">
+            <a:lvl3pPr>
               <a:buNone/>
-              <a:defRPr>
+              <a:defRPr sz="1600">
                 <a:solidFill>
                   <a:schemeClr val="tx1">
                     <a:tint val="75000"/>
@@ -1353,9 +1416,9 @@
                 </a:solidFill>
               </a:defRPr>
             </a:lvl3pPr>
-            <a:lvl4pPr marL="1371600" indent="0" algn="ctr">
+            <a:lvl4pPr>
               <a:buNone/>
-              <a:defRPr>
+              <a:defRPr sz="1400">
                 <a:solidFill>
                   <a:schemeClr val="tx1">
                     <a:tint val="75000"/>
@@ -1363,9 +1426,9 @@
                 </a:solidFill>
               </a:defRPr>
             </a:lvl4pPr>
-            <a:lvl5pPr marL="1828800" indent="0" algn="ctr">
+            <a:lvl5pPr>
               <a:buNone/>
-              <a:defRPr>
+              <a:defRPr sz="1400">
                 <a:solidFill>
                   <a:schemeClr val="tx1">
                     <a:tint val="75000"/>
@@ -1373,59 +1436,19 @@
                 </a:solidFill>
               </a:defRPr>
             </a:lvl5pPr>
-            <a:lvl6pPr marL="2286000" indent="0" algn="ctr">
-              <a:buNone/>
-              <a:defRPr>
-                <a:solidFill>
-                  <a:schemeClr val="tx1">
-                    <a:tint val="75000"/>
-                  </a:schemeClr>
-                </a:solidFill>
-              </a:defRPr>
-            </a:lvl6pPr>
-            <a:lvl7pPr marL="2743200" indent="0" algn="ctr">
-              <a:buNone/>
-              <a:defRPr>
-                <a:solidFill>
-                  <a:schemeClr val="tx1">
-                    <a:tint val="75000"/>
-                  </a:schemeClr>
-                </a:solidFill>
-              </a:defRPr>
-            </a:lvl7pPr>
-            <a:lvl8pPr marL="3200400" indent="0" algn="ctr">
-              <a:buNone/>
-              <a:defRPr>
-                <a:solidFill>
-                  <a:schemeClr val="tx1">
-                    <a:tint val="75000"/>
-                  </a:schemeClr>
-                </a:solidFill>
-              </a:defRPr>
-            </a:lvl8pPr>
-            <a:lvl9pPr marL="3657600" indent="0" algn="ctr">
-              <a:buNone/>
-              <a:defRPr>
-                <a:solidFill>
-                  <a:schemeClr val="tx1">
-                    <a:tint val="75000"/>
-                  </a:schemeClr>
-                </a:solidFill>
-              </a:defRPr>
-            </a:lvl9pPr>
           </a:lstStyle>
           <a:p>
-            <a:r>
-              <a:rPr lang="en-US" smtClean="0"/>
-              <a:t>Click to edit Master subtitle style</a:t>
-            </a:r>
-            <a:endParaRPr lang="en-US" dirty="0"/>
-          </a:p>
-        </p:txBody>
-      </p:sp>
-      <p:sp>
-        <p:nvSpPr>
-          <p:cNvPr id="13" name="Date Placeholder 12"/>
+            <a:pPr lvl="0" eaLnBrk="1" latinLnBrk="0" hangingPunct="1"/>
+            <a:r>
+              <a:rPr kumimoji="0" lang="en-US" smtClean="0"/>
+              <a:t>Click to edit Master text styles</a:t>
+            </a:r>
+          </a:p>
+        </p:txBody>
+      </p:sp>
+      <p:sp>
+        <p:nvSpPr>
+          <p:cNvPr id="4" name="Date Placeholder 3"/>
           <p:cNvSpPr>
             <a:spLocks noGrp="1"/>
           </p:cNvSpPr>
@@ -1448,12 +1471,31 @@
       </p:sp>
       <p:sp>
         <p:nvSpPr>
-          <p:cNvPr id="14" name="Slide Number Placeholder 13"/>
-          <p:cNvSpPr>
-            <a:spLocks noGrp="1"/>
-          </p:cNvSpPr>
-          <p:nvPr>
-            <p:ph type="sldNum" sz="quarter" idx="11"/>
+          <p:cNvPr id="5" name="Footer Placeholder 4"/>
+          <p:cNvSpPr>
+            <a:spLocks noGrp="1"/>
+          </p:cNvSpPr>
+          <p:nvPr>
+            <p:ph type="ftr" sz="quarter" idx="11"/>
+          </p:nvPr>
+        </p:nvSpPr>
+        <p:spPr/>
+        <p:txBody>
+          <a:bodyPr/>
+          <a:lstStyle/>
+          <a:p>
+            <a:endParaRPr lang="id-ID"/>
+          </a:p>
+        </p:txBody>
+      </p:sp>
+      <p:sp>
+        <p:nvSpPr>
+          <p:cNvPr id="6" name="Slide Number Placeholder 5"/>
+          <p:cNvSpPr>
+            <a:spLocks noGrp="1"/>
+          </p:cNvSpPr>
+          <p:nvPr>
+            <p:ph type="sldNum" sz="quarter" idx="12"/>
           </p:nvPr>
         </p:nvSpPr>
         <p:spPr/>
@@ -1469,29 +1511,10 @@
           </a:p>
         </p:txBody>
       </p:sp>
-      <p:sp>
-        <p:nvSpPr>
-          <p:cNvPr id="15" name="Footer Placeholder 14"/>
-          <p:cNvSpPr>
-            <a:spLocks noGrp="1"/>
-          </p:cNvSpPr>
-          <p:nvPr>
-            <p:ph type="ftr" sz="quarter" idx="12"/>
-          </p:nvPr>
-        </p:nvSpPr>
-        <p:spPr/>
-        <p:txBody>
-          <a:bodyPr/>
-          <a:lstStyle/>
-          <a:p>
-            <a:endParaRPr lang="id-ID"/>
-          </a:p>
-        </p:txBody>
-      </p:sp>
     </p:spTree>
   </p:cSld>
   <p:clrMapOvr>
-    <a:overrideClrMapping bg1="lt1" tx1="dk1" bg2="lt2" tx2="dk2" accent1="accent1" accent2="accent2" accent3="accent3" accent4="accent4" accent5="accent5" accent6="accent6" hlink="hlink" folHlink="folHlink"/>
+    <a:overrideClrMapping bg1="dk1" tx1="lt1" bg2="dk2" tx2="lt2" accent1="accent1" accent2="accent2" accent3="accent3" accent4="accent4" accent5="accent5" accent6="accent6" hlink="hlink" folHlink="folHlink"/>
   </p:clrMapOvr>
 </p:sldLayout>
 </file>
@@ -1515,126 +1538,186 @@
       </p:grpSpPr>
       <p:sp>
         <p:nvSpPr>
-          <p:cNvPr id="14" name="Content Placeholder 30"/>
-          <p:cNvSpPr>
-            <a:spLocks noGrp="1"/>
-          </p:cNvSpPr>
-          <p:nvPr>
-            <p:ph sz="quarter" idx="13"/>
+          <p:cNvPr id="2" name="Title 1"/>
+          <p:cNvSpPr>
+            <a:spLocks noGrp="1"/>
+          </p:cNvSpPr>
+          <p:nvPr>
+            <p:ph type="title"/>
           </p:nvPr>
         </p:nvSpPr>
         <p:spPr>
           <a:xfrm>
-            <a:off x="457201" y="2020824"/>
-            <a:ext cx="4023360" cy="4005072"/>
+            <a:off x="457200" y="274638"/>
+            <a:ext cx="7467600" cy="1143000"/>
           </a:xfrm>
         </p:spPr>
         <p:txBody>
           <a:bodyPr/>
           <a:lstStyle/>
           <a:p>
-            <a:pPr lvl="0"/>
+            <a:r>
+              <a:rPr kumimoji="0" lang="en-US" smtClean="0"/>
+              <a:t>Click to edit Master title style</a:t>
+            </a:r>
+            <a:endParaRPr kumimoji="0" lang="en-US"/>
+          </a:p>
+        </p:txBody>
+      </p:sp>
+      <p:sp>
+        <p:nvSpPr>
+          <p:cNvPr id="3" name="Content Placeholder 2"/>
+          <p:cNvSpPr>
+            <a:spLocks noGrp="1"/>
+          </p:cNvSpPr>
+          <p:nvPr>
+            <p:ph sz="half" idx="1"/>
+          </p:nvPr>
+        </p:nvSpPr>
+        <p:spPr>
+          <a:xfrm>
+            <a:off x="457200" y="1600200"/>
+            <a:ext cx="3657600" cy="4525963"/>
+          </a:xfrm>
+        </p:spPr>
+        <p:txBody>
+          <a:bodyPr/>
+          <a:lstStyle>
+            <a:lvl1pPr>
+              <a:defRPr sz="2600"/>
+            </a:lvl1pPr>
+            <a:lvl2pPr>
+              <a:defRPr sz="2200"/>
+            </a:lvl2pPr>
+            <a:lvl3pPr>
+              <a:defRPr sz="2000"/>
+            </a:lvl3pPr>
+            <a:lvl4pPr>
+              <a:defRPr sz="1800"/>
+            </a:lvl4pPr>
+            <a:lvl5pPr>
+              <a:defRPr sz="1800"/>
+            </a:lvl5pPr>
+          </a:lstStyle>
+          <a:p>
+            <a:pPr lvl="0" eaLnBrk="1" latinLnBrk="0" hangingPunct="1"/>
             <a:r>
               <a:rPr lang="en-US" smtClean="0"/>
               <a:t>Click to edit Master text styles</a:t>
             </a:r>
           </a:p>
           <a:p>
-            <a:pPr lvl="1"/>
+            <a:pPr lvl="1" eaLnBrk="1" latinLnBrk="0" hangingPunct="1"/>
             <a:r>
               <a:rPr lang="en-US" smtClean="0"/>
               <a:t>Second level</a:t>
             </a:r>
           </a:p>
           <a:p>
-            <a:pPr lvl="2"/>
+            <a:pPr lvl="2" eaLnBrk="1" latinLnBrk="0" hangingPunct="1"/>
             <a:r>
               <a:rPr lang="en-US" smtClean="0"/>
               <a:t>Third level</a:t>
             </a:r>
           </a:p>
           <a:p>
-            <a:pPr lvl="3"/>
+            <a:pPr lvl="3" eaLnBrk="1" latinLnBrk="0" hangingPunct="1"/>
             <a:r>
               <a:rPr lang="en-US" smtClean="0"/>
               <a:t>Fourth level</a:t>
             </a:r>
           </a:p>
           <a:p>
-            <a:pPr lvl="4"/>
+            <a:pPr lvl="4" eaLnBrk="1" latinLnBrk="0" hangingPunct="1"/>
             <a:r>
               <a:rPr lang="en-US" smtClean="0"/>
               <a:t>Fifth level</a:t>
             </a:r>
-            <a:endParaRPr lang="en-US" dirty="0"/>
-          </a:p>
-        </p:txBody>
-      </p:sp>
-      <p:sp>
-        <p:nvSpPr>
-          <p:cNvPr id="15" name="Content Placeholder 30"/>
-          <p:cNvSpPr>
-            <a:spLocks noGrp="1"/>
-          </p:cNvSpPr>
-          <p:nvPr>
-            <p:ph sz="quarter" idx="14"/>
+            <a:endParaRPr kumimoji="0" lang="en-US"/>
+          </a:p>
+        </p:txBody>
+      </p:sp>
+      <p:sp>
+        <p:nvSpPr>
+          <p:cNvPr id="4" name="Content Placeholder 3"/>
+          <p:cNvSpPr>
+            <a:spLocks noGrp="1"/>
+          </p:cNvSpPr>
+          <p:nvPr>
+            <p:ph sz="half" idx="2"/>
           </p:nvPr>
         </p:nvSpPr>
         <p:spPr>
           <a:xfrm>
-            <a:off x="4663440" y="2020824"/>
-            <a:ext cx="4023360" cy="4005072"/>
+            <a:off x="4267200" y="1600200"/>
+            <a:ext cx="3657600" cy="4525963"/>
           </a:xfrm>
         </p:spPr>
         <p:txBody>
           <a:bodyPr/>
-          <a:lstStyle/>
-          <a:p>
-            <a:pPr lvl="0"/>
+          <a:lstStyle>
+            <a:lvl1pPr>
+              <a:defRPr sz="2600"/>
+            </a:lvl1pPr>
+            <a:lvl2pPr>
+              <a:defRPr sz="2200"/>
+            </a:lvl2pPr>
+            <a:lvl3pPr>
+              <a:defRPr sz="2000"/>
+            </a:lvl3pPr>
+            <a:lvl4pPr>
+              <a:defRPr sz="1800"/>
+            </a:lvl4pPr>
+            <a:lvl5pPr>
+              <a:defRPr sz="1800"/>
+            </a:lvl5pPr>
+          </a:lstStyle>
+          <a:p>
+            <a:pPr lvl="0" eaLnBrk="1" latinLnBrk="0" hangingPunct="1"/>
             <a:r>
               <a:rPr lang="en-US" smtClean="0"/>
               <a:t>Click to edit Master text styles</a:t>
             </a:r>
           </a:p>
           <a:p>
-            <a:pPr lvl="1"/>
+            <a:pPr lvl="1" eaLnBrk="1" latinLnBrk="0" hangingPunct="1"/>
             <a:r>
               <a:rPr lang="en-US" smtClean="0"/>
               <a:t>Second level</a:t>
             </a:r>
           </a:p>
           <a:p>
-            <a:pPr lvl="2"/>
+            <a:pPr lvl="2" eaLnBrk="1" latinLnBrk="0" hangingPunct="1"/>
             <a:r>
               <a:rPr lang="en-US" smtClean="0"/>
               <a:t>Third level</a:t>
             </a:r>
           </a:p>
           <a:p>
-            <a:pPr lvl="3"/>
+            <a:pPr lvl="3" eaLnBrk="1" latinLnBrk="0" hangingPunct="1"/>
             <a:r>
               <a:rPr lang="en-US" smtClean="0"/>
               <a:t>Fourth level</a:t>
             </a:r>
           </a:p>
           <a:p>
-            <a:pPr lvl="4"/>
+            <a:pPr lvl="4" eaLnBrk="1" latinLnBrk="0" hangingPunct="1"/>
             <a:r>
               <a:rPr lang="en-US" smtClean="0"/>
               <a:t>Fifth level</a:t>
             </a:r>
-            <a:endParaRPr lang="en-US" dirty="0"/>
-          </a:p>
-        </p:txBody>
-      </p:sp>
-      <p:sp>
-        <p:nvSpPr>
-          <p:cNvPr id="9" name="Date Placeholder 8"/>
-          <p:cNvSpPr>
-            <a:spLocks noGrp="1"/>
-          </p:cNvSpPr>
-          <p:nvPr>
-            <p:ph type="dt" sz="half" idx="15"/>
+            <a:endParaRPr kumimoji="0" lang="en-US"/>
+          </a:p>
+        </p:txBody>
+      </p:sp>
+      <p:sp>
+        <p:nvSpPr>
+          <p:cNvPr id="5" name="Date Placeholder 4"/>
+          <p:cNvSpPr>
+            <a:spLocks noGrp="1"/>
+          </p:cNvSpPr>
+          <p:nvPr>
+            <p:ph type="dt" sz="half" idx="10"/>
           </p:nvPr>
         </p:nvSpPr>
         <p:spPr/>
@@ -1652,12 +1735,31 @@
       </p:sp>
       <p:sp>
         <p:nvSpPr>
-          <p:cNvPr id="12" name="Slide Number Placeholder 11"/>
-          <p:cNvSpPr>
-            <a:spLocks noGrp="1"/>
-          </p:cNvSpPr>
-          <p:nvPr>
-            <p:ph type="sldNum" sz="quarter" idx="16"/>
+          <p:cNvPr id="6" name="Footer Placeholder 5"/>
+          <p:cNvSpPr>
+            <a:spLocks noGrp="1"/>
+          </p:cNvSpPr>
+          <p:nvPr>
+            <p:ph type="ftr" sz="quarter" idx="11"/>
+          </p:nvPr>
+        </p:nvSpPr>
+        <p:spPr/>
+        <p:txBody>
+          <a:bodyPr/>
+          <a:lstStyle/>
+          <a:p>
+            <a:endParaRPr lang="id-ID"/>
+          </a:p>
+        </p:txBody>
+      </p:sp>
+      <p:sp>
+        <p:nvSpPr>
+          <p:cNvPr id="7" name="Slide Number Placeholder 6"/>
+          <p:cNvSpPr>
+            <a:spLocks noGrp="1"/>
+          </p:cNvSpPr>
+          <p:nvPr>
+            <p:ph type="sldNum" sz="quarter" idx="12"/>
           </p:nvPr>
         </p:nvSpPr>
         <p:spPr/>
@@ -1670,48 +1772,6 @@
               <a:t>‹#›</a:t>
             </a:fld>
             <a:endParaRPr lang="id-ID"/>
-          </a:p>
-        </p:txBody>
-      </p:sp>
-      <p:sp>
-        <p:nvSpPr>
-          <p:cNvPr id="13" name="Footer Placeholder 12"/>
-          <p:cNvSpPr>
-            <a:spLocks noGrp="1"/>
-          </p:cNvSpPr>
-          <p:nvPr>
-            <p:ph type="ftr" sz="quarter" idx="17"/>
-          </p:nvPr>
-        </p:nvSpPr>
-        <p:spPr/>
-        <p:txBody>
-          <a:bodyPr/>
-          <a:lstStyle/>
-          <a:p>
-            <a:endParaRPr lang="id-ID"/>
-          </a:p>
-        </p:txBody>
-      </p:sp>
-      <p:sp>
-        <p:nvSpPr>
-          <p:cNvPr id="16" name="Title 15"/>
-          <p:cNvSpPr>
-            <a:spLocks noGrp="1"/>
-          </p:cNvSpPr>
-          <p:nvPr>
-            <p:ph type="title"/>
-          </p:nvPr>
-        </p:nvSpPr>
-        <p:spPr/>
-        <p:txBody>
-          <a:bodyPr/>
-          <a:lstStyle/>
-          <a:p>
-            <a:r>
-              <a:rPr lang="en-US" smtClean="0"/>
-              <a:t>Click to edit Master title style</a:t>
-            </a:r>
-            <a:endParaRPr lang="en-US"/>
           </a:p>
         </p:txBody>
       </p:sp>
@@ -1724,7 +1784,7 @@
 </file>
 
 <file path=ppt/slideLayouts/slideLayout5.xml><?xml version="1.0" encoding="utf-8"?>
-<p:sldLayout xmlns:a="http://schemas.openxmlformats.org/drawingml/2006/main" xmlns:r="http://schemas.openxmlformats.org/officeDocument/2006/relationships" xmlns:p="http://schemas.openxmlformats.org/presentationml/2006/main" type="twoTxTwoObj" preserve="1">
+<p:sldLayout xmlns:a="http://schemas.openxmlformats.org/drawingml/2006/main" xmlns:r="http://schemas.openxmlformats.org/officeDocument/2006/relationships" xmlns:p="http://schemas.openxmlformats.org/presentationml/2006/main" showMasterSp="0" type="twoTxTwoObj" preserve="1">
   <p:cSld name="Comparison">
     <p:spTree>
       <p:nvGrpSpPr>
@@ -1742,305 +1802,296 @@
       </p:grpSpPr>
       <p:sp>
         <p:nvSpPr>
-          <p:cNvPr id="23" name="Content Placeholder 30"/>
-          <p:cNvSpPr>
-            <a:spLocks noGrp="1"/>
-          </p:cNvSpPr>
-          <p:nvPr>
-            <p:ph sz="quarter" idx="13"/>
+          <p:cNvPr id="2" name="Title 1"/>
+          <p:cNvSpPr>
+            <a:spLocks noGrp="1"/>
+          </p:cNvSpPr>
+          <p:nvPr>
+            <p:ph type="title"/>
           </p:nvPr>
         </p:nvSpPr>
         <p:spPr>
           <a:xfrm>
-            <a:off x="457201" y="2819400"/>
-            <a:ext cx="4023360" cy="3209544"/>
+            <a:off x="457200" y="273050"/>
+            <a:ext cx="8229600" cy="1143000"/>
           </a:xfrm>
         </p:spPr>
         <p:txBody>
-          <a:bodyPr/>
-          <a:lstStyle/>
-          <a:p>
-            <a:pPr lvl="0"/>
+          <a:bodyPr anchor="ctr"/>
+          <a:lstStyle>
+            <a:lvl1pPr>
+              <a:defRPr/>
+            </a:lvl1pPr>
+          </a:lstStyle>
+          <a:p>
+            <a:r>
+              <a:rPr kumimoji="0" lang="en-US" smtClean="0"/>
+              <a:t>Click to edit Master title style</a:t>
+            </a:r>
+            <a:endParaRPr kumimoji="0" lang="en-US"/>
+          </a:p>
+        </p:txBody>
+      </p:sp>
+      <p:sp>
+        <p:nvSpPr>
+          <p:cNvPr id="3" name="Text Placeholder 2"/>
+          <p:cNvSpPr>
+            <a:spLocks noGrp="1"/>
+          </p:cNvSpPr>
+          <p:nvPr>
+            <p:ph type="body" idx="1"/>
+          </p:nvPr>
+        </p:nvSpPr>
+        <p:spPr>
+          <a:xfrm>
+            <a:off x="457200" y="5486400"/>
+            <a:ext cx="4040188" cy="838200"/>
+          </a:xfrm>
+        </p:spPr>
+        <p:txBody>
+          <a:bodyPr anchor="t"/>
+          <a:lstStyle>
+            <a:lvl1pPr marL="0" indent="0">
+              <a:buNone/>
+              <a:defRPr sz="2400" b="1">
+                <a:solidFill>
+                  <a:schemeClr val="accent1"/>
+                </a:solidFill>
+              </a:defRPr>
+            </a:lvl1pPr>
+            <a:lvl2pPr>
+              <a:buNone/>
+              <a:defRPr sz="2000" b="1"/>
+            </a:lvl2pPr>
+            <a:lvl3pPr>
+              <a:buNone/>
+              <a:defRPr sz="1800" b="1"/>
+            </a:lvl3pPr>
+            <a:lvl4pPr>
+              <a:buNone/>
+              <a:defRPr sz="1600" b="1"/>
+            </a:lvl4pPr>
+            <a:lvl5pPr>
+              <a:buNone/>
+              <a:defRPr sz="1600" b="1"/>
+            </a:lvl5pPr>
+          </a:lstStyle>
+          <a:p>
+            <a:pPr lvl="0" eaLnBrk="1" latinLnBrk="0" hangingPunct="1"/>
+            <a:r>
+              <a:rPr kumimoji="0" lang="en-US" smtClean="0"/>
+              <a:t>Click to edit Master text styles</a:t>
+            </a:r>
+          </a:p>
+        </p:txBody>
+      </p:sp>
+      <p:sp>
+        <p:nvSpPr>
+          <p:cNvPr id="4" name="Text Placeholder 3"/>
+          <p:cNvSpPr>
+            <a:spLocks noGrp="1"/>
+          </p:cNvSpPr>
+          <p:nvPr>
+            <p:ph type="body" sz="half" idx="3"/>
+          </p:nvPr>
+        </p:nvSpPr>
+        <p:spPr>
+          <a:xfrm>
+            <a:off x="4645025" y="5486400"/>
+            <a:ext cx="4041775" cy="838200"/>
+          </a:xfrm>
+        </p:spPr>
+        <p:txBody>
+          <a:bodyPr anchor="t"/>
+          <a:lstStyle>
+            <a:lvl1pPr marL="0" indent="0">
+              <a:buNone/>
+              <a:defRPr sz="2400" b="1">
+                <a:solidFill>
+                  <a:schemeClr val="accent1"/>
+                </a:solidFill>
+              </a:defRPr>
+            </a:lvl1pPr>
+            <a:lvl2pPr>
+              <a:buNone/>
+              <a:defRPr sz="2000" b="1"/>
+            </a:lvl2pPr>
+            <a:lvl3pPr>
+              <a:buNone/>
+              <a:defRPr sz="1800" b="1"/>
+            </a:lvl3pPr>
+            <a:lvl4pPr>
+              <a:buNone/>
+              <a:defRPr sz="1600" b="1"/>
+            </a:lvl4pPr>
+            <a:lvl5pPr>
+              <a:buNone/>
+              <a:defRPr sz="1600" b="1"/>
+            </a:lvl5pPr>
+          </a:lstStyle>
+          <a:p>
+            <a:pPr lvl="0" eaLnBrk="1" latinLnBrk="0" hangingPunct="1"/>
+            <a:r>
+              <a:rPr kumimoji="0" lang="en-US" smtClean="0"/>
+              <a:t>Click to edit Master text styles</a:t>
+            </a:r>
+          </a:p>
+        </p:txBody>
+      </p:sp>
+      <p:sp>
+        <p:nvSpPr>
+          <p:cNvPr id="5" name="Content Placeholder 4"/>
+          <p:cNvSpPr>
+            <a:spLocks noGrp="1"/>
+          </p:cNvSpPr>
+          <p:nvPr>
+            <p:ph sz="quarter" idx="2"/>
+          </p:nvPr>
+        </p:nvSpPr>
+        <p:spPr>
+          <a:xfrm>
+            <a:off x="457200" y="1516912"/>
+            <a:ext cx="4040188" cy="3941763"/>
+          </a:xfrm>
+        </p:spPr>
+        <p:txBody>
+          <a:bodyPr/>
+          <a:lstStyle>
+            <a:lvl1pPr>
+              <a:defRPr sz="2400"/>
+            </a:lvl1pPr>
+            <a:lvl2pPr>
+              <a:defRPr sz="2000"/>
+            </a:lvl2pPr>
+            <a:lvl3pPr>
+              <a:defRPr sz="1800"/>
+            </a:lvl3pPr>
+            <a:lvl4pPr>
+              <a:defRPr sz="1600"/>
+            </a:lvl4pPr>
+            <a:lvl5pPr>
+              <a:defRPr sz="1600"/>
+            </a:lvl5pPr>
+          </a:lstStyle>
+          <a:p>
+            <a:pPr lvl="0" eaLnBrk="1" latinLnBrk="0" hangingPunct="1"/>
             <a:r>
               <a:rPr lang="en-US" smtClean="0"/>
               <a:t>Click to edit Master text styles</a:t>
             </a:r>
           </a:p>
           <a:p>
-            <a:pPr lvl="1"/>
+            <a:pPr lvl="1" eaLnBrk="1" latinLnBrk="0" hangingPunct="1"/>
             <a:r>
               <a:rPr lang="en-US" smtClean="0"/>
               <a:t>Second level</a:t>
             </a:r>
           </a:p>
           <a:p>
-            <a:pPr lvl="2"/>
+            <a:pPr lvl="2" eaLnBrk="1" latinLnBrk="0" hangingPunct="1"/>
             <a:r>
               <a:rPr lang="en-US" smtClean="0"/>
               <a:t>Third level</a:t>
             </a:r>
           </a:p>
           <a:p>
-            <a:pPr lvl="3"/>
+            <a:pPr lvl="3" eaLnBrk="1" latinLnBrk="0" hangingPunct="1"/>
             <a:r>
               <a:rPr lang="en-US" smtClean="0"/>
               <a:t>Fourth level</a:t>
             </a:r>
           </a:p>
           <a:p>
-            <a:pPr lvl="4"/>
+            <a:pPr lvl="4" eaLnBrk="1" latinLnBrk="0" hangingPunct="1"/>
             <a:r>
               <a:rPr lang="en-US" smtClean="0"/>
               <a:t>Fifth level</a:t>
             </a:r>
-            <a:endParaRPr lang="en-US" dirty="0"/>
-          </a:p>
-        </p:txBody>
-      </p:sp>
-      <p:sp>
-        <p:nvSpPr>
-          <p:cNvPr id="24" name="Content Placeholder 30"/>
-          <p:cNvSpPr>
-            <a:spLocks noGrp="1"/>
-          </p:cNvSpPr>
-          <p:nvPr>
-            <p:ph sz="quarter" idx="14"/>
+            <a:endParaRPr kumimoji="0" lang="en-US"/>
+          </a:p>
+        </p:txBody>
+      </p:sp>
+      <p:sp>
+        <p:nvSpPr>
+          <p:cNvPr id="6" name="Content Placeholder 5"/>
+          <p:cNvSpPr>
+            <a:spLocks noGrp="1"/>
+          </p:cNvSpPr>
+          <p:nvPr>
+            <p:ph sz="quarter" idx="4"/>
           </p:nvPr>
         </p:nvSpPr>
         <p:spPr>
           <a:xfrm>
-            <a:off x="4663440" y="2816352"/>
-            <a:ext cx="4023360" cy="3209544"/>
+            <a:off x="4645025" y="1516912"/>
+            <a:ext cx="4041775" cy="3941763"/>
           </a:xfrm>
         </p:spPr>
         <p:txBody>
           <a:bodyPr/>
-          <a:lstStyle/>
-          <a:p>
-            <a:pPr lvl="0"/>
+          <a:lstStyle>
+            <a:lvl1pPr>
+              <a:defRPr sz="2400"/>
+            </a:lvl1pPr>
+            <a:lvl2pPr>
+              <a:defRPr sz="2000"/>
+            </a:lvl2pPr>
+            <a:lvl3pPr>
+              <a:defRPr sz="1800"/>
+            </a:lvl3pPr>
+            <a:lvl4pPr>
+              <a:defRPr sz="1600"/>
+            </a:lvl4pPr>
+            <a:lvl5pPr>
+              <a:defRPr sz="1600"/>
+            </a:lvl5pPr>
+          </a:lstStyle>
+          <a:p>
+            <a:pPr lvl="0" eaLnBrk="1" latinLnBrk="0" hangingPunct="1"/>
             <a:r>
               <a:rPr lang="en-US" smtClean="0"/>
               <a:t>Click to edit Master text styles</a:t>
             </a:r>
           </a:p>
           <a:p>
-            <a:pPr lvl="1"/>
+            <a:pPr lvl="1" eaLnBrk="1" latinLnBrk="0" hangingPunct="1"/>
             <a:r>
               <a:rPr lang="en-US" smtClean="0"/>
               <a:t>Second level</a:t>
             </a:r>
           </a:p>
           <a:p>
-            <a:pPr lvl="2"/>
+            <a:pPr lvl="2" eaLnBrk="1" latinLnBrk="0" hangingPunct="1"/>
             <a:r>
               <a:rPr lang="en-US" smtClean="0"/>
               <a:t>Third level</a:t>
             </a:r>
           </a:p>
           <a:p>
-            <a:pPr lvl="3"/>
+            <a:pPr lvl="3" eaLnBrk="1" latinLnBrk="0" hangingPunct="1"/>
             <a:r>
               <a:rPr lang="en-US" smtClean="0"/>
               <a:t>Fourth level</a:t>
             </a:r>
           </a:p>
           <a:p>
-            <a:pPr lvl="4"/>
+            <a:pPr lvl="4" eaLnBrk="1" latinLnBrk="0" hangingPunct="1"/>
             <a:r>
               <a:rPr lang="en-US" smtClean="0"/>
               <a:t>Fifth level</a:t>
             </a:r>
-            <a:endParaRPr lang="en-US" dirty="0"/>
-          </a:p>
-        </p:txBody>
-      </p:sp>
-      <p:sp>
-        <p:nvSpPr>
-          <p:cNvPr id="20" name="Text Placeholder 3"/>
-          <p:cNvSpPr>
-            <a:spLocks noGrp="1"/>
-          </p:cNvSpPr>
-          <p:nvPr>
-            <p:ph type="body" sz="half" idx="2"/>
-          </p:nvPr>
-        </p:nvSpPr>
-        <p:spPr>
-          <a:xfrm>
-            <a:off x="457200" y="2020824"/>
-            <a:ext cx="4023360" cy="704088"/>
-          </a:xfrm>
-          <a:noFill/>
-          <a:ln w="98425" cmpd="thinThick">
-            <a:noFill/>
-            <a:miter lim="800000"/>
-          </a:ln>
-        </p:spPr>
-        <p:txBody>
-          <a:bodyPr vert="horz" lIns="91440" tIns="45720" rIns="91440" bIns="45720" rtlCol="0" anchor="ctr" anchorCtr="0">
-            <a:normAutofit/>
-          </a:bodyPr>
-          <a:lstStyle>
-            <a:lvl1pPr marL="0" indent="0" algn="ctr" defTabSz="914400" rtl="0" eaLnBrk="1" latinLnBrk="0" hangingPunct="1">
-              <a:spcBef>
-                <a:spcPts val="400"/>
-              </a:spcBef>
-              <a:buNone/>
-              <a:defRPr lang="en-US" sz="1800" b="1" kern="1200" cap="none" spc="200" baseline="0" smtClean="0">
-                <a:solidFill>
-                  <a:schemeClr val="tx1"/>
-                </a:solidFill>
-                <a:latin typeface="+mj-lt"/>
-                <a:ea typeface="+mj-ea"/>
-                <a:cs typeface="Tunga" pitchFamily="2"/>
-              </a:defRPr>
-            </a:lvl1pPr>
-            <a:lvl2pPr marL="457200" indent="0">
-              <a:buNone/>
-              <a:defRPr sz="1200"/>
-            </a:lvl2pPr>
-            <a:lvl3pPr marL="914400" indent="0">
-              <a:buNone/>
-              <a:defRPr sz="1000"/>
-            </a:lvl3pPr>
-            <a:lvl4pPr marL="1371600" indent="0">
-              <a:buNone/>
-              <a:defRPr sz="900"/>
-            </a:lvl4pPr>
-            <a:lvl5pPr marL="1828800" indent="0">
-              <a:buNone/>
-              <a:defRPr sz="900"/>
-            </a:lvl5pPr>
-            <a:lvl6pPr marL="2286000" indent="0">
-              <a:buNone/>
-              <a:defRPr sz="900"/>
-            </a:lvl6pPr>
-            <a:lvl7pPr marL="2743200" indent="0">
-              <a:buNone/>
-              <a:defRPr sz="900"/>
-            </a:lvl7pPr>
-            <a:lvl8pPr marL="3200400" indent="0">
-              <a:buNone/>
-              <a:defRPr sz="900"/>
-            </a:lvl8pPr>
-            <a:lvl9pPr marL="3657600" indent="0">
-              <a:buNone/>
-              <a:defRPr sz="900"/>
-            </a:lvl9pPr>
-          </a:lstStyle>
-          <a:p>
-            <a:pPr lvl="0"/>
-            <a:r>
-              <a:rPr lang="en-US" smtClean="0"/>
-              <a:t>Click to edit Master text styles</a:t>
-            </a:r>
-          </a:p>
-        </p:txBody>
-      </p:sp>
-      <p:sp>
-        <p:nvSpPr>
-          <p:cNvPr id="21" name="Text Placeholder 3"/>
-          <p:cNvSpPr>
-            <a:spLocks noGrp="1"/>
-          </p:cNvSpPr>
-          <p:nvPr>
-            <p:ph type="body" sz="half" idx="15"/>
-          </p:nvPr>
-        </p:nvSpPr>
-        <p:spPr>
-          <a:xfrm>
-            <a:off x="4663440" y="2020824"/>
-            <a:ext cx="4023360" cy="704088"/>
-          </a:xfrm>
-          <a:noFill/>
-          <a:ln w="98425" cmpd="thinThick">
-            <a:noFill/>
-            <a:miter lim="800000"/>
-          </a:ln>
-        </p:spPr>
-        <p:txBody>
-          <a:bodyPr vert="horz" lIns="91440" tIns="45720" rIns="91440" bIns="45720" rtlCol="0" anchor="ctr" anchorCtr="0">
-            <a:normAutofit/>
-          </a:bodyPr>
-          <a:lstStyle>
-            <a:lvl1pPr marL="0" indent="0" algn="ctr" defTabSz="914400" rtl="0" eaLnBrk="1" latinLnBrk="0" hangingPunct="1">
-              <a:spcBef>
-                <a:spcPts val="400"/>
-              </a:spcBef>
-              <a:buNone/>
-              <a:defRPr lang="en-US" sz="1800" b="1" i="0" kern="1200" cap="none" spc="200" baseline="0" dirty="0" smtClean="0">
-                <a:solidFill>
-                  <a:schemeClr val="tx1"/>
-                </a:solidFill>
-                <a:latin typeface="+mj-lt"/>
-                <a:ea typeface="+mj-ea"/>
-                <a:cs typeface="Tunga" pitchFamily="2"/>
-              </a:defRPr>
-            </a:lvl1pPr>
-            <a:lvl2pPr marL="457200" indent="0">
-              <a:buNone/>
-              <a:defRPr sz="1200"/>
-            </a:lvl2pPr>
-            <a:lvl3pPr marL="914400" indent="0">
-              <a:buNone/>
-              <a:defRPr sz="1000"/>
-            </a:lvl3pPr>
-            <a:lvl4pPr marL="1371600" indent="0">
-              <a:buNone/>
-              <a:defRPr sz="900"/>
-            </a:lvl4pPr>
-            <a:lvl5pPr marL="1828800" indent="0">
-              <a:buNone/>
-              <a:defRPr sz="900"/>
-            </a:lvl5pPr>
-            <a:lvl6pPr marL="2286000" indent="0">
-              <a:buNone/>
-              <a:defRPr sz="900"/>
-            </a:lvl6pPr>
-            <a:lvl7pPr marL="2743200" indent="0">
-              <a:buNone/>
-              <a:defRPr sz="900"/>
-            </a:lvl7pPr>
-            <a:lvl8pPr marL="3200400" indent="0">
-              <a:buNone/>
-              <a:defRPr sz="900"/>
-            </a:lvl8pPr>
-            <a:lvl9pPr marL="3657600" indent="0">
-              <a:buNone/>
-              <a:defRPr sz="900"/>
-            </a:lvl9pPr>
-          </a:lstStyle>
-          <a:p>
-            <a:pPr marL="0" lvl="0" indent="0" algn="ctr" defTabSz="914400" rtl="0" eaLnBrk="1" latinLnBrk="0" hangingPunct="1">
-              <a:lnSpc>
-                <a:spcPct val="110000"/>
-              </a:lnSpc>
-              <a:spcBef>
-                <a:spcPts val="400"/>
-              </a:spcBef>
-              <a:spcAft>
-                <a:spcPts val="0"/>
-              </a:spcAft>
-              <a:buClr>
-                <a:schemeClr val="accent1"/>
-              </a:buClr>
-              <a:buFontTx/>
-              <a:buNone/>
-            </a:pPr>
-            <a:r>
-              <a:rPr lang="en-US" smtClean="0"/>
-              <a:t>Click to edit Master text styles</a:t>
-            </a:r>
-          </a:p>
-        </p:txBody>
-      </p:sp>
-      <p:sp>
-        <p:nvSpPr>
-          <p:cNvPr id="11" name="Date Placeholder 10"/>
-          <p:cNvSpPr>
-            <a:spLocks noGrp="1"/>
-          </p:cNvSpPr>
-          <p:nvPr>
-            <p:ph type="dt" sz="half" idx="16"/>
+            <a:endParaRPr kumimoji="0" lang="en-US"/>
+          </a:p>
+        </p:txBody>
+      </p:sp>
+      <p:sp>
+        <p:nvSpPr>
+          <p:cNvPr id="7" name="Date Placeholder 6"/>
+          <p:cNvSpPr>
+            <a:spLocks noGrp="1"/>
+          </p:cNvSpPr>
+          <p:nvPr>
+            <p:ph type="dt" sz="half" idx="10"/>
           </p:nvPr>
         </p:nvSpPr>
         <p:spPr/>
@@ -2058,12 +2109,31 @@
       </p:sp>
       <p:sp>
         <p:nvSpPr>
-          <p:cNvPr id="12" name="Slide Number Placeholder 11"/>
-          <p:cNvSpPr>
-            <a:spLocks noGrp="1"/>
-          </p:cNvSpPr>
-          <p:nvPr>
-            <p:ph type="sldNum" sz="quarter" idx="17"/>
+          <p:cNvPr id="8" name="Footer Placeholder 7"/>
+          <p:cNvSpPr>
+            <a:spLocks noGrp="1"/>
+          </p:cNvSpPr>
+          <p:nvPr>
+            <p:ph type="ftr" sz="quarter" idx="11"/>
+          </p:nvPr>
+        </p:nvSpPr>
+        <p:spPr/>
+        <p:txBody>
+          <a:bodyPr/>
+          <a:lstStyle/>
+          <a:p>
+            <a:endParaRPr lang="id-ID"/>
+          </a:p>
+        </p:txBody>
+      </p:sp>
+      <p:sp>
+        <p:nvSpPr>
+          <p:cNvPr id="9" name="Slide Number Placeholder 8"/>
+          <p:cNvSpPr>
+            <a:spLocks noGrp="1"/>
+          </p:cNvSpPr>
+          <p:nvPr>
+            <p:ph type="sldNum" sz="quarter" idx="12"/>
           </p:nvPr>
         </p:nvSpPr>
         <p:spPr/>
@@ -2076,48 +2146,6 @@
               <a:t>‹#›</a:t>
             </a:fld>
             <a:endParaRPr lang="id-ID"/>
-          </a:p>
-        </p:txBody>
-      </p:sp>
-      <p:sp>
-        <p:nvSpPr>
-          <p:cNvPr id="13" name="Footer Placeholder 12"/>
-          <p:cNvSpPr>
-            <a:spLocks noGrp="1"/>
-          </p:cNvSpPr>
-          <p:nvPr>
-            <p:ph type="ftr" sz="quarter" idx="18"/>
-          </p:nvPr>
-        </p:nvSpPr>
-        <p:spPr/>
-        <p:txBody>
-          <a:bodyPr/>
-          <a:lstStyle/>
-          <a:p>
-            <a:endParaRPr lang="id-ID"/>
-          </a:p>
-        </p:txBody>
-      </p:sp>
-      <p:sp>
-        <p:nvSpPr>
-          <p:cNvPr id="18" name="Title 17"/>
-          <p:cNvSpPr>
-            <a:spLocks noGrp="1"/>
-          </p:cNvSpPr>
-          <p:nvPr>
-            <p:ph type="title"/>
-          </p:nvPr>
-        </p:nvSpPr>
-        <p:spPr/>
-        <p:txBody>
-          <a:bodyPr/>
-          <a:lstStyle/>
-          <a:p>
-            <a:r>
-              <a:rPr lang="en-US" smtClean="0"/>
-              <a:t>Click to edit Master title style</a:t>
-            </a:r>
-            <a:endParaRPr lang="en-US"/>
           </a:p>
         </p:txBody>
       </p:sp>
@@ -2148,7 +2176,7 @@
       </p:grpSpPr>
       <p:sp>
         <p:nvSpPr>
-          <p:cNvPr id="9" name="Title 8"/>
+          <p:cNvPr id="2" name="Title 1"/>
           <p:cNvSpPr>
             <a:spLocks noGrp="1"/>
           </p:cNvSpPr>
@@ -2156,22 +2184,31 @@
             <p:ph type="title"/>
           </p:nvPr>
         </p:nvSpPr>
-        <p:spPr/>
-        <p:txBody>
-          <a:bodyPr/>
-          <a:lstStyle/>
-          <a:p>
-            <a:r>
-              <a:rPr lang="en-US" smtClean="0"/>
+        <p:spPr>
+          <a:xfrm>
+            <a:off x="457200" y="274320"/>
+            <a:ext cx="7470648" cy="1143000"/>
+          </a:xfrm>
+        </p:spPr>
+        <p:txBody>
+          <a:bodyPr anchor="ctr"/>
+          <a:lstStyle>
+            <a:lvl1pPr algn="l">
+              <a:defRPr sz="4600"/>
+            </a:lvl1pPr>
+          </a:lstStyle>
+          <a:p>
+            <a:r>
+              <a:rPr kumimoji="0" lang="en-US" smtClean="0"/>
               <a:t>Click to edit Master title style</a:t>
             </a:r>
-            <a:endParaRPr lang="en-US"/>
-          </a:p>
-        </p:txBody>
-      </p:sp>
-      <p:sp>
-        <p:nvSpPr>
-          <p:cNvPr id="15" name="Date Placeholder 14"/>
+            <a:endParaRPr kumimoji="0" lang="en-US"/>
+          </a:p>
+        </p:txBody>
+      </p:sp>
+      <p:sp>
+        <p:nvSpPr>
+          <p:cNvPr id="7" name="Date Placeholder 6"/>
           <p:cNvSpPr>
             <a:spLocks noGrp="1"/>
           </p:cNvSpPr>
@@ -2194,7 +2231,7 @@
       </p:sp>
       <p:sp>
         <p:nvSpPr>
-          <p:cNvPr id="16" name="Slide Number Placeholder 15"/>
+          <p:cNvPr id="8" name="Slide Number Placeholder 7"/>
           <p:cNvSpPr>
             <a:spLocks noGrp="1"/>
           </p:cNvSpPr>
@@ -2217,7 +2254,7 @@
       </p:sp>
       <p:sp>
         <p:nvSpPr>
-          <p:cNvPr id="17" name="Footer Placeholder 16"/>
+          <p:cNvPr id="9" name="Footer Placeholder 8"/>
           <p:cNvSpPr>
             <a:spLocks noGrp="1"/>
           </p:cNvSpPr>
@@ -2243,7 +2280,7 @@
 </file>
 
 <file path=ppt/slideLayouts/slideLayout7.xml><?xml version="1.0" encoding="utf-8"?>
-<p:sldLayout xmlns:a="http://schemas.openxmlformats.org/drawingml/2006/main" xmlns:r="http://schemas.openxmlformats.org/officeDocument/2006/relationships" xmlns:p="http://schemas.openxmlformats.org/presentationml/2006/main" showMasterSp="0" type="blank" preserve="1">
+<p:sldLayout xmlns:a="http://schemas.openxmlformats.org/drawingml/2006/main" xmlns:r="http://schemas.openxmlformats.org/officeDocument/2006/relationships" xmlns:p="http://schemas.openxmlformats.org/presentationml/2006/main" type="blank" preserve="1">
   <p:cSld name="Blank">
     <p:spTree>
       <p:nvGrpSpPr>
@@ -2261,7 +2298,7 @@
       </p:grpSpPr>
       <p:sp>
         <p:nvSpPr>
-          <p:cNvPr id="7" name="Date Placeholder 6"/>
+          <p:cNvPr id="2" name="Date Placeholder 1"/>
           <p:cNvSpPr>
             <a:spLocks noGrp="1"/>
           </p:cNvSpPr>
@@ -2284,12 +2321,31 @@
       </p:sp>
       <p:sp>
         <p:nvSpPr>
-          <p:cNvPr id="8" name="Slide Number Placeholder 7"/>
-          <p:cNvSpPr>
-            <a:spLocks noGrp="1"/>
-          </p:cNvSpPr>
-          <p:nvPr>
-            <p:ph type="sldNum" sz="quarter" idx="11"/>
+          <p:cNvPr id="3" name="Footer Placeholder 2"/>
+          <p:cNvSpPr>
+            <a:spLocks noGrp="1"/>
+          </p:cNvSpPr>
+          <p:nvPr>
+            <p:ph type="ftr" sz="quarter" idx="11"/>
+          </p:nvPr>
+        </p:nvSpPr>
+        <p:spPr/>
+        <p:txBody>
+          <a:bodyPr/>
+          <a:lstStyle/>
+          <a:p>
+            <a:endParaRPr lang="id-ID"/>
+          </a:p>
+        </p:txBody>
+      </p:sp>
+      <p:sp>
+        <p:nvSpPr>
+          <p:cNvPr id="4" name="Slide Number Placeholder 3"/>
+          <p:cNvSpPr>
+            <a:spLocks noGrp="1"/>
+          </p:cNvSpPr>
+          <p:nvPr>
+            <p:ph type="sldNum" sz="quarter" idx="12"/>
           </p:nvPr>
         </p:nvSpPr>
         <p:spPr/>
@@ -2301,25 +2357,6 @@
               <a:rPr lang="id-ID" smtClean="0"/>
               <a:t>‹#›</a:t>
             </a:fld>
-            <a:endParaRPr lang="id-ID"/>
-          </a:p>
-        </p:txBody>
-      </p:sp>
-      <p:sp>
-        <p:nvSpPr>
-          <p:cNvPr id="9" name="Footer Placeholder 8"/>
-          <p:cNvSpPr>
-            <a:spLocks noGrp="1"/>
-          </p:cNvSpPr>
-          <p:nvPr>
-            <p:ph type="ftr" sz="quarter" idx="12"/>
-          </p:nvPr>
-        </p:nvSpPr>
-        <p:spPr/>
-        <p:txBody>
-          <a:bodyPr/>
-          <a:lstStyle/>
-          <a:p>
             <a:endParaRPr lang="id-ID"/>
           </a:p>
         </p:txBody>
@@ -2351,176 +2388,171 @@
       </p:grpSpPr>
       <p:sp>
         <p:nvSpPr>
-          <p:cNvPr id="14" name="Content Placeholder 30"/>
-          <p:cNvSpPr>
-            <a:spLocks noGrp="1"/>
-          </p:cNvSpPr>
-          <p:nvPr>
-            <p:ph sz="quarter" idx="14"/>
+          <p:cNvPr id="2" name="Title 1"/>
+          <p:cNvSpPr>
+            <a:spLocks noGrp="1"/>
+          </p:cNvSpPr>
+          <p:nvPr>
+            <p:ph type="title"/>
           </p:nvPr>
         </p:nvSpPr>
         <p:spPr>
           <a:xfrm>
-            <a:off x="1485900" y="1914525"/>
-            <a:ext cx="6172200" cy="3510915"/>
+            <a:off x="457200" y="1185528"/>
+            <a:ext cx="3200400" cy="730250"/>
           </a:xfrm>
         </p:spPr>
         <p:txBody>
-          <a:bodyPr/>
-          <a:lstStyle/>
-          <a:p>
-            <a:pPr lvl="0"/>
-            <a:r>
-              <a:rPr lang="en-US" smtClean="0"/>
-              <a:t>Click to edit Master text styles</a:t>
-            </a:r>
-          </a:p>
-          <a:p>
-            <a:pPr lvl="1"/>
-            <a:r>
-              <a:rPr lang="en-US" smtClean="0"/>
-              <a:t>Second level</a:t>
-            </a:r>
-          </a:p>
-          <a:p>
-            <a:pPr lvl="2"/>
-            <a:r>
-              <a:rPr lang="en-US" smtClean="0"/>
-              <a:t>Third level</a:t>
-            </a:r>
-          </a:p>
-          <a:p>
-            <a:pPr lvl="3"/>
-            <a:r>
-              <a:rPr lang="en-US" smtClean="0"/>
-              <a:t>Fourth level</a:t>
-            </a:r>
-          </a:p>
-          <a:p>
-            <a:pPr lvl="4"/>
-            <a:r>
-              <a:rPr lang="en-US" smtClean="0"/>
-              <a:t>Fifth level</a:t>
-            </a:r>
-            <a:endParaRPr lang="en-US" dirty="0"/>
-          </a:p>
-        </p:txBody>
-      </p:sp>
-      <p:sp>
-        <p:nvSpPr>
-          <p:cNvPr id="11" name="Text Placeholder 3"/>
-          <p:cNvSpPr>
-            <a:spLocks noGrp="1"/>
-          </p:cNvSpPr>
-          <p:nvPr>
-            <p:ph type="body" sz="half" idx="2"/>
+          <a:bodyPr tIns="0" bIns="0" anchor="t"/>
+          <a:lstStyle>
+            <a:lvl1pPr algn="l">
+              <a:buNone/>
+              <a:defRPr sz="1800" b="1">
+                <a:solidFill>
+                  <a:schemeClr val="accent1"/>
+                </a:solidFill>
+              </a:defRPr>
+            </a:lvl1pPr>
+          </a:lstStyle>
+          <a:p>
+            <a:r>
+              <a:rPr kumimoji="0" lang="en-US" smtClean="0"/>
+              <a:t>Click to edit Master title style</a:t>
+            </a:r>
+            <a:endParaRPr kumimoji="0" lang="en-US"/>
+          </a:p>
+        </p:txBody>
+      </p:sp>
+      <p:sp>
+        <p:nvSpPr>
+          <p:cNvPr id="3" name="Text Placeholder 2"/>
+          <p:cNvSpPr>
+            <a:spLocks noGrp="1"/>
+          </p:cNvSpPr>
+          <p:nvPr>
+            <p:ph type="body" idx="2"/>
           </p:nvPr>
         </p:nvSpPr>
         <p:spPr>
           <a:xfrm>
-            <a:off x="1737360" y="5513832"/>
-            <a:ext cx="5669280" cy="548640"/>
+            <a:off x="457200" y="214424"/>
+            <a:ext cx="2743200" cy="914400"/>
           </a:xfrm>
         </p:spPr>
         <p:txBody>
-          <a:bodyPr vert="horz" lIns="91440" tIns="0" rIns="91440" bIns="45720" rtlCol="0" anchor="ctr">
-            <a:normAutofit/>
-          </a:bodyPr>
+          <a:bodyPr lIns="45720" tIns="0" rIns="45720" bIns="0" anchor="b"/>
           <a:lstStyle>
-            <a:lvl1pPr marL="0" indent="0" algn="ctr" defTabSz="914400" rtl="0" eaLnBrk="1" latinLnBrk="0" hangingPunct="1">
-              <a:lnSpc>
-                <a:spcPct val="100000"/>
-              </a:lnSpc>
-              <a:spcBef>
-                <a:spcPts val="0"/>
-              </a:spcBef>
-              <a:buClr>
-                <a:schemeClr val="accent1"/>
-              </a:buClr>
-              <a:buFont typeface="Arial" pitchFamily="34" charset="0"/>
+            <a:lvl1pPr marL="0" indent="0" algn="l">
               <a:buNone/>
-              <a:defRPr lang="en-US" sz="1400" b="0" i="0" kern="1200" cap="none" spc="0" baseline="0" smtClean="0">
-                <a:solidFill>
-                  <a:schemeClr val="tx1"/>
-                </a:solidFill>
-                <a:latin typeface="+mn-lt"/>
-                <a:ea typeface="+mn-ea"/>
-                <a:cs typeface="Tahoma" pitchFamily="34" charset="0"/>
-              </a:defRPr>
+              <a:defRPr sz="1400"/>
             </a:lvl1pPr>
-            <a:lvl2pPr marL="457200" indent="0">
+            <a:lvl2pPr>
               <a:buNone/>
               <a:defRPr sz="1200"/>
             </a:lvl2pPr>
-            <a:lvl3pPr marL="914400" indent="0">
+            <a:lvl3pPr>
               <a:buNone/>
               <a:defRPr sz="1000"/>
             </a:lvl3pPr>
-            <a:lvl4pPr marL="1371600" indent="0">
+            <a:lvl4pPr>
               <a:buNone/>
               <a:defRPr sz="900"/>
             </a:lvl4pPr>
-            <a:lvl5pPr marL="1828800" indent="0">
+            <a:lvl5pPr>
               <a:buNone/>
               <a:defRPr sz="900"/>
             </a:lvl5pPr>
-            <a:lvl6pPr marL="2286000" indent="0">
-              <a:buNone/>
-              <a:defRPr sz="900"/>
-            </a:lvl6pPr>
-            <a:lvl7pPr marL="2743200" indent="0">
-              <a:buNone/>
-              <a:defRPr sz="900"/>
-            </a:lvl7pPr>
-            <a:lvl8pPr marL="3200400" indent="0">
-              <a:buNone/>
-              <a:defRPr sz="900"/>
-            </a:lvl8pPr>
-            <a:lvl9pPr marL="3657600" indent="0">
-              <a:buNone/>
-              <a:defRPr sz="900"/>
-            </a:lvl9pPr>
           </a:lstStyle>
           <a:p>
-            <a:pPr lvl="0"/>
+            <a:pPr lvl="0" eaLnBrk="1" latinLnBrk="0" hangingPunct="1"/>
+            <a:r>
+              <a:rPr kumimoji="0" lang="en-US" smtClean="0"/>
+              <a:t>Click to edit Master text styles</a:t>
+            </a:r>
+          </a:p>
+        </p:txBody>
+      </p:sp>
+      <p:sp>
+        <p:nvSpPr>
+          <p:cNvPr id="4" name="Content Placeholder 3"/>
+          <p:cNvSpPr>
+            <a:spLocks noGrp="1"/>
+          </p:cNvSpPr>
+          <p:nvPr>
+            <p:ph sz="half" idx="1"/>
+          </p:nvPr>
+        </p:nvSpPr>
+        <p:spPr>
+          <a:xfrm>
+            <a:off x="457200" y="1981200"/>
+            <a:ext cx="7086600" cy="3810000"/>
+          </a:xfrm>
+        </p:spPr>
+        <p:txBody>
+          <a:bodyPr/>
+          <a:lstStyle>
+            <a:lvl1pPr>
+              <a:defRPr sz="2800"/>
+            </a:lvl1pPr>
+            <a:lvl2pPr>
+              <a:defRPr sz="2400"/>
+            </a:lvl2pPr>
+            <a:lvl3pPr>
+              <a:defRPr sz="2200"/>
+            </a:lvl3pPr>
+            <a:lvl4pPr>
+              <a:defRPr sz="2000"/>
+            </a:lvl4pPr>
+            <a:lvl5pPr>
+              <a:defRPr sz="2000"/>
+            </a:lvl5pPr>
+          </a:lstStyle>
+          <a:p>
+            <a:pPr lvl="0" eaLnBrk="1" latinLnBrk="0" hangingPunct="1"/>
             <a:r>
               <a:rPr lang="en-US" smtClean="0"/>
               <a:t>Click to edit Master text styles</a:t>
             </a:r>
           </a:p>
-        </p:txBody>
-      </p:sp>
-      <p:sp>
-        <p:nvSpPr>
-          <p:cNvPr id="13" name="Title 12"/>
-          <p:cNvSpPr>
-            <a:spLocks noGrp="1"/>
-          </p:cNvSpPr>
-          <p:nvPr>
-            <p:ph type="title"/>
-          </p:nvPr>
-        </p:nvSpPr>
-        <p:spPr/>
-        <p:txBody>
-          <a:bodyPr/>
-          <a:lstStyle/>
-          <a:p>
+          <a:p>
+            <a:pPr lvl="1" eaLnBrk="1" latinLnBrk="0" hangingPunct="1"/>
             <a:r>
               <a:rPr lang="en-US" smtClean="0"/>
-              <a:t>Click to edit Master title style</a:t>
-            </a:r>
-            <a:endParaRPr lang="en-US"/>
-          </a:p>
-        </p:txBody>
-      </p:sp>
-      <p:sp>
-        <p:nvSpPr>
-          <p:cNvPr id="16" name="Date Placeholder 15"/>
-          <p:cNvSpPr>
-            <a:spLocks noGrp="1"/>
-          </p:cNvSpPr>
-          <p:nvPr>
-            <p:ph type="dt" sz="half" idx="15"/>
+              <a:t>Second level</a:t>
+            </a:r>
+          </a:p>
+          <a:p>
+            <a:pPr lvl="2" eaLnBrk="1" latinLnBrk="0" hangingPunct="1"/>
+            <a:r>
+              <a:rPr lang="en-US" smtClean="0"/>
+              <a:t>Third level</a:t>
+            </a:r>
+          </a:p>
+          <a:p>
+            <a:pPr lvl="3" eaLnBrk="1" latinLnBrk="0" hangingPunct="1"/>
+            <a:r>
+              <a:rPr lang="en-US" smtClean="0"/>
+              <a:t>Fourth level</a:t>
+            </a:r>
+          </a:p>
+          <a:p>
+            <a:pPr lvl="4" eaLnBrk="1" latinLnBrk="0" hangingPunct="1"/>
+            <a:r>
+              <a:rPr lang="en-US" smtClean="0"/>
+              <a:t>Fifth level</a:t>
+            </a:r>
+            <a:endParaRPr kumimoji="0" lang="en-US"/>
+          </a:p>
+        </p:txBody>
+      </p:sp>
+      <p:sp>
+        <p:nvSpPr>
+          <p:cNvPr id="5" name="Date Placeholder 4"/>
+          <p:cNvSpPr>
+            <a:spLocks noGrp="1"/>
+          </p:cNvSpPr>
+          <p:nvPr>
+            <p:ph type="dt" sz="half" idx="10"/>
           </p:nvPr>
         </p:nvSpPr>
         <p:spPr/>
@@ -2538,15 +2570,39 @@
       </p:sp>
       <p:sp>
         <p:nvSpPr>
-          <p:cNvPr id="19" name="Slide Number Placeholder 18"/>
-          <p:cNvSpPr>
-            <a:spLocks noGrp="1"/>
-          </p:cNvSpPr>
-          <p:nvPr>
-            <p:ph type="sldNum" sz="quarter" idx="16"/>
+          <p:cNvPr id="6" name="Footer Placeholder 5"/>
+          <p:cNvSpPr>
+            <a:spLocks noGrp="1"/>
+          </p:cNvSpPr>
+          <p:nvPr>
+            <p:ph type="ftr" sz="quarter" idx="11"/>
           </p:nvPr>
         </p:nvSpPr>
         <p:spPr/>
+        <p:txBody>
+          <a:bodyPr/>
+          <a:lstStyle/>
+          <a:p>
+            <a:endParaRPr lang="id-ID"/>
+          </a:p>
+        </p:txBody>
+      </p:sp>
+      <p:sp>
+        <p:nvSpPr>
+          <p:cNvPr id="7" name="Slide Number Placeholder 6"/>
+          <p:cNvSpPr>
+            <a:spLocks noGrp="1"/>
+          </p:cNvSpPr>
+          <p:nvPr>
+            <p:ph type="sldNum" sz="quarter" idx="12"/>
+          </p:nvPr>
+        </p:nvSpPr>
+        <p:spPr>
+          <a:xfrm>
+            <a:off x="8156448" y="6422064"/>
+            <a:ext cx="762000" cy="365125"/>
+          </a:xfrm>
+        </p:spPr>
         <p:txBody>
           <a:bodyPr/>
           <a:lstStyle/>
@@ -2555,25 +2611,6 @@
               <a:rPr lang="id-ID" smtClean="0"/>
               <a:t>‹#›</a:t>
             </a:fld>
-            <a:endParaRPr lang="id-ID"/>
-          </a:p>
-        </p:txBody>
-      </p:sp>
-      <p:sp>
-        <p:nvSpPr>
-          <p:cNvPr id="23" name="Footer Placeholder 22"/>
-          <p:cNvSpPr>
-            <a:spLocks noGrp="1"/>
-          </p:cNvSpPr>
-          <p:nvPr>
-            <p:ph type="ftr" sz="quarter" idx="17"/>
-          </p:nvPr>
-        </p:nvSpPr>
-        <p:spPr/>
-        <p:txBody>
-          <a:bodyPr/>
-          <a:lstStyle/>
-          <a:p>
             <a:endParaRPr lang="id-ID"/>
           </a:p>
         </p:txBody>
@@ -2587,7 +2624,7 @@
 </file>
 
 <file path=ppt/slideLayouts/slideLayout9.xml><?xml version="1.0" encoding="utf-8"?>
-<p:sldLayout xmlns:a="http://schemas.openxmlformats.org/drawingml/2006/main" xmlns:r="http://schemas.openxmlformats.org/officeDocument/2006/relationships" xmlns:p="http://schemas.openxmlformats.org/presentationml/2006/main" type="picTx" preserve="1">
+<p:sldLayout xmlns:a="http://schemas.openxmlformats.org/drawingml/2006/main" xmlns:r="http://schemas.openxmlformats.org/officeDocument/2006/relationships" xmlns:p="http://schemas.openxmlformats.org/presentationml/2006/main" showMasterSp="0" type="picTx" preserve="1">
   <p:cSld name="Picture with Caption">
     <p:spTree>
       <p:nvGrpSpPr>
@@ -2605,174 +2642,158 @@
       </p:grpSpPr>
       <p:sp>
         <p:nvSpPr>
-          <p:cNvPr id="3" name="Picture Placeholder 2"/>
-          <p:cNvSpPr>
-            <a:spLocks noGrp="1" noChangeAspect="1"/>
-          </p:cNvSpPr>
-          <p:nvPr>
-            <p:ph type="pic" idx="1"/>
+          <p:cNvPr id="2" name="Title 1"/>
+          <p:cNvSpPr>
+            <a:spLocks noGrp="1"/>
+          </p:cNvSpPr>
+          <p:nvPr>
+            <p:ph type="title"/>
           </p:nvPr>
         </p:nvSpPr>
         <p:spPr>
           <a:xfrm>
-            <a:off x="1852209" y="2026918"/>
-            <a:ext cx="5439582" cy="3263750"/>
+            <a:off x="5556732" y="1705709"/>
+            <a:ext cx="3053868" cy="1253808"/>
           </a:xfrm>
+        </p:spPr>
+        <p:txBody>
+          <a:bodyPr anchor="b"/>
+          <a:lstStyle>
+            <a:lvl1pPr algn="l">
+              <a:buNone/>
+              <a:defRPr sz="2200" b="1">
+                <a:solidFill>
+                  <a:schemeClr val="accent1"/>
+                </a:solidFill>
+              </a:defRPr>
+            </a:lvl1pPr>
+          </a:lstStyle>
+          <a:p>
+            <a:r>
+              <a:rPr kumimoji="0" lang="en-US" smtClean="0"/>
+              <a:t>Click to edit Master title style</a:t>
+            </a:r>
+            <a:endParaRPr kumimoji="0" lang="en-US"/>
+          </a:p>
+        </p:txBody>
+      </p:sp>
+      <p:sp>
+        <p:nvSpPr>
+          <p:cNvPr id="3" name="Picture Placeholder 2"/>
+          <p:cNvSpPr>
+            <a:spLocks noGrp="1"/>
+          </p:cNvSpPr>
+          <p:nvPr>
+            <p:ph type="pic" idx="1"/>
+          </p:nvPr>
+        </p:nvSpPr>
+        <p:spPr>
+          <a:xfrm>
+            <a:off x="1065628" y="1019907"/>
+            <a:ext cx="4114800" cy="4114800"/>
+          </a:xfrm>
+          <a:prstGeom prst="ellipse">
+            <a:avLst/>
+          </a:prstGeom>
           <a:solidFill>
-            <a:schemeClr val="tx1"/>
+            <a:schemeClr val="bg2">
+              <a:shade val="50000"/>
+            </a:schemeClr>
           </a:solidFill>
-          <a:ln w="69850" cmpd="dbl">
+          <a:ln w="50800" cap="flat">
             <a:solidFill>
-              <a:schemeClr val="tx1"/>
+              <a:schemeClr val="bg2"/>
             </a:solidFill>
             <a:miter lim="800000"/>
           </a:ln>
+          <a:effectLst>
+            <a:outerShdw blurRad="152000" dist="345000" dir="5400000" sx="-80000" sy="-18000" rotWithShape="0">
+              <a:srgbClr val="000000">
+                <a:alpha val="25000"/>
+              </a:srgbClr>
+            </a:outerShdw>
+          </a:effectLst>
+          <a:scene3d>
+            <a:camera prst="orthographicFront"/>
+            <a:lightRig rig="contrasting" dir="t">
+              <a:rot lat="0" lon="0" rev="2400000"/>
+            </a:lightRig>
+          </a:scene3d>
+          <a:sp3d contourW="7620">
+            <a:bevelT w="63500" h="63500"/>
+            <a:contourClr>
+              <a:schemeClr val="bg2">
+                <a:shade val="50000"/>
+              </a:schemeClr>
+            </a:contourClr>
+          </a:sp3d>
         </p:spPr>
         <p:txBody>
-          <a:bodyPr vert="horz" lIns="91440" tIns="45720" rIns="91440" bIns="45720" rtlCol="0" anchor="ctr" anchorCtr="0">
-            <a:normAutofit/>
-          </a:bodyPr>
+          <a:bodyPr/>
           <a:lstStyle>
-            <a:lvl1pPr marL="0" indent="0" algn="ctr" defTabSz="914400" rtl="0" eaLnBrk="1" latinLnBrk="0" hangingPunct="1">
-              <a:spcBef>
-                <a:spcPts val="400"/>
-              </a:spcBef>
+            <a:lvl1pPr marL="0" indent="0">
               <a:buNone/>
-              <a:defRPr lang="en-US" sz="1800" b="0" kern="1200" cap="none" spc="0" baseline="0" dirty="0">
-                <a:solidFill>
-                  <a:schemeClr val="bg1"/>
-                </a:solidFill>
-                <a:latin typeface="+mj-lt"/>
-                <a:ea typeface="+mj-ea"/>
-                <a:cs typeface="Tunga" pitchFamily="2"/>
-              </a:defRPr>
+              <a:defRPr sz="3200"/>
             </a:lvl1pPr>
-            <a:lvl2pPr marL="457200" indent="0">
-              <a:buNone/>
-              <a:defRPr sz="2800"/>
-            </a:lvl2pPr>
-            <a:lvl3pPr marL="914400" indent="0">
-              <a:buNone/>
-              <a:defRPr sz="2400"/>
-            </a:lvl3pPr>
-            <a:lvl4pPr marL="1371600" indent="0">
-              <a:buNone/>
-              <a:defRPr sz="2000"/>
-            </a:lvl4pPr>
-            <a:lvl5pPr marL="1828800" indent="0">
-              <a:buNone/>
-              <a:defRPr sz="2000"/>
-            </a:lvl5pPr>
-            <a:lvl6pPr marL="2286000" indent="0">
-              <a:buNone/>
-              <a:defRPr sz="2000"/>
-            </a:lvl6pPr>
-            <a:lvl7pPr marL="2743200" indent="0">
-              <a:buNone/>
-              <a:defRPr sz="2000"/>
-            </a:lvl7pPr>
-            <a:lvl8pPr marL="3200400" indent="0">
-              <a:buNone/>
-              <a:defRPr sz="2000"/>
-            </a:lvl8pPr>
-            <a:lvl9pPr marL="3657600" indent="0">
-              <a:buNone/>
-              <a:defRPr sz="2000"/>
-            </a:lvl9pPr>
           </a:lstStyle>
           <a:p>
             <a:r>
-              <a:rPr lang="en-US" smtClean="0"/>
+              <a:rPr kumimoji="0" lang="en-US" smtClean="0"/>
               <a:t>Click icon to add picture</a:t>
             </a:r>
-            <a:endParaRPr lang="en-US" dirty="0"/>
-          </a:p>
-        </p:txBody>
-      </p:sp>
-      <p:sp>
-        <p:nvSpPr>
-          <p:cNvPr id="25" name="Text Placeholder 24"/>
-          <p:cNvSpPr>
-            <a:spLocks noGrp="1"/>
-          </p:cNvSpPr>
-          <p:nvPr>
-            <p:ph type="body" sz="quarter" idx="13"/>
+            <a:endParaRPr kumimoji="0" lang="en-US" dirty="0"/>
+          </a:p>
+        </p:txBody>
+      </p:sp>
+      <p:sp>
+        <p:nvSpPr>
+          <p:cNvPr id="4" name="Text Placeholder 3"/>
+          <p:cNvSpPr>
+            <a:spLocks noGrp="1"/>
+          </p:cNvSpPr>
+          <p:nvPr>
+            <p:ph type="body" sz="half" idx="2"/>
           </p:nvPr>
         </p:nvSpPr>
         <p:spPr>
           <a:xfrm>
-            <a:off x="1737360" y="5516880"/>
-            <a:ext cx="5669280" cy="548640"/>
+            <a:off x="5556734" y="2998765"/>
+            <a:ext cx="3053866" cy="2663482"/>
           </a:xfrm>
         </p:spPr>
         <p:txBody>
-          <a:bodyPr vert="horz" lIns="91440" tIns="0" rIns="91440" bIns="0" rtlCol="0" anchor="ctr" anchorCtr="0">
-            <a:normAutofit/>
-          </a:bodyPr>
+          <a:bodyPr lIns="45720" rIns="45720"/>
           <a:lstStyle>
             <a:lvl1pPr marL="0" indent="0">
-              <a:spcBef>
-                <a:spcPts val="0"/>
-              </a:spcBef>
+              <a:buFontTx/>
               <a:buNone/>
-              <a:defRPr lang="en-US" sz="1400" b="0" i="0" kern="1200" cap="none" spc="30" baseline="0" smtClean="0">
-                <a:solidFill>
-                  <a:schemeClr val="tx2"/>
-                </a:solidFill>
-                <a:latin typeface="+mn-lt"/>
-                <a:ea typeface="+mn-ea"/>
-                <a:cs typeface="Tahoma" pitchFamily="34" charset="0"/>
-              </a:defRPr>
+              <a:defRPr sz="1200"/>
             </a:lvl1pPr>
-            <a:lvl2pPr marL="171450" indent="1588">
+            <a:lvl2pPr>
+              <a:buFontTx/>
               <a:buNone/>
-              <a:defRPr>
-                <a:solidFill>
-                  <a:schemeClr val="bg2"/>
-                </a:solidFill>
-              </a:defRPr>
+              <a:defRPr sz="1200"/>
             </a:lvl2pPr>
-            <a:lvl3pPr marL="344488" indent="6350">
+            <a:lvl3pPr>
+              <a:buFontTx/>
               <a:buNone/>
-              <a:defRPr>
-                <a:solidFill>
-                  <a:schemeClr val="bg2"/>
-                </a:solidFill>
-              </a:defRPr>
+              <a:defRPr sz="1000"/>
             </a:lvl3pPr>
-            <a:lvl4pPr marL="515938" indent="3175">
+            <a:lvl4pPr>
+              <a:buFontTx/>
               <a:buNone/>
-              <a:defRPr>
-                <a:solidFill>
-                  <a:schemeClr val="bg2"/>
-                </a:solidFill>
-              </a:defRPr>
+              <a:defRPr sz="900"/>
             </a:lvl4pPr>
-            <a:lvl5pPr marL="688975" indent="-1588">
+            <a:lvl5pPr>
+              <a:buFontTx/>
               <a:buNone/>
-              <a:defRPr>
-                <a:solidFill>
-                  <a:schemeClr val="bg2"/>
-                </a:solidFill>
-              </a:defRPr>
+              <a:defRPr sz="900"/>
             </a:lvl5pPr>
           </a:lstStyle>
           <a:p>
-            <a:pPr marL="0" lvl="0" indent="0" algn="ctr" defTabSz="914400" rtl="0" eaLnBrk="1" latinLnBrk="0" hangingPunct="1">
-              <a:spcBef>
-                <a:spcPts val="600"/>
-              </a:spcBef>
-              <a:spcAft>
-                <a:spcPts val="0"/>
-              </a:spcAft>
-              <a:buClr>
-                <a:schemeClr val="accent1"/>
-              </a:buClr>
-              <a:buFont typeface="Arial" pitchFamily="34" charset="0"/>
-              <a:buNone/>
-            </a:pPr>
-            <a:r>
-              <a:rPr lang="en-US" smtClean="0"/>
+            <a:pPr lvl="0" eaLnBrk="1" latinLnBrk="0" hangingPunct="1"/>
+            <a:r>
+              <a:rPr kumimoji="0" lang="en-US" smtClean="0"/>
               <a:t>Click to edit Master text styles</a:t>
             </a:r>
           </a:p>
@@ -2780,46 +2801,18 @@
       </p:sp>
       <p:sp>
         <p:nvSpPr>
-          <p:cNvPr id="12" name="Title 11"/>
-          <p:cNvSpPr>
-            <a:spLocks noGrp="1"/>
-          </p:cNvSpPr>
-          <p:nvPr>
-            <p:ph type="title"/>
+          <p:cNvPr id="5" name="Date Placeholder 4"/>
+          <p:cNvSpPr>
+            <a:spLocks noGrp="1"/>
+          </p:cNvSpPr>
+          <p:nvPr>
+            <p:ph type="dt" sz="half" idx="10"/>
           </p:nvPr>
         </p:nvSpPr>
         <p:spPr>
           <a:xfrm>
-            <a:off x="2514600" y="975360"/>
-            <a:ext cx="4114800" cy="701040"/>
-          </a:xfrm>
-        </p:spPr>
-        <p:txBody>
-          <a:bodyPr/>
-          <a:lstStyle/>
-          <a:p>
-            <a:r>
-              <a:rPr lang="en-US" smtClean="0"/>
-              <a:t>Click to edit Master title style</a:t>
-            </a:r>
-            <a:endParaRPr lang="en-US"/>
-          </a:p>
-        </p:txBody>
-      </p:sp>
-      <p:sp>
-        <p:nvSpPr>
-          <p:cNvPr id="13" name="Date Placeholder 12"/>
-          <p:cNvSpPr>
-            <a:spLocks noGrp="1"/>
-          </p:cNvSpPr>
-          <p:nvPr>
-            <p:ph type="dt" sz="half" idx="14"/>
-          </p:nvPr>
-        </p:nvSpPr>
-        <p:spPr>
-          <a:xfrm>
-            <a:off x="2981325" y="273180"/>
-            <a:ext cx="3181350" cy="292100"/>
+            <a:off x="457200" y="6422064"/>
+            <a:ext cx="2133600" cy="365125"/>
           </a:xfrm>
         </p:spPr>
         <p:txBody>
@@ -2836,20 +2829,34 @@
       </p:sp>
       <p:sp>
         <p:nvSpPr>
-          <p:cNvPr id="14" name="Slide Number Placeholder 13"/>
-          <p:cNvSpPr>
-            <a:spLocks noGrp="1"/>
-          </p:cNvSpPr>
-          <p:nvPr>
-            <p:ph type="sldNum" sz="quarter" idx="15"/>
-          </p:nvPr>
-        </p:nvSpPr>
-        <p:spPr>
-          <a:xfrm>
-            <a:off x="4038600" y="6172200"/>
-            <a:ext cx="1066800" cy="304800"/>
-          </a:xfrm>
-        </p:spPr>
+          <p:cNvPr id="6" name="Footer Placeholder 5"/>
+          <p:cNvSpPr>
+            <a:spLocks noGrp="1"/>
+          </p:cNvSpPr>
+          <p:nvPr>
+            <p:ph type="ftr" sz="quarter" idx="11"/>
+          </p:nvPr>
+        </p:nvSpPr>
+        <p:spPr/>
+        <p:txBody>
+          <a:bodyPr/>
+          <a:lstStyle/>
+          <a:p>
+            <a:endParaRPr lang="id-ID"/>
+          </a:p>
+        </p:txBody>
+      </p:sp>
+      <p:sp>
+        <p:nvSpPr>
+          <p:cNvPr id="7" name="Slide Number Placeholder 6"/>
+          <p:cNvSpPr>
+            <a:spLocks noGrp="1"/>
+          </p:cNvSpPr>
+          <p:nvPr>
+            <p:ph type="sldNum" sz="quarter" idx="12"/>
+          </p:nvPr>
+        </p:nvSpPr>
+        <p:spPr/>
         <p:txBody>
           <a:bodyPr/>
           <a:lstStyle/>
@@ -2858,30 +2865,6 @@
               <a:rPr lang="id-ID" smtClean="0"/>
               <a:t>‹#›</a:t>
             </a:fld>
-            <a:endParaRPr lang="id-ID"/>
-          </a:p>
-        </p:txBody>
-      </p:sp>
-      <p:sp>
-        <p:nvSpPr>
-          <p:cNvPr id="15" name="Footer Placeholder 14"/>
-          <p:cNvSpPr>
-            <a:spLocks noGrp="1"/>
-          </p:cNvSpPr>
-          <p:nvPr>
-            <p:ph type="ftr" sz="quarter" idx="16"/>
-          </p:nvPr>
-        </p:nvSpPr>
-        <p:spPr>
-          <a:xfrm>
-            <a:off x="1447800" y="6486525"/>
-            <a:ext cx="6248400" cy="292100"/>
-          </a:xfrm>
-        </p:spPr>
-        <p:txBody>
-          <a:bodyPr/>
-          <a:lstStyle/>
-          <a:p>
             <a:endParaRPr lang="id-ID"/>
           </a:p>
         </p:txBody>
@@ -2898,8 +2881,8 @@
 <p:sldMaster xmlns:a="http://schemas.openxmlformats.org/drawingml/2006/main" xmlns:r="http://schemas.openxmlformats.org/officeDocument/2006/relationships" xmlns:p="http://schemas.openxmlformats.org/presentationml/2006/main">
   <p:cSld>
     <p:bg>
-      <p:bgRef idx="1002">
-        <a:schemeClr val="bg1"/>
+      <p:bgRef idx="1001">
+        <a:schemeClr val="bg2"/>
       </p:bgRef>
     </p:bg>
     <p:spTree>
@@ -2918,140 +2901,323 @@
       </p:grpSpPr>
       <p:sp>
         <p:nvSpPr>
-          <p:cNvPr id="8" name="Rectangle 7"/>
-          <p:cNvSpPr/>
+          <p:cNvPr id="12" name="Freeform 11"/>
+          <p:cNvSpPr>
+            <a:spLocks/>
+          </p:cNvSpPr>
           <p:nvPr/>
         </p:nvSpPr>
-        <p:spPr bwMode="hidden">
+        <p:spPr bwMode="auto">
           <a:xfrm>
-            <a:off x="0" y="1335973"/>
-            <a:ext cx="9144000" cy="5522027"/>
+            <a:off x="0" y="4752126"/>
+            <a:ext cx="9144000" cy="2112962"/>
           </a:xfrm>
-          <a:prstGeom prst="rect">
+          <a:custGeom>
+            <a:avLst>
+              <a:gd name="A1" fmla="val 0"/>
+              <a:gd name="A2" fmla="val 0"/>
+              <a:gd name="A3" fmla="val 0"/>
+              <a:gd name="A4" fmla="val 0"/>
+              <a:gd name="A5" fmla="val 0"/>
+              <a:gd name="A6" fmla="val 0"/>
+              <a:gd name="A7" fmla="val 0"/>
+              <a:gd name="A8" fmla="val 0"/>
+            </a:avLst>
+            <a:gdLst/>
+            <a:ahLst/>
+            <a:cxnLst>
+              <a:cxn ang="0">
+                <a:pos x="0" y="1066"/>
+              </a:cxn>
+              <a:cxn ang="0">
+                <a:pos x="0" y="1331"/>
+              </a:cxn>
+              <a:cxn ang="0">
+                <a:pos x="5760" y="1331"/>
+              </a:cxn>
+              <a:cxn ang="0">
+                <a:pos x="5760" y="0"/>
+              </a:cxn>
+              <a:cxn ang="0">
+                <a:pos x="0" y="1066"/>
+              </a:cxn>
+            </a:cxnLst>
+            <a:rect l="0" t="0" r="0" b="0"/>
+            <a:pathLst>
+              <a:path w="5760" h="1331">
+                <a:moveTo>
+                  <a:pt x="0" y="1066"/>
+                </a:moveTo>
+                <a:lnTo>
+                  <a:pt x="0" y="1331"/>
+                </a:lnTo>
+                <a:lnTo>
+                  <a:pt x="5760" y="1331"/>
+                </a:lnTo>
+                <a:lnTo>
+                  <a:pt x="5760" y="0"/>
+                </a:lnTo>
+                <a:cubicBezTo>
+                  <a:pt x="3220" y="1206"/>
+                  <a:pt x="2250" y="1146"/>
+                  <a:pt x="0" y="1066"/>
+                </a:cubicBezTo>
+                <a:close/>
+              </a:path>
+            </a:pathLst>
+          </a:custGeom>
+          <a:solidFill>
+            <a:schemeClr val="bg1">
+              <a:tint val="80000"/>
+              <a:satMod val="200000"/>
+              <a:alpha val="45000"/>
+            </a:schemeClr>
+          </a:solidFill>
+          <a:ln w="9525" cap="flat" cmpd="sng" algn="ctr">
+            <a:noFill/>
+            <a:prstDash val="solid"/>
+            <a:round/>
+            <a:headEnd type="none" w="med" len="med"/>
+            <a:tailEnd type="none" w="med" len="med"/>
+          </a:ln>
+          <a:effectLst>
+            <a:outerShdw blurRad="50800" dist="44450" dir="16200000" algn="ctr" rotWithShape="0">
+              <a:prstClr val="black">
+                <a:alpha val="35000"/>
+              </a:prstClr>
+            </a:outerShdw>
+          </a:effectLst>
+        </p:spPr>
+        <p:txBody>
+          <a:bodyPr vert="horz" wrap="square" lIns="91440" tIns="45720" rIns="91440" bIns="45720" anchor="t" compatLnSpc="1"/>
+          <a:lstStyle/>
+          <a:p>
+            <a:endParaRPr kumimoji="0" lang="en-US"/>
+          </a:p>
+        </p:txBody>
+      </p:sp>
+      <p:sp>
+        <p:nvSpPr>
+          <p:cNvPr id="16" name="Freeform 15"/>
+          <p:cNvSpPr>
+            <a:spLocks/>
+          </p:cNvSpPr>
+          <p:nvPr/>
+        </p:nvSpPr>
+        <p:spPr bwMode="auto">
+          <a:xfrm>
+            <a:off x="7315200" y="0"/>
+            <a:ext cx="1828800" cy="6858000"/>
+          </a:xfrm>
+          <a:custGeom>
             <a:avLst/>
-          </a:prstGeom>
+            <a:gdLst>
+              <a:gd name="connsiteX0" fmla="*/ 1914 w 1914"/>
+              <a:gd name="connsiteY0" fmla="*/ 9 h 4329"/>
+              <a:gd name="connsiteX1" fmla="*/ 1914 w 1914"/>
+              <a:gd name="connsiteY1" fmla="*/ 4329 h 4329"/>
+              <a:gd name="connsiteX2" fmla="*/ 204 w 1914"/>
+              <a:gd name="connsiteY2" fmla="*/ 4327 h 4329"/>
+              <a:gd name="connsiteX3" fmla="*/ 0 w 1914"/>
+              <a:gd name="connsiteY3" fmla="*/ 0 h 4329"/>
+              <a:gd name="connsiteX4" fmla="*/ 1914 w 1914"/>
+              <a:gd name="connsiteY4" fmla="*/ 9 h 4329"/>
+            </a:gdLst>
+            <a:ahLst/>
+            <a:cxnLst>
+              <a:cxn ang="0">
+                <a:pos x="connsiteX0" y="connsiteY0"/>
+              </a:cxn>
+              <a:cxn ang="0">
+                <a:pos x="connsiteX1" y="connsiteY1"/>
+              </a:cxn>
+              <a:cxn ang="0">
+                <a:pos x="connsiteX2" y="connsiteY2"/>
+              </a:cxn>
+              <a:cxn ang="0">
+                <a:pos x="connsiteX3" y="connsiteY3"/>
+              </a:cxn>
+              <a:cxn ang="0">
+                <a:pos x="connsiteX4" y="connsiteY4"/>
+              </a:cxn>
+            </a:cxnLst>
+            <a:rect l="l" t="t" r="r" b="b"/>
+            <a:pathLst>
+              <a:path w="1914" h="4329">
+                <a:moveTo>
+                  <a:pt x="1914" y="9"/>
+                </a:moveTo>
+                <a:lnTo>
+                  <a:pt x="1914" y="4329"/>
+                </a:lnTo>
+                <a:lnTo>
+                  <a:pt x="204" y="4327"/>
+                </a:lnTo>
+                <a:cubicBezTo>
+                  <a:pt x="1288" y="3574"/>
+                  <a:pt x="2082" y="1734"/>
+                  <a:pt x="0" y="0"/>
+                </a:cubicBezTo>
+                <a:lnTo>
+                  <a:pt x="1914" y="9"/>
+                </a:lnTo>
+                <a:close/>
+              </a:path>
+            </a:pathLst>
+          </a:custGeom>
           <a:solidFill>
-            <a:schemeClr val="bg1"/>
+            <a:schemeClr val="bg1">
+              <a:tint val="90000"/>
+              <a:satMod val="350000"/>
+              <a:alpha val="40000"/>
+            </a:schemeClr>
           </a:solidFill>
-          <a:ln>
+          <a:ln w="9525" cap="flat" cmpd="sng" algn="ctr">
             <a:noFill/>
+            <a:prstDash val="solid"/>
+            <a:round/>
+            <a:headEnd type="none" w="med" len="med"/>
+            <a:tailEnd type="none" w="med" len="med"/>
           </a:ln>
+          <a:effectLst>
+            <a:outerShdw blurRad="50800" dist="50800" dir="10800000" algn="ctr" rotWithShape="0">
+              <a:prstClr val="black">
+                <a:alpha val="45000"/>
+              </a:prstClr>
+            </a:outerShdw>
+          </a:effectLst>
         </p:spPr>
-        <p:style>
-          <a:lnRef idx="2">
-            <a:schemeClr val="accent1">
-              <a:shade val="50000"/>
-            </a:schemeClr>
-          </a:lnRef>
-          <a:fillRef idx="1">
-            <a:schemeClr val="accent1"/>
-          </a:fillRef>
-          <a:effectRef idx="0">
-            <a:schemeClr val="accent1"/>
-          </a:effectRef>
-          <a:fontRef idx="minor">
-            <a:schemeClr val="lt1"/>
-          </a:fontRef>
-        </p:style>
-        <p:txBody>
-          <a:bodyPr rtlCol="0" anchor="ctr"/>
-          <a:lstStyle/>
-          <a:p>
-            <a:pPr algn="ctr"/>
-            <a:endParaRPr lang="en-US"/>
-          </a:p>
-        </p:txBody>
-      </p:sp>
-      <p:sp>
-        <p:nvSpPr>
-          <p:cNvPr id="3" name="Text Placeholder 2"/>
-          <p:cNvSpPr>
-            <a:spLocks noGrp="1"/>
-          </p:cNvSpPr>
-          <p:nvPr>
-            <p:ph type="body" idx="1"/>
+        <p:txBody>
+          <a:bodyPr vert="horz" wrap="square" lIns="91440" tIns="45720" rIns="91440" bIns="45720" anchor="t" compatLnSpc="1"/>
+          <a:lstStyle/>
+          <a:p>
+            <a:endParaRPr kumimoji="0" lang="en-US"/>
+          </a:p>
+        </p:txBody>
+      </p:sp>
+      <p:sp>
+        <p:nvSpPr>
+          <p:cNvPr id="9" name="Title Placeholder 8"/>
+          <p:cNvSpPr>
+            <a:spLocks noGrp="1"/>
+          </p:cNvSpPr>
+          <p:nvPr>
+            <p:ph type="title"/>
           </p:nvPr>
         </p:nvSpPr>
         <p:spPr>
           <a:xfrm>
-            <a:off x="457200" y="2019301"/>
-            <a:ext cx="8229600" cy="4117340"/>
+            <a:off x="457200" y="274638"/>
+            <a:ext cx="7467600" cy="1143000"/>
           </a:xfrm>
           <a:prstGeom prst="rect">
             <a:avLst/>
           </a:prstGeom>
         </p:spPr>
         <p:txBody>
-          <a:bodyPr vert="horz" lIns="91440" tIns="45720" rIns="91440" bIns="45720" rtlCol="0">
+          <a:bodyPr vert="horz" lIns="45720" rIns="45720" anchor="ctr">
             <a:normAutofit/>
           </a:bodyPr>
           <a:lstStyle/>
           <a:p>
-            <a:pPr lvl="0"/>
-            <a:r>
-              <a:rPr lang="en-US" smtClean="0"/>
-              <a:t>Click to edit Master text styles</a:t>
-            </a:r>
-          </a:p>
-          <a:p>
-            <a:pPr lvl="1"/>
-            <a:r>
-              <a:rPr lang="en-US" smtClean="0"/>
-              <a:t>Second level</a:t>
-            </a:r>
-          </a:p>
-          <a:p>
-            <a:pPr lvl="2"/>
-            <a:r>
-              <a:rPr lang="en-US" smtClean="0"/>
-              <a:t>Third level</a:t>
-            </a:r>
-          </a:p>
-          <a:p>
-            <a:pPr lvl="3"/>
-            <a:r>
-              <a:rPr lang="en-US" smtClean="0"/>
-              <a:t>Fourth level</a:t>
-            </a:r>
-          </a:p>
-          <a:p>
-            <a:pPr lvl="4"/>
-            <a:r>
-              <a:rPr lang="en-US" smtClean="0"/>
-              <a:t>Fifth level</a:t>
-            </a:r>
-            <a:endParaRPr lang="en-US" dirty="0"/>
-          </a:p>
-        </p:txBody>
-      </p:sp>
-      <p:sp>
-        <p:nvSpPr>
-          <p:cNvPr id="4" name="Date Placeholder 3"/>
-          <p:cNvSpPr>
-            <a:spLocks noGrp="1"/>
-          </p:cNvSpPr>
-          <p:nvPr>
-            <p:ph type="dt" sz="half" idx="2"/>
+            <a:r>
+              <a:rPr kumimoji="0" lang="en-US" smtClean="0"/>
+              <a:t>Click to edit Master title style</a:t>
+            </a:r>
+            <a:endParaRPr kumimoji="0" lang="en-US"/>
+          </a:p>
+        </p:txBody>
+      </p:sp>
+      <p:sp>
+        <p:nvSpPr>
+          <p:cNvPr id="30" name="Text Placeholder 29"/>
+          <p:cNvSpPr>
+            <a:spLocks noGrp="1"/>
+          </p:cNvSpPr>
+          <p:nvPr>
+            <p:ph type="body" idx="1"/>
           </p:nvPr>
         </p:nvSpPr>
         <p:spPr>
           <a:xfrm>
-            <a:off x="2981325" y="273180"/>
-            <a:ext cx="3181350" cy="292100"/>
+            <a:off x="457200" y="1600200"/>
+            <a:ext cx="7467600" cy="4525963"/>
           </a:xfrm>
           <a:prstGeom prst="rect">
             <a:avLst/>
           </a:prstGeom>
         </p:spPr>
         <p:txBody>
-          <a:bodyPr vert="horz" lIns="91440" tIns="45720" rIns="91440" bIns="45720" rtlCol="0" anchor="ctr">
-            <a:noAutofit/>
+          <a:bodyPr vert="horz">
+            <a:normAutofit/>
           </a:bodyPr>
+          <a:lstStyle/>
+          <a:p>
+            <a:pPr lvl="0" eaLnBrk="1" latinLnBrk="0" hangingPunct="1"/>
+            <a:r>
+              <a:rPr kumimoji="0" lang="en-US" smtClean="0"/>
+              <a:t>Click to edit Master text styles</a:t>
+            </a:r>
+          </a:p>
+          <a:p>
+            <a:pPr lvl="1" eaLnBrk="1" latinLnBrk="0" hangingPunct="1"/>
+            <a:r>
+              <a:rPr kumimoji="0" lang="en-US" smtClean="0"/>
+              <a:t>Second level</a:t>
+            </a:r>
+          </a:p>
+          <a:p>
+            <a:pPr lvl="2" eaLnBrk="1" latinLnBrk="0" hangingPunct="1"/>
+            <a:r>
+              <a:rPr kumimoji="0" lang="en-US" smtClean="0"/>
+              <a:t>Third level</a:t>
+            </a:r>
+          </a:p>
+          <a:p>
+            <a:pPr lvl="3" eaLnBrk="1" latinLnBrk="0" hangingPunct="1"/>
+            <a:r>
+              <a:rPr kumimoji="0" lang="en-US" smtClean="0"/>
+              <a:t>Fourth level</a:t>
+            </a:r>
+          </a:p>
+          <a:p>
+            <a:pPr lvl="4" eaLnBrk="1" latinLnBrk="0" hangingPunct="1"/>
+            <a:r>
+              <a:rPr kumimoji="0" lang="en-US" smtClean="0"/>
+              <a:t>Fifth level</a:t>
+            </a:r>
+            <a:endParaRPr kumimoji="0" lang="en-US"/>
+          </a:p>
+        </p:txBody>
+      </p:sp>
+      <p:sp>
+        <p:nvSpPr>
+          <p:cNvPr id="10" name="Date Placeholder 9"/>
+          <p:cNvSpPr>
+            <a:spLocks noGrp="1"/>
+          </p:cNvSpPr>
+          <p:nvPr>
+            <p:ph type="dt" sz="half" idx="2"/>
+          </p:nvPr>
+        </p:nvSpPr>
+        <p:spPr>
+          <a:xfrm>
+            <a:off x="457200" y="6422064"/>
+            <a:ext cx="2133600" cy="365125"/>
+          </a:xfrm>
+          <a:prstGeom prst="rect">
+            <a:avLst/>
+          </a:prstGeom>
+        </p:spPr>
+        <p:txBody>
+          <a:bodyPr vert="horz" bIns="0" anchor="b"/>
           <a:lstStyle>
-            <a:lvl1pPr algn="ctr">
-              <a:defRPr sz="1200" b="0" cap="all" spc="300" baseline="0">
+            <a:lvl1pPr algn="l" eaLnBrk="1" latinLnBrk="0" hangingPunct="1">
+              <a:defRPr kumimoji="0" sz="1000">
                 <a:solidFill>
-                  <a:schemeClr val="tx1"/>
+                  <a:schemeClr val="tx2">
+                    <a:shade val="50000"/>
+                  </a:schemeClr>
                 </a:solidFill>
               </a:defRPr>
             </a:lvl1pPr>
@@ -3067,7 +3233,7 @@
       </p:sp>
       <p:sp>
         <p:nvSpPr>
-          <p:cNvPr id="5" name="Footer Placeholder 4"/>
+          <p:cNvPr id="22" name="Footer Placeholder 21"/>
           <p:cNvSpPr>
             <a:spLocks noGrp="1"/>
           </p:cNvSpPr>
@@ -3077,22 +3243,22 @@
         </p:nvSpPr>
         <p:spPr>
           <a:xfrm>
-            <a:off x="1447800" y="6486525"/>
-            <a:ext cx="6248400" cy="292100"/>
+            <a:off x="3124200" y="6422064"/>
+            <a:ext cx="2895600" cy="365125"/>
           </a:xfrm>
           <a:prstGeom prst="rect">
             <a:avLst/>
           </a:prstGeom>
         </p:spPr>
         <p:txBody>
-          <a:bodyPr vert="horz" lIns="91440" tIns="45720" rIns="91440" bIns="45720" rtlCol="0" anchor="ctr">
-            <a:normAutofit/>
-          </a:bodyPr>
+          <a:bodyPr vert="horz" lIns="0" rIns="0" bIns="0" anchor="b"/>
           <a:lstStyle>
-            <a:lvl1pPr algn="ctr">
-              <a:defRPr sz="1100" b="0" cap="all" spc="300" baseline="0">
+            <a:lvl1pPr algn="ctr" eaLnBrk="1" latinLnBrk="0" hangingPunct="1">
+              <a:defRPr kumimoji="0" sz="1000">
                 <a:solidFill>
-                  <a:schemeClr val="tx1"/>
+                  <a:schemeClr val="tx2">
+                    <a:shade val="50000"/>
+                  </a:schemeClr>
                 </a:solidFill>
               </a:defRPr>
             </a:lvl1pPr>
@@ -3104,7 +3270,7 @@
       </p:sp>
       <p:sp>
         <p:nvSpPr>
-          <p:cNvPr id="6" name="Slide Number Placeholder 5"/>
+          <p:cNvPr id="18" name="Slide Number Placeholder 17"/>
           <p:cNvSpPr>
             <a:spLocks noGrp="1"/>
           </p:cNvSpPr>
@@ -3114,25 +3280,22 @@
         </p:nvSpPr>
         <p:spPr>
           <a:xfrm>
-            <a:off x="4038600" y="6172200"/>
-            <a:ext cx="1066800" cy="304800"/>
+            <a:off x="8153400" y="6422064"/>
+            <a:ext cx="762000" cy="365125"/>
           </a:xfrm>
           <a:prstGeom prst="rect">
             <a:avLst/>
           </a:prstGeom>
-          <a:ln>
-            <a:noFill/>
-          </a:ln>
         </p:spPr>
         <p:txBody>
-          <a:bodyPr vert="horz" lIns="0" tIns="0" rIns="0" bIns="0" rtlCol="0" anchor="ctr">
-            <a:normAutofit/>
-          </a:bodyPr>
+          <a:bodyPr vert="horz" lIns="0" tIns="0" rIns="0" bIns="0" anchor="b"/>
           <a:lstStyle>
-            <a:lvl1pPr algn="ctr">
-              <a:defRPr sz="1200" b="1">
+            <a:lvl1pPr algn="r" eaLnBrk="1" latinLnBrk="0" hangingPunct="1">
+              <a:defRPr kumimoji="0" sz="1000">
                 <a:solidFill>
-                  <a:schemeClr val="tx1"/>
+                  <a:schemeClr val="tx2">
+                    <a:shade val="50000"/>
+                  </a:schemeClr>
                 </a:solidFill>
               </a:defRPr>
             </a:lvl1pPr>
@@ -3146,260 +3309,164 @@
           </a:p>
         </p:txBody>
       </p:sp>
-      <p:cxnSp>
-        <p:nvCxnSpPr>
-          <p:cNvPr id="10" name="Straight Connector 9"/>
-          <p:cNvCxnSpPr/>
-          <p:nvPr/>
-        </p:nvCxnSpPr>
-        <p:spPr>
-          <a:xfrm>
-            <a:off x="0" y="1331436"/>
-            <a:ext cx="9144000" cy="1588"/>
-          </a:xfrm>
-          <a:prstGeom prst="line">
-            <a:avLst/>
-          </a:prstGeom>
-          <a:ln w="12700">
-            <a:solidFill>
-              <a:schemeClr val="tx2">
-                <a:lumMod val="75000"/>
-              </a:schemeClr>
-            </a:solidFill>
-          </a:ln>
-          <a:effectLst/>
-        </p:spPr>
-        <p:style>
-          <a:lnRef idx="1">
-            <a:schemeClr val="accent1"/>
-          </a:lnRef>
-          <a:fillRef idx="0">
-            <a:schemeClr val="accent1"/>
-          </a:fillRef>
-          <a:effectRef idx="0">
-            <a:schemeClr val="accent1"/>
-          </a:effectRef>
-          <a:fontRef idx="minor">
-            <a:schemeClr val="tx1"/>
-          </a:fontRef>
-        </p:style>
-      </p:cxnSp>
-      <p:sp>
-        <p:nvSpPr>
-          <p:cNvPr id="2" name="Title Placeholder 1"/>
-          <p:cNvSpPr>
-            <a:spLocks noGrp="1"/>
-          </p:cNvSpPr>
-          <p:nvPr>
-            <p:ph type="title"/>
-          </p:nvPr>
-        </p:nvSpPr>
-        <p:spPr>
-          <a:xfrm>
-            <a:off x="2514600" y="975360"/>
-            <a:ext cx="4114800" cy="701040"/>
-          </a:xfrm>
-          <a:prstGeom prst="rect">
-            <a:avLst/>
-          </a:prstGeom>
-          <a:solidFill>
-            <a:schemeClr val="tx1"/>
-          </a:solidFill>
-          <a:ln w="76200" cmpd="thinThick">
-            <a:solidFill>
-              <a:schemeClr val="tx1"/>
-            </a:solidFill>
-            <a:miter lim="800000"/>
-          </a:ln>
-        </p:spPr>
-        <p:txBody>
-          <a:bodyPr vert="horz" lIns="91440" tIns="45720" rIns="91440" bIns="45720" rtlCol="0" anchor="ctr" anchorCtr="0">
-            <a:normAutofit/>
-          </a:bodyPr>
-          <a:lstStyle/>
-          <a:p>
-            <a:r>
-              <a:rPr lang="en-US" smtClean="0"/>
-              <a:t>Click to edit Master title style</a:t>
-            </a:r>
-            <a:endParaRPr lang="en-US" dirty="0"/>
-          </a:p>
-        </p:txBody>
-      </p:sp>
     </p:spTree>
   </p:cSld>
   <p:clrMap bg1="dk1" tx1="lt1" bg2="dk2" tx2="lt2" accent1="accent1" accent2="accent2" accent3="accent3" accent4="accent4" accent5="accent5" accent6="accent6" hlink="hlink" folHlink="folHlink"/>
   <p:sldLayoutIdLst>
-    <p:sldLayoutId id="2147483661" r:id="rId1"/>
-    <p:sldLayoutId id="2147483662" r:id="rId2"/>
-    <p:sldLayoutId id="2147483663" r:id="rId3"/>
-    <p:sldLayoutId id="2147483664" r:id="rId4"/>
-    <p:sldLayoutId id="2147483665" r:id="rId5"/>
-    <p:sldLayoutId id="2147483666" r:id="rId6"/>
-    <p:sldLayoutId id="2147483667" r:id="rId7"/>
-    <p:sldLayoutId id="2147483668" r:id="rId8"/>
-    <p:sldLayoutId id="2147483669" r:id="rId9"/>
-    <p:sldLayoutId id="2147483670" r:id="rId10"/>
-    <p:sldLayoutId id="2147483671" r:id="rId11"/>
+    <p:sldLayoutId id="2147483673" r:id="rId1"/>
+    <p:sldLayoutId id="2147483674" r:id="rId2"/>
+    <p:sldLayoutId id="2147483675" r:id="rId3"/>
+    <p:sldLayoutId id="2147483676" r:id="rId4"/>
+    <p:sldLayoutId id="2147483677" r:id="rId5"/>
+    <p:sldLayoutId id="2147483678" r:id="rId6"/>
+    <p:sldLayoutId id="2147483679" r:id="rId7"/>
+    <p:sldLayoutId id="2147483680" r:id="rId8"/>
+    <p:sldLayoutId id="2147483681" r:id="rId9"/>
+    <p:sldLayoutId id="2147483682" r:id="rId10"/>
+    <p:sldLayoutId id="2147483683" r:id="rId11"/>
   </p:sldLayoutIdLst>
   <p:txStyles>
     <p:titleStyle>
-      <a:lvl1pPr algn="ctr" defTabSz="914400" rtl="0" eaLnBrk="1" latinLnBrk="0" hangingPunct="1">
+      <a:lvl1pPr algn="l" rtl="0" eaLnBrk="1" latinLnBrk="0" hangingPunct="1">
         <a:spcBef>
-          <a:spcPts val="400"/>
+          <a:spcPct val="0"/>
         </a:spcBef>
         <a:buNone/>
-        <a:defRPr sz="1800" b="1" kern="1200" cap="all" spc="0" baseline="0">
+        <a:defRPr kumimoji="0" sz="4600" kern="1200">
           <a:solidFill>
-            <a:schemeClr val="bg1">
-              <a:lumMod val="75000"/>
-              <a:lumOff val="25000"/>
-            </a:schemeClr>
+            <a:schemeClr val="tx1"/>
           </a:solidFill>
-          <a:effectLst/>
           <a:latin typeface="+mj-lt"/>
           <a:ea typeface="+mj-ea"/>
-          <a:cs typeface="Tunga" pitchFamily="2"/>
+          <a:cs typeface="+mj-cs"/>
         </a:defRPr>
       </a:lvl1pPr>
     </p:titleStyle>
     <p:bodyStyle>
-      <a:lvl1pPr marL="0" indent="0" algn="ctr" defTabSz="914400" rtl="0" eaLnBrk="1" latinLnBrk="0" hangingPunct="1">
-        <a:lnSpc>
-          <a:spcPct val="100000"/>
-        </a:lnSpc>
+      <a:lvl1pPr marL="420624" indent="-384048" algn="l" rtl="0" eaLnBrk="1" latinLnBrk="0" hangingPunct="1">
         <a:spcBef>
-          <a:spcPts val="600"/>
+          <a:spcPct val="20000"/>
         </a:spcBef>
-        <a:spcAft>
-          <a:spcPts val="0"/>
-        </a:spcAft>
         <a:buClr>
           <a:schemeClr val="accent1"/>
         </a:buClr>
-        <a:buFontTx/>
-        <a:buNone/>
-        <a:defRPr sz="2000" b="0" i="0" kern="1200" cap="none" spc="30" baseline="0">
+        <a:buSzPct val="80000"/>
+        <a:buFont typeface="Wingdings 2"/>
+        <a:buChar char=""/>
+        <a:defRPr kumimoji="0" sz="3000" kern="1200">
           <a:solidFill>
             <a:schemeClr val="tx1"/>
           </a:solidFill>
           <a:latin typeface="+mn-lt"/>
           <a:ea typeface="+mn-ea"/>
-          <a:cs typeface="Tahoma" pitchFamily="34" charset="0"/>
+          <a:cs typeface="+mn-cs"/>
         </a:defRPr>
       </a:lvl1pPr>
-      <a:lvl2pPr marL="0" indent="0" algn="ctr" defTabSz="914400" rtl="0" eaLnBrk="1" latinLnBrk="0" hangingPunct="1">
-        <a:lnSpc>
-          <a:spcPct val="100000"/>
-        </a:lnSpc>
+      <a:lvl2pPr marL="722376" indent="-274320" algn="l" rtl="0" eaLnBrk="1" latinLnBrk="0" hangingPunct="1">
         <a:spcBef>
-          <a:spcPts val="1200"/>
+          <a:spcPct val="20000"/>
         </a:spcBef>
         <a:buClr>
           <a:schemeClr val="accent1"/>
         </a:buClr>
-        <a:buFontTx/>
-        <a:buNone/>
-        <a:defRPr sz="1800" kern="1200">
-          <a:solidFill>
-            <a:schemeClr val="tx2"/>
-          </a:solidFill>
-          <a:latin typeface="+mn-lt"/>
-          <a:ea typeface="+mn-ea"/>
-          <a:cs typeface="Tahoma" pitchFamily="34" charset="0"/>
-        </a:defRPr>
-      </a:lvl2pPr>
-      <a:lvl3pPr marL="0" indent="0" algn="ctr" defTabSz="914400" rtl="0" eaLnBrk="1" latinLnBrk="0" hangingPunct="1">
-        <a:lnSpc>
-          <a:spcPct val="100000"/>
-        </a:lnSpc>
-        <a:spcBef>
-          <a:spcPts val="1200"/>
-        </a:spcBef>
-        <a:buClr>
-          <a:schemeClr val="accent1"/>
-        </a:buClr>
-        <a:buFontTx/>
-        <a:buNone/>
-        <a:defRPr sz="1600" kern="1200">
+        <a:buSzPct val="90000"/>
+        <a:buFont typeface="Wingdings 2"/>
+        <a:buChar char=""/>
+        <a:defRPr kumimoji="0" sz="2600" kern="1200">
           <a:solidFill>
             <a:schemeClr val="tx1"/>
           </a:solidFill>
           <a:latin typeface="+mn-lt"/>
           <a:ea typeface="+mn-ea"/>
-          <a:cs typeface="Tahoma" pitchFamily="34" charset="0"/>
+          <a:cs typeface="+mn-cs"/>
         </a:defRPr>
-      </a:lvl3pPr>
-      <a:lvl4pPr marL="0" indent="0" algn="ctr" defTabSz="914400" rtl="0" eaLnBrk="1" latinLnBrk="0" hangingPunct="1">
-        <a:lnSpc>
-          <a:spcPct val="100000"/>
-        </a:lnSpc>
+      </a:lvl2pPr>
+      <a:lvl3pPr marL="1005840" indent="-256032" algn="l" rtl="0" eaLnBrk="1" latinLnBrk="0" hangingPunct="1">
         <a:spcBef>
-          <a:spcPts val="1200"/>
+          <a:spcPct val="20000"/>
         </a:spcBef>
         <a:buClr>
-          <a:schemeClr val="accent1"/>
+          <a:schemeClr val="accent2"/>
         </a:buClr>
-        <a:buFontTx/>
-        <a:buNone/>
-        <a:defRPr sz="1400" kern="1200">
-          <a:solidFill>
-            <a:schemeClr val="tx2"/>
-          </a:solidFill>
-          <a:latin typeface="+mn-lt"/>
-          <a:ea typeface="+mn-ea"/>
-          <a:cs typeface="Tahoma" pitchFamily="34" charset="0"/>
-        </a:defRPr>
-      </a:lvl4pPr>
-      <a:lvl5pPr marL="0" indent="0" algn="ctr" defTabSz="914400" rtl="0" eaLnBrk="1" latinLnBrk="0" hangingPunct="1">
-        <a:lnSpc>
-          <a:spcPct val="100000"/>
-        </a:lnSpc>
-        <a:spcBef>
-          <a:spcPts val="1200"/>
-        </a:spcBef>
-        <a:buClr>
-          <a:schemeClr val="accent1"/>
-        </a:buClr>
-        <a:buFontTx/>
-        <a:buNone/>
-        <a:defRPr sz="1400" kern="1200" baseline="0">
+        <a:buSzPct val="85000"/>
+        <a:buFont typeface="Arial"/>
+        <a:buChar char="○"/>
+        <a:defRPr kumimoji="0" sz="2400" kern="1200">
           <a:solidFill>
             <a:schemeClr val="tx1"/>
           </a:solidFill>
           <a:latin typeface="+mn-lt"/>
           <a:ea typeface="+mn-ea"/>
-          <a:cs typeface="Tahoma" pitchFamily="34" charset="0"/>
+          <a:cs typeface="+mn-cs"/>
+        </a:defRPr>
+      </a:lvl3pPr>
+      <a:lvl4pPr marL="1280160" indent="-237744" algn="l" rtl="0" eaLnBrk="1" latinLnBrk="0" hangingPunct="1">
+        <a:spcBef>
+          <a:spcPct val="20000"/>
+        </a:spcBef>
+        <a:buClr>
+          <a:schemeClr val="accent3"/>
+        </a:buClr>
+        <a:buSzPct val="90000"/>
+        <a:buFont typeface="Wingdings 2"/>
+        <a:buChar char=""/>
+        <a:defRPr kumimoji="0" sz="2000" kern="1200">
+          <a:solidFill>
+            <a:schemeClr val="tx1"/>
+          </a:solidFill>
+          <a:latin typeface="+mn-lt"/>
+          <a:ea typeface="+mn-ea"/>
+          <a:cs typeface="+mn-cs"/>
+        </a:defRPr>
+      </a:lvl4pPr>
+      <a:lvl5pPr marL="1490472" indent="-182880" algn="l" rtl="0" eaLnBrk="1" latinLnBrk="0" hangingPunct="1">
+        <a:spcBef>
+          <a:spcPct val="20000"/>
+        </a:spcBef>
+        <a:buClr>
+          <a:schemeClr val="accent4"/>
+        </a:buClr>
+        <a:buSzPct val="100000"/>
+        <a:buFont typeface="Arial"/>
+        <a:buChar char="-"/>
+        <a:defRPr kumimoji="0" sz="2000" kern="1200">
+          <a:solidFill>
+            <a:schemeClr val="tx1"/>
+          </a:solidFill>
+          <a:latin typeface="+mn-lt"/>
+          <a:ea typeface="+mn-ea"/>
+          <a:cs typeface="+mn-cs"/>
         </a:defRPr>
       </a:lvl5pPr>
-      <a:lvl6pPr marL="0" indent="0" algn="ctr" defTabSz="914400" rtl="0" eaLnBrk="1" latinLnBrk="0" hangingPunct="1">
-        <a:lnSpc>
-          <a:spcPct val="100000"/>
-        </a:lnSpc>
+      <a:lvl6pPr marL="1700784" indent="-182880" algn="l" rtl="0" eaLnBrk="1" latinLnBrk="0" hangingPunct="1">
         <a:spcBef>
-          <a:spcPts val="1200"/>
+          <a:spcPct val="20000"/>
         </a:spcBef>
-        <a:buFont typeface="Arial" pitchFamily="34" charset="0"/>
-        <a:buNone/>
-        <a:defRPr sz="1400" kern="1200">
+        <a:buClr>
+          <a:schemeClr val="accent5"/>
+        </a:buClr>
+        <a:buFont typeface="Arial"/>
+        <a:buChar char="-"/>
+        <a:defRPr kumimoji="0" sz="2000" kern="1200" baseline="0">
           <a:solidFill>
-            <a:schemeClr val="tx2"/>
+            <a:schemeClr val="tx1"/>
           </a:solidFill>
           <a:latin typeface="+mn-lt"/>
           <a:ea typeface="+mn-ea"/>
           <a:cs typeface="+mn-cs"/>
         </a:defRPr>
       </a:lvl6pPr>
-      <a:lvl7pPr marL="0" indent="0" algn="ctr" defTabSz="914400" rtl="0" eaLnBrk="1" latinLnBrk="0" hangingPunct="1">
-        <a:lnSpc>
-          <a:spcPct val="100000"/>
-        </a:lnSpc>
+      <a:lvl7pPr marL="1920240" indent="-182880" algn="l" rtl="0" eaLnBrk="1" latinLnBrk="0" hangingPunct="1">
         <a:spcBef>
-          <a:spcPts val="1200"/>
+          <a:spcPct val="20000"/>
         </a:spcBef>
-        <a:buFont typeface="Arial" pitchFamily="34" charset="0"/>
-        <a:buNone/>
-        <a:defRPr sz="1400" kern="1200">
+        <a:buClr>
+          <a:schemeClr val="accent6"/>
+        </a:buClr>
+        <a:buSzPct val="100000"/>
+        <a:buFont typeface="Arial"/>
+        <a:buChar char="•"/>
+        <a:defRPr kumimoji="0" sz="1800" kern="1200" baseline="0">
           <a:solidFill>
             <a:schemeClr val="tx1"/>
           </a:solidFill>
@@ -3408,34 +3475,34 @@
           <a:cs typeface="+mn-cs"/>
         </a:defRPr>
       </a:lvl7pPr>
-      <a:lvl8pPr marL="0" indent="0" algn="ctr" defTabSz="914400" rtl="0" eaLnBrk="1" latinLnBrk="0" hangingPunct="1">
-        <a:lnSpc>
-          <a:spcPct val="100000"/>
-        </a:lnSpc>
+      <a:lvl8pPr marL="2139696" indent="-182880" algn="l" rtl="0" eaLnBrk="1" latinLnBrk="0" hangingPunct="1">
         <a:spcBef>
-          <a:spcPts val="1200"/>
+          <a:spcPct val="20000"/>
         </a:spcBef>
-        <a:buFont typeface="Arial" pitchFamily="34" charset="0"/>
-        <a:buNone/>
-        <a:defRPr sz="1400" kern="1200">
+        <a:buClr>
+          <a:schemeClr val="accent6"/>
+        </a:buClr>
+        <a:buFont typeface="Arial"/>
+        <a:buChar char="▪"/>
+        <a:defRPr kumimoji="0" sz="1600" kern="1200">
           <a:solidFill>
-            <a:schemeClr val="tx2"/>
+            <a:schemeClr val="tx1"/>
           </a:solidFill>
           <a:latin typeface="+mn-lt"/>
           <a:ea typeface="+mn-ea"/>
           <a:cs typeface="+mn-cs"/>
         </a:defRPr>
       </a:lvl8pPr>
-      <a:lvl9pPr marL="0" indent="0" algn="ctr" defTabSz="914400" rtl="0" eaLnBrk="1" latinLnBrk="0" hangingPunct="1">
-        <a:lnSpc>
-          <a:spcPct val="100000"/>
-        </a:lnSpc>
+      <a:lvl9pPr marL="2331720" indent="-182880" algn="l" rtl="0" eaLnBrk="1" latinLnBrk="0" hangingPunct="1">
         <a:spcBef>
-          <a:spcPts val="1200"/>
+          <a:spcPct val="20000"/>
         </a:spcBef>
-        <a:buFont typeface="Arial" pitchFamily="34" charset="0"/>
-        <a:buNone/>
-        <a:defRPr sz="1400" kern="1200">
+        <a:buClr>
+          <a:schemeClr val="accent6"/>
+        </a:buClr>
+        <a:buFont typeface="Arial"/>
+        <a:buChar char="•"/>
+        <a:defRPr kumimoji="0" sz="1600" kern="1200">
           <a:solidFill>
             <a:schemeClr val="tx1"/>
           </a:solidFill>
@@ -3446,11 +3513,8 @@
       </a:lvl9pPr>
     </p:bodyStyle>
     <p:otherStyle>
-      <a:defPPr>
-        <a:defRPr lang="en-US"/>
-      </a:defPPr>
-      <a:lvl1pPr marL="0" algn="l" defTabSz="914400" rtl="0" eaLnBrk="1" latinLnBrk="0" hangingPunct="1">
-        <a:defRPr sz="1800" kern="1200">
+      <a:lvl1pPr marL="0" algn="l" rtl="0" eaLnBrk="1" latinLnBrk="0" hangingPunct="1">
+        <a:defRPr kumimoji="0" kern="1200">
           <a:solidFill>
             <a:schemeClr val="tx1"/>
           </a:solidFill>
@@ -3459,8 +3523,8 @@
           <a:cs typeface="+mn-cs"/>
         </a:defRPr>
       </a:lvl1pPr>
-      <a:lvl2pPr marL="457200" algn="l" defTabSz="914400" rtl="0" eaLnBrk="1" latinLnBrk="0" hangingPunct="1">
-        <a:defRPr sz="1800" kern="1200">
+      <a:lvl2pPr marL="457200" algn="l" rtl="0" eaLnBrk="1" latinLnBrk="0" hangingPunct="1">
+        <a:defRPr kumimoji="0" kern="1200">
           <a:solidFill>
             <a:schemeClr val="tx1"/>
           </a:solidFill>
@@ -3469,8 +3533,8 @@
           <a:cs typeface="+mn-cs"/>
         </a:defRPr>
       </a:lvl2pPr>
-      <a:lvl3pPr marL="914400" algn="l" defTabSz="914400" rtl="0" eaLnBrk="1" latinLnBrk="0" hangingPunct="1">
-        <a:defRPr sz="1800" kern="1200">
+      <a:lvl3pPr marL="914400" algn="l" rtl="0" eaLnBrk="1" latinLnBrk="0" hangingPunct="1">
+        <a:defRPr kumimoji="0" kern="1200">
           <a:solidFill>
             <a:schemeClr val="tx1"/>
           </a:solidFill>
@@ -3479,8 +3543,8 @@
           <a:cs typeface="+mn-cs"/>
         </a:defRPr>
       </a:lvl3pPr>
-      <a:lvl4pPr marL="1371600" algn="l" defTabSz="914400" rtl="0" eaLnBrk="1" latinLnBrk="0" hangingPunct="1">
-        <a:defRPr sz="1800" kern="1200">
+      <a:lvl4pPr marL="1371600" algn="l" rtl="0" eaLnBrk="1" latinLnBrk="0" hangingPunct="1">
+        <a:defRPr kumimoji="0" kern="1200">
           <a:solidFill>
             <a:schemeClr val="tx1"/>
           </a:solidFill>
@@ -3489,8 +3553,8 @@
           <a:cs typeface="+mn-cs"/>
         </a:defRPr>
       </a:lvl4pPr>
-      <a:lvl5pPr marL="1828800" algn="l" defTabSz="914400" rtl="0" eaLnBrk="1" latinLnBrk="0" hangingPunct="1">
-        <a:defRPr sz="1800" kern="1200">
+      <a:lvl5pPr marL="1828800" algn="l" rtl="0" eaLnBrk="1" latinLnBrk="0" hangingPunct="1">
+        <a:defRPr kumimoji="0" kern="1200">
           <a:solidFill>
             <a:schemeClr val="tx1"/>
           </a:solidFill>
@@ -3499,8 +3563,8 @@
           <a:cs typeface="+mn-cs"/>
         </a:defRPr>
       </a:lvl5pPr>
-      <a:lvl6pPr marL="2286000" algn="l" defTabSz="914400" rtl="0" eaLnBrk="1" latinLnBrk="0" hangingPunct="1">
-        <a:defRPr sz="1800" kern="1200">
+      <a:lvl6pPr marL="2286000" algn="l" rtl="0" eaLnBrk="1" latinLnBrk="0" hangingPunct="1">
+        <a:defRPr kumimoji="0" kern="1200">
           <a:solidFill>
             <a:schemeClr val="tx1"/>
           </a:solidFill>
@@ -3509,8 +3573,8 @@
           <a:cs typeface="+mn-cs"/>
         </a:defRPr>
       </a:lvl6pPr>
-      <a:lvl7pPr marL="2743200" algn="l" defTabSz="914400" rtl="0" eaLnBrk="1" latinLnBrk="0" hangingPunct="1">
-        <a:defRPr sz="1800" kern="1200">
+      <a:lvl7pPr marL="2743200" algn="l" rtl="0" eaLnBrk="1" latinLnBrk="0" hangingPunct="1">
+        <a:defRPr kumimoji="0" kern="1200">
           <a:solidFill>
             <a:schemeClr val="tx1"/>
           </a:solidFill>
@@ -3519,8 +3583,8 @@
           <a:cs typeface="+mn-cs"/>
         </a:defRPr>
       </a:lvl7pPr>
-      <a:lvl8pPr marL="3200400" algn="l" defTabSz="914400" rtl="0" eaLnBrk="1" latinLnBrk="0" hangingPunct="1">
-        <a:defRPr sz="1800" kern="1200">
+      <a:lvl8pPr marL="3200400" algn="l" rtl="0" eaLnBrk="1" latinLnBrk="0" hangingPunct="1">
+        <a:defRPr kumimoji="0" kern="1200">
           <a:solidFill>
             <a:schemeClr val="tx1"/>
           </a:solidFill>
@@ -3529,8 +3593,8 @@
           <a:cs typeface="+mn-cs"/>
         </a:defRPr>
       </a:lvl8pPr>
-      <a:lvl9pPr marL="3657600" algn="l" defTabSz="914400" rtl="0" eaLnBrk="1" latinLnBrk="0" hangingPunct="1">
-        <a:defRPr sz="1800" kern="1200">
+      <a:lvl9pPr marL="3657600" algn="l" rtl="0" eaLnBrk="1" latinLnBrk="0" hangingPunct="1">
+        <a:defRPr kumimoji="0" kern="1200">
           <a:solidFill>
             <a:schemeClr val="tx1"/>
           </a:solidFill>
@@ -3568,7 +3632,7 @@
             <a:spLocks noGrp="1"/>
           </p:cNvSpPr>
           <p:nvPr>
-            <p:ph type="title"/>
+            <p:ph type="ctrTitle"/>
           </p:nvPr>
         </p:nvSpPr>
         <p:spPr>
@@ -3644,12 +3708,39 @@
       </p:grpSpPr>
       <p:sp>
         <p:nvSpPr>
+          <p:cNvPr id="3" name="Title 2"/>
+          <p:cNvSpPr>
+            <a:spLocks noGrp="1"/>
+          </p:cNvSpPr>
+          <p:nvPr>
+            <p:ph type="title"/>
+          </p:nvPr>
+        </p:nvSpPr>
+        <p:spPr/>
+        <p:txBody>
+          <a:bodyPr/>
+          <a:lstStyle/>
+          <a:p>
+            <a:r>
+              <a:rPr lang="id-ID" dirty="0" smtClean="0"/>
+              <a:t>DESKRIPSI </a:t>
+            </a:r>
+            <a:r>
+              <a:rPr lang="id-ID" dirty="0" smtClean="0"/>
+              <a:t>APLIKASI</a:t>
+            </a:r>
+            <a:endParaRPr lang="id-ID" dirty="0"/>
+          </a:p>
+        </p:txBody>
+      </p:sp>
+      <p:sp>
+        <p:nvSpPr>
           <p:cNvPr id="2" name="Content Placeholder 1"/>
           <p:cNvSpPr>
             <a:spLocks noGrp="1"/>
           </p:cNvSpPr>
           <p:nvPr>
-            <p:ph sz="quarter" idx="13"/>
+            <p:ph idx="1"/>
           </p:nvPr>
         </p:nvSpPr>
         <p:spPr>
@@ -3684,29 +3775,6 @@
               <a:rPr lang="id-ID" sz="2400" dirty="0" smtClean="0"/>
               <a:t>Permainan ini mengambil tema edukasi. Dalam permainan kosakata bahasa inggris ini disediakan banyak kosakata yang di klasifikasikan atau terdiri dari kata benda dan kata sifat. Selain kosakata yang begitu banyak permainan ini juga di lengkapi dengan gambar.</a:t>
             </a:r>
-          </a:p>
-        </p:txBody>
-      </p:sp>
-      <p:sp>
-        <p:nvSpPr>
-          <p:cNvPr id="3" name="Title 2"/>
-          <p:cNvSpPr>
-            <a:spLocks noGrp="1"/>
-          </p:cNvSpPr>
-          <p:nvPr>
-            <p:ph type="title"/>
-          </p:nvPr>
-        </p:nvSpPr>
-        <p:spPr/>
-        <p:txBody>
-          <a:bodyPr/>
-          <a:lstStyle/>
-          <a:p>
-            <a:r>
-              <a:rPr lang="id-ID" dirty="0" smtClean="0"/>
-              <a:t>DESKRIPSI aPLIKASI</a:t>
-            </a:r>
-            <a:endParaRPr lang="id-ID" dirty="0"/>
           </a:p>
         </p:txBody>
       </p:sp>
@@ -3749,12 +3817,35 @@
       </p:grpSpPr>
       <p:sp>
         <p:nvSpPr>
+          <p:cNvPr id="3" name="Title 2"/>
+          <p:cNvSpPr>
+            <a:spLocks noGrp="1"/>
+          </p:cNvSpPr>
+          <p:nvPr>
+            <p:ph type="title"/>
+          </p:nvPr>
+        </p:nvSpPr>
+        <p:spPr/>
+        <p:txBody>
+          <a:bodyPr/>
+          <a:lstStyle/>
+          <a:p>
+            <a:r>
+              <a:rPr lang="id-ID" dirty="0" smtClean="0"/>
+              <a:t>LANJUTAN</a:t>
+            </a:r>
+            <a:endParaRPr lang="id-ID" dirty="0"/>
+          </a:p>
+        </p:txBody>
+      </p:sp>
+      <p:sp>
+        <p:nvSpPr>
           <p:cNvPr id="2" name="Content Placeholder 1"/>
           <p:cNvSpPr>
             <a:spLocks noGrp="1"/>
           </p:cNvSpPr>
           <p:nvPr>
-            <p:ph sz="quarter" idx="13"/>
+            <p:ph idx="1"/>
           </p:nvPr>
         </p:nvSpPr>
         <p:spPr>
@@ -3765,7 +3856,7 @@
         </p:spPr>
         <p:txBody>
           <a:bodyPr>
-            <a:normAutofit/>
+            <a:normAutofit lnSpcReduction="10000"/>
           </a:bodyPr>
           <a:lstStyle/>
           <a:p>
@@ -3779,29 +3870,6 @@
               <a:t>Penambahan gambar pada permainan ini yaitu untuk menarik player/pelajar lebih berminat untuk belajar. Melihat begitu pentingnya bahasa inggris baik itu dalam dunia akademik maupun setelah masuk dunia kerja, maka di buatlah permainan ini untuk melatih atau menghapal kosata bahasa inggris.</a:t>
             </a:r>
             <a:endParaRPr lang="id-ID" sz="2400" dirty="0"/>
-          </a:p>
-        </p:txBody>
-      </p:sp>
-      <p:sp>
-        <p:nvSpPr>
-          <p:cNvPr id="3" name="Title 2"/>
-          <p:cNvSpPr>
-            <a:spLocks noGrp="1"/>
-          </p:cNvSpPr>
-          <p:nvPr>
-            <p:ph type="title"/>
-          </p:nvPr>
-        </p:nvSpPr>
-        <p:spPr/>
-        <p:txBody>
-          <a:bodyPr/>
-          <a:lstStyle/>
-          <a:p>
-            <a:r>
-              <a:rPr lang="id-ID" dirty="0" smtClean="0"/>
-              <a:t>LANJUTAN</a:t>
-            </a:r>
-            <a:endParaRPr lang="id-ID" dirty="0"/>
           </a:p>
         </p:txBody>
       </p:sp>
@@ -3815,6 +3883,13 @@
   <p:clrMapOvr>
     <a:masterClrMapping/>
   </p:clrMapOvr>
+  <p:timing>
+    <p:tnLst>
+      <p:par>
+        <p:cTn id="1" dur="indefinite" restart="never" nodeType="tmRoot"/>
+      </p:par>
+    </p:tnLst>
+  </p:timing>
 </p:sld>
 </file>
 
@@ -3837,12 +3912,35 @@
       </p:grpSpPr>
       <p:sp>
         <p:nvSpPr>
+          <p:cNvPr id="3" name="Title 2"/>
+          <p:cNvSpPr>
+            <a:spLocks noGrp="1"/>
+          </p:cNvSpPr>
+          <p:nvPr>
+            <p:ph type="title"/>
+          </p:nvPr>
+        </p:nvSpPr>
+        <p:spPr/>
+        <p:txBody>
+          <a:bodyPr/>
+          <a:lstStyle/>
+          <a:p>
+            <a:r>
+              <a:rPr lang="id-ID" dirty="0" smtClean="0"/>
+              <a:t>Kebutuhan fungsional</a:t>
+            </a:r>
+            <a:endParaRPr lang="id-ID" dirty="0"/>
+          </a:p>
+        </p:txBody>
+      </p:sp>
+      <p:sp>
+        <p:nvSpPr>
           <p:cNvPr id="2" name="Content Placeholder 1"/>
           <p:cNvSpPr>
             <a:spLocks noGrp="1"/>
           </p:cNvSpPr>
           <p:nvPr>
-            <p:ph sz="quarter" idx="13"/>
+            <p:ph idx="1"/>
           </p:nvPr>
         </p:nvSpPr>
         <p:spPr/>
@@ -3905,8 +4003,26 @@
           </a:p>
           <a:p>
             <a:pPr marL="457200" indent="-457200" algn="l">
-              <a:buFont typeface="+mj-lt"/>
-              <a:buAutoNum type="arabicPeriod"/>
+              <a:buAutoNum type="arabicPeriod" startAt="4"/>
+            </a:pPr>
+            <a:r>
+              <a:rPr lang="id-ID" dirty="0" smtClean="0"/>
+              <a:t>Aplikasi Dapat Menerima Input Jawaban</a:t>
+            </a:r>
+          </a:p>
+          <a:p>
+            <a:pPr marL="457200" indent="-457200" algn="l">
+              <a:buAutoNum type="arabicPeriod" startAt="4"/>
+            </a:pPr>
+            <a:r>
+              <a:rPr lang="id-ID" dirty="0" smtClean="0"/>
+              <a:t>Aplikasi Dapat Menampilkan Pesan Dari Jawaban</a:t>
+            </a:r>
+            <a:endParaRPr lang="id-ID" dirty="0"/>
+          </a:p>
+          <a:p>
+            <a:pPr marL="457200" indent="-457200" algn="l">
+              <a:buAutoNum type="arabicPeriod" startAt="4"/>
             </a:pPr>
             <a:r>
               <a:rPr lang="id-ID" dirty="0" smtClean="0"/>
@@ -3916,30 +4032,6 @@
               <a:rPr lang="id-ID" dirty="0"/>
               <a:t>Menyediakan Skor Akhir</a:t>
             </a:r>
-            <a:endParaRPr lang="id-ID" dirty="0"/>
-          </a:p>
-        </p:txBody>
-      </p:sp>
-      <p:sp>
-        <p:nvSpPr>
-          <p:cNvPr id="3" name="Title 2"/>
-          <p:cNvSpPr>
-            <a:spLocks noGrp="1"/>
-          </p:cNvSpPr>
-          <p:nvPr>
-            <p:ph type="title"/>
-          </p:nvPr>
-        </p:nvSpPr>
-        <p:spPr/>
-        <p:txBody>
-          <a:bodyPr/>
-          <a:lstStyle/>
-          <a:p>
-            <a:r>
-              <a:rPr lang="id-ID" dirty="0" smtClean="0"/>
-              <a:t>Kebutuhan fungsional</a:t>
-            </a:r>
-            <a:endParaRPr lang="id-ID" dirty="0"/>
           </a:p>
         </p:txBody>
       </p:sp>
@@ -3982,17 +4074,42 @@
       </p:grpSpPr>
       <p:sp>
         <p:nvSpPr>
+          <p:cNvPr id="3" name="Title 2"/>
+          <p:cNvSpPr>
+            <a:spLocks noGrp="1"/>
+          </p:cNvSpPr>
+          <p:nvPr>
+            <p:ph type="title"/>
+          </p:nvPr>
+        </p:nvSpPr>
+        <p:spPr/>
+        <p:txBody>
+          <a:bodyPr/>
+          <a:lstStyle/>
+          <a:p>
+            <a:r>
+              <a:rPr lang="id-ID" dirty="0" smtClean="0"/>
+              <a:t>Kebutuhan nonfungsional</a:t>
+            </a:r>
+            <a:endParaRPr lang="id-ID" dirty="0"/>
+          </a:p>
+        </p:txBody>
+      </p:sp>
+      <p:sp>
+        <p:nvSpPr>
           <p:cNvPr id="2" name="Content Placeholder 1"/>
           <p:cNvSpPr>
             <a:spLocks noGrp="1"/>
           </p:cNvSpPr>
           <p:nvPr>
-            <p:ph sz="quarter" idx="13"/>
+            <p:ph idx="1"/>
           </p:nvPr>
         </p:nvSpPr>
         <p:spPr/>
         <p:txBody>
-          <a:bodyPr/>
+          <a:bodyPr>
+            <a:normAutofit fontScale="92500" lnSpcReduction="20000"/>
+          </a:bodyPr>
           <a:lstStyle/>
           <a:p>
             <a:pPr algn="l"/>
@@ -4057,29 +4174,6 @@
           </a:p>
           <a:p>
             <a:pPr algn="l"/>
-            <a:endParaRPr lang="id-ID" dirty="0"/>
-          </a:p>
-        </p:txBody>
-      </p:sp>
-      <p:sp>
-        <p:nvSpPr>
-          <p:cNvPr id="3" name="Title 2"/>
-          <p:cNvSpPr>
-            <a:spLocks noGrp="1"/>
-          </p:cNvSpPr>
-          <p:nvPr>
-            <p:ph type="title"/>
-          </p:nvPr>
-        </p:nvSpPr>
-        <p:spPr/>
-        <p:txBody>
-          <a:bodyPr/>
-          <a:lstStyle/>
-          <a:p>
-            <a:r>
-              <a:rPr lang="id-ID" dirty="0" smtClean="0"/>
-              <a:t>Kebutuhan nonfungsional</a:t>
-            </a:r>
             <a:endParaRPr lang="id-ID" dirty="0"/>
           </a:p>
         </p:txBody>
@@ -4123,17 +4217,38 @@
       </p:grpSpPr>
       <p:sp>
         <p:nvSpPr>
+          <p:cNvPr id="3" name="Title 2"/>
+          <p:cNvSpPr>
+            <a:spLocks noGrp="1"/>
+          </p:cNvSpPr>
+          <p:nvPr>
+            <p:ph type="title"/>
+          </p:nvPr>
+        </p:nvSpPr>
+        <p:spPr/>
+        <p:txBody>
+          <a:bodyPr/>
+          <a:lstStyle/>
+          <a:p>
+            <a:endParaRPr lang="id-ID"/>
+          </a:p>
+        </p:txBody>
+      </p:sp>
+      <p:sp>
+        <p:nvSpPr>
           <p:cNvPr id="2" name="Content Placeholder 1"/>
           <p:cNvSpPr>
             <a:spLocks noGrp="1"/>
           </p:cNvSpPr>
           <p:nvPr>
-            <p:ph sz="quarter" idx="13"/>
+            <p:ph idx="1"/>
           </p:nvPr>
         </p:nvSpPr>
         <p:spPr/>
         <p:txBody>
-          <a:bodyPr/>
+          <a:bodyPr>
+            <a:normAutofit fontScale="92500" lnSpcReduction="10000"/>
+          </a:bodyPr>
           <a:lstStyle/>
           <a:p>
             <a:pPr algn="l"/>
@@ -4165,14 +4280,30 @@
             <a:pPr marL="265113" algn="l"/>
             <a:r>
               <a:rPr lang="id-ID" dirty="0"/>
-              <a:t>b) Eclipse Indigo sebagai tools </a:t>
+              <a:t>b) </a:t>
+            </a:r>
+            <a:r>
+              <a:rPr lang="id-ID" dirty="0" smtClean="0"/>
+              <a:t>Eclipse </a:t>
+            </a:r>
+            <a:r>
+              <a:rPr lang="id-ID" dirty="0"/>
+              <a:t>sebagai tools </a:t>
             </a:r>
           </a:p>
           <a:p>
             <a:pPr marL="265113" algn="l"/>
             <a:r>
               <a:rPr lang="id-ID" dirty="0"/>
-              <a:t>c) Krita sebagai software desain </a:t>
+              <a:t>c) </a:t>
+            </a:r>
+            <a:r>
+              <a:rPr lang="id-ID" dirty="0" smtClean="0"/>
+              <a:t>Krita dan Astah community </a:t>
+            </a:r>
+            <a:r>
+              <a:rPr lang="id-ID" dirty="0"/>
+              <a:t>sebagai software desain </a:t>
             </a:r>
           </a:p>
           <a:p>
@@ -4192,25 +4323,6 @@
           <a:p>
             <a:pPr algn="l"/>
             <a:endParaRPr lang="id-ID" dirty="0"/>
-          </a:p>
-        </p:txBody>
-      </p:sp>
-      <p:sp>
-        <p:nvSpPr>
-          <p:cNvPr id="3" name="Title 2"/>
-          <p:cNvSpPr>
-            <a:spLocks noGrp="1"/>
-          </p:cNvSpPr>
-          <p:nvPr>
-            <p:ph type="title"/>
-          </p:nvPr>
-        </p:nvSpPr>
-        <p:spPr/>
-        <p:txBody>
-          <a:bodyPr/>
-          <a:lstStyle/>
-          <a:p>
-            <a:endParaRPr lang="id-ID"/>
           </a:p>
         </p:txBody>
       </p:sp>
@@ -4253,17 +4365,38 @@
       </p:grpSpPr>
       <p:sp>
         <p:nvSpPr>
+          <p:cNvPr id="3" name="Title 2"/>
+          <p:cNvSpPr>
+            <a:spLocks noGrp="1"/>
+          </p:cNvSpPr>
+          <p:nvPr>
+            <p:ph type="title"/>
+          </p:nvPr>
+        </p:nvSpPr>
+        <p:spPr/>
+        <p:txBody>
+          <a:bodyPr/>
+          <a:lstStyle/>
+          <a:p>
+            <a:endParaRPr lang="id-ID"/>
+          </a:p>
+        </p:txBody>
+      </p:sp>
+      <p:sp>
+        <p:nvSpPr>
           <p:cNvPr id="2" name="Content Placeholder 1"/>
           <p:cNvSpPr>
             <a:spLocks noGrp="1"/>
           </p:cNvSpPr>
           <p:nvPr>
-            <p:ph sz="quarter" idx="13"/>
+            <p:ph idx="1"/>
           </p:nvPr>
         </p:nvSpPr>
         <p:spPr/>
         <p:txBody>
-          <a:bodyPr/>
+          <a:bodyPr>
+            <a:normAutofit fontScale="92500" lnSpcReduction="20000"/>
+          </a:bodyPr>
           <a:lstStyle/>
           <a:p>
             <a:pPr algn="l"/>
@@ -4342,25 +4475,6 @@
           <a:p>
             <a:pPr algn="l"/>
             <a:endParaRPr lang="id-ID" dirty="0"/>
-          </a:p>
-        </p:txBody>
-      </p:sp>
-      <p:sp>
-        <p:nvSpPr>
-          <p:cNvPr id="3" name="Title 2"/>
-          <p:cNvSpPr>
-            <a:spLocks noGrp="1"/>
-          </p:cNvSpPr>
-          <p:nvPr>
-            <p:ph type="title"/>
-          </p:nvPr>
-        </p:nvSpPr>
-        <p:spPr/>
-        <p:txBody>
-          <a:bodyPr/>
-          <a:lstStyle/>
-          <a:p>
-            <a:endParaRPr lang="id-ID"/>
           </a:p>
         </p:txBody>
       </p:sp>
@@ -4527,7 +4641,7 @@
         </p:blipFill>
         <p:spPr>
           <a:xfrm>
-            <a:off x="1187624" y="1916831"/>
+            <a:off x="1187624" y="1556792"/>
             <a:ext cx="6840760" cy="4752527"/>
           </a:xfrm>
           <a:prstGeom prst="rect">
@@ -4556,60 +4670,58 @@
 </file>
 
 <file path=ppt/theme/theme1.xml><?xml version="1.0" encoding="utf-8"?>
-<a:theme xmlns:a="http://schemas.openxmlformats.org/drawingml/2006/main" name="BlackTie">
+<a:theme xmlns:a="http://schemas.openxmlformats.org/drawingml/2006/main" name="Technic">
   <a:themeElements>
-    <a:clrScheme name="BlackTie">
+    <a:clrScheme name="Technic">
       <a:dk1>
-        <a:srgbClr val="000000"/>
+        <a:sysClr val="windowText" lastClr="000000"/>
       </a:dk1>
       <a:lt1>
-        <a:srgbClr val="FFFFFF"/>
+        <a:sysClr val="window" lastClr="FFFFFF"/>
       </a:lt1>
       <a:dk2>
-        <a:srgbClr val="46464A"/>
+        <a:srgbClr val="3B3B3B"/>
       </a:dk2>
       <a:lt2>
-        <a:srgbClr val="E3DCCF"/>
+        <a:srgbClr val="D4D2D0"/>
       </a:lt2>
       <a:accent1>
-        <a:srgbClr val="6F6F74"/>
+        <a:srgbClr val="6EA0B0"/>
       </a:accent1>
       <a:accent2>
-        <a:srgbClr val="A7B789"/>
+        <a:srgbClr val="CCAF0A"/>
       </a:accent2>
       <a:accent3>
-        <a:srgbClr val="BEAE98"/>
+        <a:srgbClr val="8D89A4"/>
       </a:accent3>
       <a:accent4>
-        <a:srgbClr val="92A9B9"/>
+        <a:srgbClr val="748560"/>
       </a:accent4>
       <a:accent5>
-        <a:srgbClr val="9C8265"/>
+        <a:srgbClr val="9E9273"/>
       </a:accent5>
       <a:accent6>
-        <a:srgbClr val="8D6974"/>
+        <a:srgbClr val="7E848D"/>
       </a:accent6>
       <a:hlink>
-        <a:srgbClr val="67AABF"/>
+        <a:srgbClr val="00C8C3"/>
       </a:hlink>
       <a:folHlink>
-        <a:srgbClr val="B1B5AB"/>
+        <a:srgbClr val="A116E0"/>
       </a:folHlink>
     </a:clrScheme>
-    <a:fontScheme name="BlackTie">
+    <a:fontScheme name="Technic">
       <a:majorFont>
-        <a:latin typeface="Garamond"/>
+        <a:latin typeface="Franklin Gothic Book"/>
         <a:ea typeface=""/>
         <a:cs typeface=""/>
-        <a:font script="Grek" typeface="Constantia"/>
-        <a:font script="Cyrl" typeface="Constantia"/>
-        <a:font script="Jpan" typeface="ＭＳ Ｐ明朝"/>
-        <a:font script="Hang" typeface="궁서"/>
-        <a:font script="Hans" typeface="仿宋"/>
-        <a:font script="Hant" typeface="標楷體"/>
-        <a:font script="Arab" typeface="Times New Roman"/>
-        <a:font script="Hebr" typeface="Times New Roman"/>
-        <a:font script="Thai" typeface="Angsana New"/>
+        <a:font script="Jpan" typeface="ＭＳ Ｐゴシック"/>
+        <a:font script="Hang" typeface="HY견고딕"/>
+        <a:font script="Hans" typeface="宋体"/>
+        <a:font script="Hant" typeface="微軟正黑體"/>
+        <a:font script="Arab" typeface="Tahoma"/>
+        <a:font script="Hebr" typeface="Arial"/>
+        <a:font script="Thai" typeface="Cordia New"/>
         <a:font script="Ethi" typeface="Nyala"/>
         <a:font script="Beng" typeface="Vrinda"/>
         <a:font script="Gujr" typeface="Shruti"/>
@@ -4630,23 +4742,21 @@
         <a:font script="Laoo" typeface="DokChampa"/>
         <a:font script="Sinh" typeface="Iskoola Pota"/>
         <a:font script="Mong" typeface="Mongolian Baiti"/>
-        <a:font script="Viet" typeface="Times New Roman"/>
+        <a:font script="Viet" typeface="Arial"/>
         <a:font script="Uigh" typeface="Microsoft Uighur"/>
         <a:font script="Geor" typeface="Sylfaen"/>
       </a:majorFont>
       <a:minorFont>
-        <a:latin typeface="Garamond"/>
+        <a:latin typeface="Arial"/>
         <a:ea typeface=""/>
         <a:cs typeface=""/>
-        <a:font script="Grek" typeface="Constantia"/>
-        <a:font script="Cyrl" typeface="Constantia"/>
-        <a:font script="Jpan" typeface="ＭＳ Ｐ明朝"/>
-        <a:font script="Hang" typeface="궁서"/>
-        <a:font script="Hans" typeface="仿宋"/>
-        <a:font script="Hant" typeface="標楷體"/>
-        <a:font script="Arab" typeface="Times New Roman"/>
-        <a:font script="Hebr" typeface="Times New Roman"/>
-        <a:font script="Thai" typeface="Angsana New"/>
+        <a:font script="Jpan" typeface="HGｺﾞｼｯｸM"/>
+        <a:font script="Hang" typeface="HY중고딕"/>
+        <a:font script="Hans" typeface="黑体"/>
+        <a:font script="Hant" typeface="微軟正黑體"/>
+        <a:font script="Arab" typeface="Tahoma"/>
+        <a:font script="Hebr" typeface="Levenim MT"/>
+        <a:font script="Thai" typeface="LilyUPC"/>
         <a:font script="Ethi" typeface="Nyala"/>
         <a:font script="Beng" typeface="Vrinda"/>
         <a:font script="Gujr" typeface="Shruti"/>
@@ -4667,12 +4777,12 @@
         <a:font script="Laoo" typeface="DokChampa"/>
         <a:font script="Sinh" typeface="Iskoola Pota"/>
         <a:font script="Mong" typeface="Mongolian Baiti"/>
-        <a:font script="Viet" typeface="Times New Roman"/>
+        <a:font script="Viet" typeface="Arial"/>
         <a:font script="Uigh" typeface="Microsoft Uighur"/>
         <a:font script="Geor" typeface="Sylfaen"/>
       </a:minorFont>
     </a:fontScheme>
-    <a:fmtScheme name="BlackTie">
+    <a:fmtScheme name="Technic">
       <a:fillStyleLst>
         <a:solidFill>
           <a:schemeClr val="phClr"/>
@@ -4681,87 +4791,93 @@
           <a:gsLst>
             <a:gs pos="0">
               <a:schemeClr val="phClr">
-                <a:tint val="45000"/>
-                <a:satMod val="220000"/>
+                <a:tint val="1000"/>
               </a:schemeClr>
             </a:gs>
-            <a:gs pos="30000">
+            <a:gs pos="68000">
               <a:schemeClr val="phClr">
-                <a:tint val="61000"/>
-                <a:satMod val="220000"/>
+                <a:tint val="77000"/>
               </a:schemeClr>
             </a:gs>
-            <a:gs pos="45000">
+            <a:gs pos="81000">
               <a:schemeClr val="phClr">
-                <a:tint val="66000"/>
-                <a:satMod val="240000"/>
+                <a:tint val="79000"/>
               </a:schemeClr>
             </a:gs>
-            <a:gs pos="55000">
+            <a:gs pos="86000">
               <a:schemeClr val="phClr">
-                <a:tint val="66000"/>
-                <a:satMod val="220000"/>
-              </a:schemeClr>
-            </a:gs>
-            <a:gs pos="73000">
-              <a:schemeClr val="phClr">
-                <a:tint val="61000"/>
-                <a:satMod val="220000"/>
+                <a:tint val="73000"/>
               </a:schemeClr>
             </a:gs>
             <a:gs pos="100000">
               <a:schemeClr val="phClr">
-                <a:tint val="45000"/>
-                <a:satMod val="220000"/>
+                <a:tint val="35000"/>
               </a:schemeClr>
             </a:gs>
           </a:gsLst>
-          <a:lin ang="950000" scaled="1"/>
+          <a:lin ang="5400000" scaled="1"/>
         </a:gradFill>
         <a:gradFill rotWithShape="1">
           <a:gsLst>
             <a:gs pos="0">
               <a:schemeClr val="phClr">
-                <a:shade val="63000"/>
-                <a:satMod val="110000"/>
+                <a:tint val="73000"/>
+                <a:satMod val="150000"/>
               </a:schemeClr>
             </a:gs>
-            <a:gs pos="30000">
+            <a:gs pos="25000">
               <a:schemeClr val="phClr">
-                <a:shade val="90000"/>
-                <a:satMod val="120000"/>
+                <a:tint val="96000"/>
+                <a:shade val="80000"/>
+                <a:satMod val="105000"/>
               </a:schemeClr>
             </a:gs>
-            <a:gs pos="45000">
+            <a:gs pos="38000">
               <a:schemeClr val="phClr">
-                <a:shade val="100000"/>
-                <a:satMod val="128000"/>
+                <a:tint val="96000"/>
+                <a:shade val="59000"/>
+                <a:satMod val="120000"/>
               </a:schemeClr>
             </a:gs>
             <a:gs pos="55000">
               <a:schemeClr val="phClr">
-                <a:shade val="100000"/>
-                <a:satMod val="128000"/>
+                <a:shade val="57000"/>
+                <a:satMod val="120000"/>
               </a:schemeClr>
             </a:gs>
-            <a:gs pos="73000">
+            <a:gs pos="80000">
               <a:schemeClr val="phClr">
-                <a:shade val="90000"/>
-                <a:satMod val="120000"/>
+                <a:shade val="56000"/>
+                <a:satMod val="145000"/>
+              </a:schemeClr>
+            </a:gs>
+            <a:gs pos="88000">
+              <a:schemeClr val="phClr">
+                <a:shade val="63000"/>
+                <a:satMod val="160000"/>
               </a:schemeClr>
             </a:gs>
             <a:gs pos="100000">
               <a:schemeClr val="phClr">
-                <a:shade val="63000"/>
-                <a:satMod val="110000"/>
+                <a:tint val="99555"/>
+                <a:satMod val="155000"/>
               </a:schemeClr>
             </a:gs>
           </a:gsLst>
-          <a:lin ang="950000" scaled="1"/>
+          <a:lin ang="5400000" scaled="1"/>
         </a:gradFill>
       </a:fillStyleLst>
       <a:lnStyleLst>
         <a:ln w="9525" cap="flat" cmpd="sng" algn="ctr">
+          <a:solidFill>
+            <a:schemeClr val="phClr">
+              <a:shade val="60000"/>
+              <a:satMod val="300000"/>
+            </a:schemeClr>
+          </a:solidFill>
+          <a:prstDash val="solid"/>
+        </a:ln>
+        <a:ln w="19050" cap="flat" cmpd="sng" algn="ctr">
           <a:solidFill>
             <a:schemeClr val="phClr"/>
           </a:solidFill>
@@ -4773,50 +4889,59 @@
           </a:solidFill>
           <a:prstDash val="solid"/>
         </a:ln>
-        <a:ln w="53975" cap="flat" cmpd="dbl" algn="ctr">
-          <a:solidFill>
-            <a:schemeClr val="phClr"/>
-          </a:solidFill>
-          <a:prstDash val="solid"/>
-        </a:ln>
       </a:lnStyleLst>
       <a:effectStyleLst>
         <a:effectStyle>
           <a:effectLst>
-            <a:outerShdw blurRad="38100" dist="25400" dir="5400000" rotWithShape="0">
-              <a:srgbClr val="000000">
-                <a:alpha val="40000"/>
-              </a:srgbClr>
-            </a:outerShdw>
+            <a:glow rad="63500">
+              <a:schemeClr val="phClr">
+                <a:tint val="30000"/>
+                <a:shade val="95000"/>
+                <a:satMod val="300000"/>
+                <a:alpha val="50000"/>
+              </a:schemeClr>
+            </a:glow>
           </a:effectLst>
         </a:effectStyle>
         <a:effectStyle>
           <a:effectLst>
-            <a:outerShdw blurRad="50800" dist="41909" dir="5400000" rotWithShape="0">
-              <a:srgbClr val="000000">
-                <a:alpha val="40000"/>
-              </a:srgbClr>
-            </a:outerShdw>
+            <a:glow rad="70000">
+              <a:schemeClr val="phClr">
+                <a:tint val="30000"/>
+                <a:shade val="95000"/>
+                <a:satMod val="300000"/>
+                <a:alpha val="50000"/>
+              </a:schemeClr>
+            </a:glow>
           </a:effectLst>
         </a:effectStyle>
         <a:effectStyle>
           <a:effectLst>
-            <a:outerShdw blurRad="57150" dist="38100" dir="5400000" algn="br" rotWithShape="0">
-              <a:srgbClr val="000000">
-                <a:alpha val="57000"/>
-              </a:srgbClr>
-            </a:outerShdw>
+            <a:glow rad="76200">
+              <a:schemeClr val="phClr">
+                <a:tint val="30000"/>
+                <a:shade val="95000"/>
+                <a:satMod val="300000"/>
+                <a:alpha val="50000"/>
+              </a:schemeClr>
+            </a:glow>
           </a:effectLst>
           <a:scene3d>
-            <a:camera prst="orthographicFront">
+            <a:camera prst="orthographicFront" fov="0">
               <a:rot lat="0" lon="0" rev="0"/>
             </a:camera>
-            <a:lightRig rig="twoPt" dir="t">
-              <a:rot lat="0" lon="0" rev="1800000"/>
+            <a:lightRig rig="harsh" dir="t">
+              <a:rot lat="6000000" lon="6000000" rev="0"/>
             </a:lightRig>
           </a:scene3d>
-          <a:sp3d>
-            <a:bevelT w="44450" h="31750" prst="coolSlant"/>
+          <a:sp3d contourW="10000" prstMaterial="metal">
+            <a:bevelT w="20000" h="9000" prst="softRound"/>
+            <a:contourClr>
+              <a:schemeClr val="phClr">
+                <a:shade val="30000"/>
+                <a:satMod val="200000"/>
+              </a:schemeClr>
+            </a:contourClr>
           </a:sp3d>
         </a:effectStyle>
       </a:effectStyleLst>
@@ -4824,43 +4949,46 @@
         <a:solidFill>
           <a:schemeClr val="phClr"/>
         </a:solidFill>
-        <a:blipFill rotWithShape="1">
-          <a:blip xmlns:r="http://schemas.openxmlformats.org/officeDocument/2006/relationships" r:embed="rId1">
-            <a:duotone>
-              <a:schemeClr val="phClr">
-                <a:tint val="95000"/>
-              </a:schemeClr>
-              <a:schemeClr val="phClr">
-                <a:shade val="20000"/>
-              </a:schemeClr>
-            </a:duotone>
-          </a:blip>
-          <a:stretch/>
-        </a:blipFill>
         <a:gradFill rotWithShape="1">
           <a:gsLst>
             <a:gs pos="0">
               <a:schemeClr val="phClr">
-                <a:tint val="40000"/>
-                <a:satMod val="350000"/>
+                <a:shade val="40000"/>
+                <a:satMod val="150000"/>
               </a:schemeClr>
             </a:gs>
-            <a:gs pos="40000">
+            <a:gs pos="30000">
               <a:schemeClr val="phClr">
-                <a:tint val="45000"/>
-                <a:shade val="99000"/>
-                <a:satMod val="350000"/>
+                <a:shade val="60000"/>
+                <a:satMod val="150000"/>
               </a:schemeClr>
             </a:gs>
             <a:gs pos="100000">
               <a:schemeClr val="phClr">
-                <a:shade val="30000"/>
-                <a:satMod val="255000"/>
+                <a:tint val="83000"/>
+                <a:satMod val="200000"/>
+              </a:schemeClr>
+            </a:gs>
+          </a:gsLst>
+          <a:lin ang="13000000" scaled="0"/>
+        </a:gradFill>
+        <a:gradFill rotWithShape="1">
+          <a:gsLst>
+            <a:gs pos="0">
+              <a:schemeClr val="phClr">
+                <a:tint val="78000"/>
+                <a:satMod val="220000"/>
+              </a:schemeClr>
+            </a:gs>
+            <a:gs pos="100000">
+              <a:schemeClr val="phClr">
+                <a:shade val="35000"/>
+                <a:satMod val="155000"/>
               </a:schemeClr>
             </a:gs>
           </a:gsLst>
           <a:path path="circle">
-            <a:fillToRect l="50000" t="-80000" r="50000" b="180000"/>
+            <a:fillToRect l="60000" t="50000" r="40000" b="50000"/>
           </a:path>
         </a:gradFill>
       </a:bgFillStyleLst>
